--- a/diseño/img-avances/descriptivo.pptx
+++ b/diseño/img-avances/descriptivo.pptx
@@ -4785,28 +4785,27 @@
       </p:pic>
       <p:sp>
         <p:nvSpPr>
-          <p:cNvPr id="5" name="CuadroTexto 4"/>
-          <p:cNvSpPr txBox="1"/>
+          <p:cNvPr id="6" name="Rectángulo 5"/>
+          <p:cNvSpPr/>
           <p:nvPr/>
         </p:nvSpPr>
         <p:spPr>
           <a:xfrm>
-            <a:off x="987953" y="4401099"/>
-            <a:ext cx="7772399" cy="584775"/>
+            <a:off x="987953" y="1874374"/>
+            <a:ext cx="7271627" cy="4832092"/>
           </a:xfrm>
           <a:prstGeom prst="rect">
             <a:avLst/>
           </a:prstGeom>
-          <a:noFill/>
         </p:spPr>
         <p:txBody>
-          <a:bodyPr wrap="square" rtlCol="0">
+          <a:bodyPr wrap="square">
             <a:spAutoFit/>
           </a:bodyPr>
           <a:lstStyle/>
           <a:p>
             <a:r>
-              <a:rPr lang="es-CR" sz="3200" dirty="0" smtClean="0">
+              <a:rPr lang="es-CR" sz="2800" dirty="0" smtClean="0">
                 <a:solidFill>
                   <a:schemeClr val="tx2">
                     <a:lumMod val="60000"/>
@@ -4815,43 +4814,10 @@
                 </a:solidFill>
                 <a:latin typeface="Franklin Gothic Demi" panose="020B0703020102020204" pitchFamily="34" charset="0"/>
               </a:rPr>
-              <a:t>falta</a:t>
-            </a:r>
-            <a:endParaRPr lang="es-CR" sz="3200" dirty="0">
-              <a:solidFill>
-                <a:schemeClr val="tx2">
-                  <a:lumMod val="60000"/>
-                  <a:lumOff val="40000"/>
-                </a:schemeClr>
-              </a:solidFill>
-              <a:latin typeface="Franklin Gothic Demi" panose="020B0703020102020204" pitchFamily="34" charset="0"/>
-            </a:endParaRPr>
-          </a:p>
-        </p:txBody>
-      </p:sp>
-      <p:sp>
-        <p:nvSpPr>
-          <p:cNvPr id="6" name="Rectángulo 5"/>
-          <p:cNvSpPr/>
-          <p:nvPr/>
-        </p:nvSpPr>
-        <p:spPr>
-          <a:xfrm>
-            <a:off x="987953" y="1925111"/>
-            <a:ext cx="6384472" cy="584775"/>
-          </a:xfrm>
-          <a:prstGeom prst="rect">
-            <a:avLst/>
-          </a:prstGeom>
-        </p:spPr>
-        <p:txBody>
-          <a:bodyPr wrap="square">
-            <a:spAutoFit/>
-          </a:bodyPr>
-          <a:lstStyle/>
-          <a:p>
-            <a:r>
-              <a:rPr lang="es-CR" sz="3200" dirty="0" smtClean="0">
+              <a:t>El </a:t>
+            </a:r>
+            <a:r>
+              <a:rPr lang="es-CR" sz="2800" dirty="0">
                 <a:solidFill>
                   <a:schemeClr val="tx2">
                     <a:lumMod val="60000"/>
@@ -4860,9 +4826,21 @@
                 </a:solidFill>
                 <a:latin typeface="Franklin Gothic Demi" panose="020B0703020102020204" pitchFamily="34" charset="0"/>
               </a:rPr>
-              <a:t>Falta</a:t>
-            </a:r>
-            <a:endParaRPr lang="es-CR" sz="3200" dirty="0">
+              <a:t>recurso Programas Energizados Inglés tiene como finalidad apoyar los programas de estudio de inglés por medio de materiales digitales que permiten ser parte de diferentes experiencias de aprendizaje planteadas en las guías de estudio. Por medio de códigos QR los docentes podrán escanear los recursos los cuales están directamente enlazados con los diferentes </a:t>
+            </a:r>
+            <a:r>
+              <a:rPr lang="es-CR" sz="2800" dirty="0" smtClean="0">
+                <a:solidFill>
+                  <a:schemeClr val="tx2">
+                    <a:lumMod val="60000"/>
+                    <a:lumOff val="40000"/>
+                  </a:schemeClr>
+                </a:solidFill>
+                <a:latin typeface="Franklin Gothic Demi" panose="020B0703020102020204" pitchFamily="34" charset="0"/>
+              </a:rPr>
+              <a:t>escenarios, la primer versión será para 1°,2° y 3°.</a:t>
+            </a:r>
+            <a:endParaRPr lang="es-CR" sz="2800" dirty="0">
               <a:solidFill>
                 <a:schemeClr val="tx2">
                   <a:lumMod val="60000"/>

--- a/diseño/img-avances/descriptivo.pptx
+++ b/diseño/img-avances/descriptivo.pptx
@@ -5,16 +5,15 @@
     <p:sldMasterId id="2147483648" r:id="rId1"/>
   </p:sldMasterIdLst>
   <p:notesMasterIdLst>
-    <p:notesMasterId r:id="rId9"/>
+    <p:notesMasterId r:id="rId8"/>
   </p:notesMasterIdLst>
   <p:sldIdLst>
     <p:sldId id="259" r:id="rId2"/>
     <p:sldId id="260" r:id="rId3"/>
     <p:sldId id="261" r:id="rId4"/>
     <p:sldId id="263" r:id="rId5"/>
-    <p:sldId id="264" r:id="rId6"/>
-    <p:sldId id="262" r:id="rId7"/>
-    <p:sldId id="256" r:id="rId8"/>
+    <p:sldId id="262" r:id="rId6"/>
+    <p:sldId id="264" r:id="rId7"/>
   </p:sldIdLst>
   <p:sldSz cx="12192000" cy="6858000"/>
   <p:notesSz cx="6858000" cy="9144000"/>
@@ -203,7 +202,7 @@
           <a:p>
             <a:fld id="{30BCF29D-964E-4AF3-8FDD-9F64096CA3C1}" type="datetimeFigureOut">
               <a:rPr lang="es-CR" smtClean="0"/>
-              <a:t>15/10/2020</a:t>
+              <a:t>19/10/2020</a:t>
             </a:fld>
             <a:endParaRPr lang="es-CR"/>
           </a:p>
@@ -881,7 +880,7 @@
     </p:spTree>
     <p:extLst>
       <p:ext uri="{BB962C8B-B14F-4D97-AF65-F5344CB8AC3E}">
-        <p14:creationId xmlns:p14="http://schemas.microsoft.com/office/powerpoint/2010/main" val="1790582063"/>
+        <p14:creationId xmlns:p14="http://schemas.microsoft.com/office/powerpoint/2010/main" val="4205502677"/>
       </p:ext>
     </p:extLst>
   </p:cSld>
@@ -965,7 +964,7 @@
     </p:spTree>
     <p:extLst>
       <p:ext uri="{BB962C8B-B14F-4D97-AF65-F5344CB8AC3E}">
-        <p14:creationId xmlns:p14="http://schemas.microsoft.com/office/powerpoint/2010/main" val="4205502677"/>
+        <p14:creationId xmlns:p14="http://schemas.microsoft.com/office/powerpoint/2010/main" val="1790582063"/>
       </p:ext>
     </p:extLst>
   </p:cSld>
@@ -1106,7 +1105,7 @@
           <a:p>
             <a:fld id="{4097F1C0-AB73-4599-94B3-8B167406BF92}" type="datetimeFigureOut">
               <a:rPr lang="es-CR" smtClean="0"/>
-              <a:t>15/10/2020</a:t>
+              <a:t>19/10/2020</a:t>
             </a:fld>
             <a:endParaRPr lang="es-CR"/>
           </a:p>
@@ -1276,7 +1275,7 @@
           <a:p>
             <a:fld id="{4097F1C0-AB73-4599-94B3-8B167406BF92}" type="datetimeFigureOut">
               <a:rPr lang="es-CR" smtClean="0"/>
-              <a:t>15/10/2020</a:t>
+              <a:t>19/10/2020</a:t>
             </a:fld>
             <a:endParaRPr lang="es-CR"/>
           </a:p>
@@ -1456,7 +1455,7 @@
           <a:p>
             <a:fld id="{4097F1C0-AB73-4599-94B3-8B167406BF92}" type="datetimeFigureOut">
               <a:rPr lang="es-CR" smtClean="0"/>
-              <a:t>15/10/2020</a:t>
+              <a:t>19/10/2020</a:t>
             </a:fld>
             <a:endParaRPr lang="es-CR"/>
           </a:p>
@@ -1626,7 +1625,7 @@
           <a:p>
             <a:fld id="{4097F1C0-AB73-4599-94B3-8B167406BF92}" type="datetimeFigureOut">
               <a:rPr lang="es-CR" smtClean="0"/>
-              <a:t>15/10/2020</a:t>
+              <a:t>19/10/2020</a:t>
             </a:fld>
             <a:endParaRPr lang="es-CR"/>
           </a:p>
@@ -1872,7 +1871,7 @@
           <a:p>
             <a:fld id="{4097F1C0-AB73-4599-94B3-8B167406BF92}" type="datetimeFigureOut">
               <a:rPr lang="es-CR" smtClean="0"/>
-              <a:t>15/10/2020</a:t>
+              <a:t>19/10/2020</a:t>
             </a:fld>
             <a:endParaRPr lang="es-CR"/>
           </a:p>
@@ -2104,7 +2103,7 @@
           <a:p>
             <a:fld id="{4097F1C0-AB73-4599-94B3-8B167406BF92}" type="datetimeFigureOut">
               <a:rPr lang="es-CR" smtClean="0"/>
-              <a:t>15/10/2020</a:t>
+              <a:t>19/10/2020</a:t>
             </a:fld>
             <a:endParaRPr lang="es-CR"/>
           </a:p>
@@ -2471,7 +2470,7 @@
           <a:p>
             <a:fld id="{4097F1C0-AB73-4599-94B3-8B167406BF92}" type="datetimeFigureOut">
               <a:rPr lang="es-CR" smtClean="0"/>
-              <a:t>15/10/2020</a:t>
+              <a:t>19/10/2020</a:t>
             </a:fld>
             <a:endParaRPr lang="es-CR"/>
           </a:p>
@@ -2589,7 +2588,7 @@
           <a:p>
             <a:fld id="{4097F1C0-AB73-4599-94B3-8B167406BF92}" type="datetimeFigureOut">
               <a:rPr lang="es-CR" smtClean="0"/>
-              <a:t>15/10/2020</a:t>
+              <a:t>19/10/2020</a:t>
             </a:fld>
             <a:endParaRPr lang="es-CR"/>
           </a:p>
@@ -2684,7 +2683,7 @@
           <a:p>
             <a:fld id="{4097F1C0-AB73-4599-94B3-8B167406BF92}" type="datetimeFigureOut">
               <a:rPr lang="es-CR" smtClean="0"/>
-              <a:t>15/10/2020</a:t>
+              <a:t>19/10/2020</a:t>
             </a:fld>
             <a:endParaRPr lang="es-CR"/>
           </a:p>
@@ -2961,7 +2960,7 @@
           <a:p>
             <a:fld id="{4097F1C0-AB73-4599-94B3-8B167406BF92}" type="datetimeFigureOut">
               <a:rPr lang="es-CR" smtClean="0"/>
-              <a:t>15/10/2020</a:t>
+              <a:t>19/10/2020</a:t>
             </a:fld>
             <a:endParaRPr lang="es-CR"/>
           </a:p>
@@ -3214,7 +3213,7 @@
           <a:p>
             <a:fld id="{4097F1C0-AB73-4599-94B3-8B167406BF92}" type="datetimeFigureOut">
               <a:rPr lang="es-CR" smtClean="0"/>
-              <a:t>15/10/2020</a:t>
+              <a:t>19/10/2020</a:t>
             </a:fld>
             <a:endParaRPr lang="es-CR"/>
           </a:p>
@@ -3279,9 +3278,18 @@
 <p:sldMaster xmlns:a="http://schemas.openxmlformats.org/drawingml/2006/main" xmlns:r="http://schemas.openxmlformats.org/officeDocument/2006/relationships" xmlns:p="http://schemas.openxmlformats.org/presentationml/2006/main">
   <p:cSld>
     <p:bg>
-      <p:bgRef idx="1001">
-        <a:schemeClr val="bg1"/>
-      </p:bgRef>
+      <p:bgPr>
+        <a:blipFill dpi="0" rotWithShape="1">
+          <a:blip r:embed="rId13">
+            <a:lum/>
+          </a:blip>
+          <a:srcRect/>
+          <a:stretch>
+            <a:fillRect/>
+          </a:stretch>
+        </a:blipFill>
+        <a:effectLst/>
+      </p:bgPr>
     </p:bg>
     <p:spTree>
       <p:nvGrpSpPr>
@@ -3427,7 +3435,7 @@
           <a:p>
             <a:fld id="{4097F1C0-AB73-4599-94B3-8B167406BF92}" type="datetimeFigureOut">
               <a:rPr lang="es-CR" smtClean="0"/>
-              <a:t>15/10/2020</a:t>
+              <a:t>19/10/2020</a:t>
             </a:fld>
             <a:endParaRPr lang="es-CR"/>
           </a:p>
@@ -3832,35 +3840,6 @@
           <a:chExt cx="0" cy="0"/>
         </a:xfrm>
       </p:grpSpPr>
-      <p:pic>
-        <p:nvPicPr>
-          <p:cNvPr id="4" name="Marcador de contenido 3"/>
-          <p:cNvPicPr>
-            <a:picLocks noGrp="1" noChangeAspect="1"/>
-          </p:cNvPicPr>
-          <p:nvPr>
-            <p:ph idx="1"/>
-          </p:nvPr>
-        </p:nvPicPr>
-        <p:blipFill>
-          <a:blip r:embed="rId3">
-            <a:extLst>
-              <a:ext uri="{28A0092B-C50C-407E-A947-70E740481C1C}">
-                <a14:useLocalDpi xmlns:a14="http://schemas.microsoft.com/office/drawing/2010/main" val="0"/>
-              </a:ext>
-            </a:extLst>
-          </a:blip>
-          <a:stretch>
-            <a:fillRect/>
-          </a:stretch>
-        </p:blipFill>
-        <p:spPr>
-          <a:xfrm>
-            <a:off x="3690257" y="0"/>
-            <a:ext cx="8278510" cy="6404769"/>
-          </a:xfrm>
-        </p:spPr>
-      </p:pic>
       <p:sp>
         <p:nvSpPr>
           <p:cNvPr id="5" name="CuadroTexto 4"/>
@@ -3869,8 +3848,8 @@
         </p:nvSpPr>
         <p:spPr>
           <a:xfrm>
-            <a:off x="987953" y="4101295"/>
-            <a:ext cx="7772399" cy="2062103"/>
+            <a:off x="719529" y="4101295"/>
+            <a:ext cx="8040824" cy="2308324"/>
           </a:xfrm>
           <a:prstGeom prst="rect">
             <a:avLst/>
@@ -3884,7 +3863,37 @@
           <a:lstStyle/>
           <a:p>
             <a:r>
-              <a:rPr lang="es-CR" sz="3200" dirty="0" smtClean="0">
+              <a:rPr lang="es-CR" sz="3600" dirty="0">
+                <a:solidFill>
+                  <a:schemeClr val="bg1"/>
+                </a:solidFill>
+                <a:latin typeface="Estrangelo Edessa" panose="03080600000000000000" pitchFamily="66" charset="0"/>
+                <a:cs typeface="Estrangelo Edessa" panose="03080600000000000000" pitchFamily="66" charset="0"/>
+              </a:rPr>
+              <a:t>aumentada </a:t>
+            </a:r>
+            <a:r>
+              <a:rPr lang="es-CR" sz="3600" dirty="0">
+                <a:solidFill>
+                  <a:schemeClr val="bg1"/>
+                </a:solidFill>
+                <a:latin typeface="Estrangelo Edessa" panose="03080600000000000000" pitchFamily="66" charset="0"/>
+                <a:cs typeface="Estrangelo Edessa" panose="03080600000000000000" pitchFamily="66" charset="0"/>
+              </a:rPr>
+              <a:t>y un videojuego en tres niveles, que aborda contenido del tema de los reinos biológicos y las relaciones que se dan entre los seres </a:t>
+            </a:r>
+            <a:r>
+              <a:rPr lang="es-CR" sz="3600" dirty="0">
+                <a:solidFill>
+                  <a:schemeClr val="bg1"/>
+                </a:solidFill>
+                <a:latin typeface="Estrangelo Edessa" panose="03080600000000000000" pitchFamily="66" charset="0"/>
+                <a:cs typeface="Estrangelo Edessa" panose="03080600000000000000" pitchFamily="66" charset="0"/>
+              </a:rPr>
+              <a:t>vivos</a:t>
+            </a:r>
+            <a:r>
+              <a:rPr lang="es-CR" sz="2800" dirty="0" smtClean="0">
                 <a:solidFill>
                   <a:schemeClr val="tx2">
                     <a:lumMod val="60000"/>
@@ -3893,33 +3902,9 @@
                 </a:solidFill>
                 <a:latin typeface="Franklin Gothic Demi" panose="020B0703020102020204" pitchFamily="34" charset="0"/>
               </a:rPr>
-              <a:t>aumentada </a:t>
-            </a:r>
-            <a:r>
-              <a:rPr lang="es-CR" sz="3200" dirty="0">
-                <a:solidFill>
-                  <a:schemeClr val="tx2">
-                    <a:lumMod val="60000"/>
-                    <a:lumOff val="40000"/>
-                  </a:schemeClr>
-                </a:solidFill>
-                <a:latin typeface="Franklin Gothic Demi" panose="020B0703020102020204" pitchFamily="34" charset="0"/>
-              </a:rPr>
-              <a:t>y un videojuego en tres niveles, que aborda contenido del tema de los reinos biológicos y las relaciones que se dan entre los seres </a:t>
-            </a:r>
-            <a:r>
-              <a:rPr lang="es-CR" sz="3200" dirty="0" smtClean="0">
-                <a:solidFill>
-                  <a:schemeClr val="tx2">
-                    <a:lumMod val="60000"/>
-                    <a:lumOff val="40000"/>
-                  </a:schemeClr>
-                </a:solidFill>
-                <a:latin typeface="Franklin Gothic Demi" panose="020B0703020102020204" pitchFamily="34" charset="0"/>
-              </a:rPr>
-              <a:t>vivos.</a:t>
-            </a:r>
-            <a:endParaRPr lang="es-CR" sz="3200" dirty="0">
+              <a:t>.</a:t>
+            </a:r>
+            <a:endParaRPr lang="es-CR" sz="2800" dirty="0">
               <a:solidFill>
                 <a:schemeClr val="tx2">
                   <a:lumMod val="60000"/>
@@ -3939,8 +3924,8 @@
         </p:nvSpPr>
         <p:spPr>
           <a:xfrm>
-            <a:off x="987953" y="1546750"/>
-            <a:ext cx="6384472" cy="2554545"/>
+            <a:off x="719529" y="1792971"/>
+            <a:ext cx="7632789" cy="2308324"/>
           </a:xfrm>
           <a:prstGeom prst="rect">
             <a:avLst/>
@@ -3953,14 +3938,12 @@
           <a:lstStyle/>
           <a:p>
             <a:r>
-              <a:rPr lang="es-CR" sz="3200" dirty="0">
+              <a:rPr lang="es-CR" sz="3600" dirty="0">
                 <a:solidFill>
-                  <a:schemeClr val="tx2">
-                    <a:lumMod val="60000"/>
-                    <a:lumOff val="40000"/>
-                  </a:schemeClr>
+                  <a:schemeClr val="bg1"/>
                 </a:solidFill>
-                <a:latin typeface="Franklin Gothic Demi" panose="020B0703020102020204" pitchFamily="34" charset="0"/>
+                <a:latin typeface="Estrangelo Edessa" panose="03080600000000000000" pitchFamily="66" charset="0"/>
+                <a:cs typeface="Estrangelo Edessa" panose="03080600000000000000" pitchFamily="66" charset="0"/>
               </a:rPr>
               <a:t>Juego multimedia interactivo con un avatar personalizable, un cómic, un módulo que se accede a la Comunidad del Tronco Caído mediante realidad </a:t>
             </a:r>
@@ -3992,9 +3975,7 @@
             <a:r>
               <a:rPr lang="es-CR" sz="4400" dirty="0">
                 <a:solidFill>
-                  <a:schemeClr val="bg1">
-                    <a:lumMod val="50000"/>
-                  </a:schemeClr>
+                  <a:schemeClr val="bg1"/>
                 </a:solidFill>
                 <a:latin typeface="Impact" panose="020B0806030902050204" pitchFamily="34" charset="0"/>
               </a:rPr>
@@ -4003,9 +3984,7 @@
             <a:r>
               <a:rPr lang="es-CR" sz="3200" dirty="0">
                 <a:solidFill>
-                  <a:schemeClr val="bg1">
-                    <a:lumMod val="50000"/>
-                  </a:schemeClr>
+                  <a:schemeClr val="bg1"/>
                 </a:solidFill>
                 <a:latin typeface="Impact" panose="020B0806030902050204" pitchFamily="34" charset="0"/>
               </a:rPr>
@@ -4014,9 +3993,7 @@
             <a:r>
               <a:rPr lang="es-CR" sz="5400" dirty="0">
                 <a:solidFill>
-                  <a:schemeClr val="bg1">
-                    <a:lumMod val="50000"/>
-                  </a:schemeClr>
+                  <a:schemeClr val="bg1"/>
                 </a:solidFill>
                 <a:latin typeface="Impact" panose="020B0806030902050204" pitchFamily="34" charset="0"/>
               </a:rPr>
@@ -4024,9 +4001,7 @@
             </a:r>
             <a:endParaRPr lang="es-CR" sz="3200" dirty="0">
               <a:solidFill>
-                <a:schemeClr val="bg1">
-                  <a:lumMod val="50000"/>
-                </a:schemeClr>
+                <a:schemeClr val="bg1"/>
               </a:solidFill>
               <a:latin typeface="Impact" panose="020B0806030902050204" pitchFamily="34" charset="0"/>
             </a:endParaRPr>
@@ -4063,35 +4038,6 @@
           <a:chExt cx="0" cy="0"/>
         </a:xfrm>
       </p:grpSpPr>
-      <p:pic>
-        <p:nvPicPr>
-          <p:cNvPr id="4" name="Marcador de contenido 3"/>
-          <p:cNvPicPr>
-            <a:picLocks noGrp="1" noChangeAspect="1"/>
-          </p:cNvPicPr>
-          <p:nvPr>
-            <p:ph idx="1"/>
-          </p:nvPr>
-        </p:nvPicPr>
-        <p:blipFill>
-          <a:blip r:embed="rId3">
-            <a:extLst>
-              <a:ext uri="{28A0092B-C50C-407E-A947-70E740481C1C}">
-                <a14:useLocalDpi xmlns:a14="http://schemas.microsoft.com/office/drawing/2010/main" val="0"/>
-              </a:ext>
-            </a:extLst>
-          </a:blip>
-          <a:stretch>
-            <a:fillRect/>
-          </a:stretch>
-        </p:blipFill>
-        <p:spPr>
-          <a:xfrm>
-            <a:off x="3690257" y="0"/>
-            <a:ext cx="8278510" cy="6404769"/>
-          </a:xfrm>
-        </p:spPr>
-      </p:pic>
       <p:sp>
         <p:nvSpPr>
           <p:cNvPr id="5" name="CuadroTexto 4"/>
@@ -4100,8 +4046,8 @@
         </p:nvSpPr>
         <p:spPr>
           <a:xfrm>
-            <a:off x="628725" y="1952213"/>
-            <a:ext cx="7772399" cy="3970318"/>
+            <a:off x="508804" y="2072134"/>
+            <a:ext cx="7772399" cy="4401205"/>
           </a:xfrm>
           <a:prstGeom prst="rect">
             <a:avLst/>
@@ -4115,14 +4061,12 @@
           <a:lstStyle/>
           <a:p>
             <a:r>
-              <a:rPr lang="es-CR" sz="3600" dirty="0">
+              <a:rPr lang="es-CR" sz="4000" dirty="0">
                 <a:solidFill>
-                  <a:schemeClr val="tx2">
-                    <a:lumMod val="60000"/>
-                    <a:lumOff val="40000"/>
-                  </a:schemeClr>
+                  <a:schemeClr val="bg1"/>
                 </a:solidFill>
-                <a:latin typeface="Franklin Gothic Demi" panose="020B0703020102020204" pitchFamily="34" charset="0"/>
+                <a:latin typeface="Estrangelo Edessa" panose="03080600000000000000" pitchFamily="66" charset="0"/>
+                <a:cs typeface="Estrangelo Edessa" panose="03080600000000000000" pitchFamily="66" charset="0"/>
               </a:rPr>
               <a:t>Multimedia interactivo un avatar personalizable, un cómic, un módulo que se accede mediante realidad aumentada con tres ambientes diferentes con varios juegos interactivos, para abordar el tema de “Paisajes sonoros”. </a:t>
             </a:r>
@@ -4154,11 +4098,9 @@
             <a:r>
               <a:rPr lang="es-CR" sz="6000" dirty="0" smtClean="0">
                 <a:solidFill>
-                  <a:schemeClr val="bg1">
-                    <a:lumMod val="50000"/>
-                  </a:schemeClr>
+                  <a:schemeClr val="bg1"/>
                 </a:solidFill>
-                <a:latin typeface="Impact" panose="020B0806030902050204" pitchFamily="34" charset="0"/>
+                <a:latin typeface="Berlin Sans FB Demi" panose="020E0802020502020306" pitchFamily="34" charset="0"/>
               </a:rPr>
               <a:t>Brigada</a:t>
             </a:r>
@@ -4167,21 +4109,17 @@
             <a:r>
               <a:rPr lang="es-CR" sz="4400" dirty="0" smtClean="0">
                 <a:solidFill>
-                  <a:schemeClr val="bg1">
-                    <a:lumMod val="50000"/>
-                  </a:schemeClr>
+                  <a:schemeClr val="bg1"/>
                 </a:solidFill>
-                <a:latin typeface="Impact" panose="020B0806030902050204" pitchFamily="34" charset="0"/>
+                <a:latin typeface="Berlin Sans FB Demi" panose="020E0802020502020306" pitchFamily="34" charset="0"/>
               </a:rPr>
               <a:t> Ecosónica</a:t>
             </a:r>
             <a:endParaRPr lang="es-CR" sz="4400" dirty="0">
               <a:solidFill>
-                <a:schemeClr val="bg1">
-                  <a:lumMod val="50000"/>
-                </a:schemeClr>
+                <a:schemeClr val="bg1"/>
               </a:solidFill>
-              <a:latin typeface="Impact" panose="020B0806030902050204" pitchFamily="34" charset="0"/>
+              <a:latin typeface="Berlin Sans FB Demi" panose="020E0802020502020306" pitchFamily="34" charset="0"/>
             </a:endParaRPr>
           </a:p>
         </p:txBody>
@@ -4216,35 +4154,6 @@
           <a:chExt cx="0" cy="0"/>
         </a:xfrm>
       </p:grpSpPr>
-      <p:pic>
-        <p:nvPicPr>
-          <p:cNvPr id="4" name="Marcador de contenido 3"/>
-          <p:cNvPicPr>
-            <a:picLocks noGrp="1" noChangeAspect="1"/>
-          </p:cNvPicPr>
-          <p:nvPr>
-            <p:ph idx="1"/>
-          </p:nvPr>
-        </p:nvPicPr>
-        <p:blipFill>
-          <a:blip r:embed="rId3">
-            <a:extLst>
-              <a:ext uri="{28A0092B-C50C-407E-A947-70E740481C1C}">
-                <a14:useLocalDpi xmlns:a14="http://schemas.microsoft.com/office/drawing/2010/main" val="0"/>
-              </a:ext>
-            </a:extLst>
-          </a:blip>
-          <a:stretch>
-            <a:fillRect/>
-          </a:stretch>
-        </p:blipFill>
-        <p:spPr>
-          <a:xfrm>
-            <a:off x="3690257" y="0"/>
-            <a:ext cx="8278510" cy="6404769"/>
-          </a:xfrm>
-        </p:spPr>
-      </p:pic>
       <p:sp>
         <p:nvSpPr>
           <p:cNvPr id="5" name="CuadroTexto 4"/>
@@ -4253,8 +4162,8 @@
         </p:nvSpPr>
         <p:spPr>
           <a:xfrm>
-            <a:off x="1102253" y="4325481"/>
-            <a:ext cx="7772399" cy="2062103"/>
+            <a:off x="472666" y="4092224"/>
+            <a:ext cx="7772399" cy="2308324"/>
           </a:xfrm>
           <a:prstGeom prst="rect">
             <a:avLst/>
@@ -4268,26 +4177,15 @@
           <a:lstStyle/>
           <a:p>
             <a:r>
-              <a:rPr lang="es-CR" sz="3200" dirty="0" smtClean="0">
+              <a:rPr lang="es-CR" sz="3600" dirty="0">
                 <a:solidFill>
-                  <a:schemeClr val="tx2">
-                    <a:lumMod val="60000"/>
-                    <a:lumOff val="40000"/>
-                  </a:schemeClr>
+                  <a:schemeClr val="bg1"/>
                 </a:solidFill>
-                <a:latin typeface="Franklin Gothic Demi" panose="020B0703020102020204" pitchFamily="34" charset="0"/>
+                <a:latin typeface="Estrangelo Edessa" panose="03080600000000000000" pitchFamily="66" charset="0"/>
+                <a:cs typeface="Estrangelo Edessa" panose="03080600000000000000" pitchFamily="66" charset="0"/>
               </a:rPr>
               <a:t>Un trabajo en colaboración con el Programa de Investigación en Fundamentos de la Educación a Distancia PROIFED, UNED, y Banco Popular.</a:t>
             </a:r>
-            <a:endParaRPr lang="es-CR" sz="3200" dirty="0">
-              <a:solidFill>
-                <a:schemeClr val="tx2">
-                  <a:lumMod val="60000"/>
-                  <a:lumOff val="40000"/>
-                </a:schemeClr>
-              </a:solidFill>
-              <a:latin typeface="Franklin Gothic Demi" panose="020B0703020102020204" pitchFamily="34" charset="0"/>
-            </a:endParaRPr>
           </a:p>
         </p:txBody>
       </p:sp>
@@ -4299,8 +4197,8 @@
         </p:nvSpPr>
         <p:spPr>
           <a:xfrm>
-            <a:off x="1102253" y="1822492"/>
-            <a:ext cx="6384472" cy="2554545"/>
+            <a:off x="472666" y="1537679"/>
+            <a:ext cx="8086718" cy="2554545"/>
           </a:xfrm>
           <a:prstGeom prst="rect">
             <a:avLst/>
@@ -4313,26 +4211,15 @@
           <a:lstStyle/>
           <a:p>
             <a:r>
-              <a:rPr lang="es-CR" sz="3200" dirty="0" smtClean="0">
+              <a:rPr lang="es-CR" sz="4000" dirty="0">
                 <a:solidFill>
-                  <a:schemeClr val="tx2">
-                    <a:lumMod val="60000"/>
-                    <a:lumOff val="40000"/>
-                  </a:schemeClr>
+                  <a:schemeClr val="bg1"/>
                 </a:solidFill>
-                <a:latin typeface="Franklin Gothic Demi" panose="020B0703020102020204" pitchFamily="34" charset="0"/>
+                <a:latin typeface="Estrangelo Edessa" panose="03080600000000000000" pitchFamily="66" charset="0"/>
+                <a:cs typeface="Estrangelo Edessa" panose="03080600000000000000" pitchFamily="66" charset="0"/>
               </a:rPr>
               <a:t>Una serie de guías para el docente y sus estudiantes, para los grados de primero a sexto, con actividades que refuerzan la educación financiera.</a:t>
             </a:r>
-            <a:endParaRPr lang="es-CR" sz="3200" dirty="0">
-              <a:solidFill>
-                <a:schemeClr val="tx2">
-                  <a:lumMod val="60000"/>
-                  <a:lumOff val="40000"/>
-                </a:schemeClr>
-              </a:solidFill>
-              <a:latin typeface="Franklin Gothic Demi" panose="020B0703020102020204" pitchFamily="34" charset="0"/>
-            </a:endParaRPr>
           </a:p>
         </p:txBody>
       </p:sp>
@@ -4344,7 +4231,7 @@
         </p:nvSpPr>
         <p:spPr>
           <a:xfrm>
-            <a:off x="987953" y="129721"/>
+            <a:off x="283415" y="39780"/>
             <a:ext cx="4571926" cy="1692771"/>
           </a:xfrm>
           <a:prstGeom prst="rect">
@@ -4361,9 +4248,7 @@
             <a:r>
               <a:rPr lang="es-CR" sz="6000" dirty="0" smtClean="0">
                 <a:solidFill>
-                  <a:schemeClr val="bg1">
-                    <a:lumMod val="50000"/>
-                  </a:schemeClr>
+                  <a:schemeClr val="bg1"/>
                 </a:solidFill>
                 <a:latin typeface="Impact" panose="020B0806030902050204" pitchFamily="34" charset="0"/>
               </a:rPr>
@@ -4385,9 +4270,7 @@
             <a:r>
               <a:rPr lang="es-CR" sz="4400" dirty="0" smtClean="0">
                 <a:solidFill>
-                  <a:schemeClr val="bg1">
-                    <a:lumMod val="50000"/>
-                  </a:schemeClr>
+                  <a:schemeClr val="bg1"/>
                 </a:solidFill>
                 <a:latin typeface="Impact" panose="020B0806030902050204" pitchFamily="34" charset="0"/>
               </a:rPr>
@@ -4445,35 +4328,6 @@
           <a:chExt cx="0" cy="0"/>
         </a:xfrm>
       </p:grpSpPr>
-      <p:pic>
-        <p:nvPicPr>
-          <p:cNvPr id="4" name="Marcador de contenido 3"/>
-          <p:cNvPicPr>
-            <a:picLocks noGrp="1" noChangeAspect="1"/>
-          </p:cNvPicPr>
-          <p:nvPr>
-            <p:ph idx="1"/>
-          </p:nvPr>
-        </p:nvPicPr>
-        <p:blipFill>
-          <a:blip r:embed="rId3">
-            <a:extLst>
-              <a:ext uri="{28A0092B-C50C-407E-A947-70E740481C1C}">
-                <a14:useLocalDpi xmlns:a14="http://schemas.microsoft.com/office/drawing/2010/main" val="0"/>
-              </a:ext>
-            </a:extLst>
-          </a:blip>
-          <a:stretch>
-            <a:fillRect/>
-          </a:stretch>
-        </p:blipFill>
-        <p:spPr>
-          <a:xfrm>
-            <a:off x="3690257" y="0"/>
-            <a:ext cx="8278510" cy="6404769"/>
-          </a:xfrm>
-        </p:spPr>
-      </p:pic>
       <p:sp>
         <p:nvSpPr>
           <p:cNvPr id="6" name="Rectángulo 5"/>
@@ -4482,8 +4336,8 @@
         </p:nvSpPr>
         <p:spPr>
           <a:xfrm>
-            <a:off x="856417" y="2324060"/>
-            <a:ext cx="7507054" cy="3970318"/>
+            <a:off x="391722" y="2029003"/>
+            <a:ext cx="7807898" cy="4401205"/>
           </a:xfrm>
           <a:prstGeom prst="rect">
             <a:avLst/>
@@ -4496,26 +4350,15 @@
           <a:lstStyle/>
           <a:p>
             <a:r>
-              <a:rPr lang="es-CR" sz="3600" dirty="0" smtClean="0">
+              <a:rPr lang="es-CR" sz="4000" dirty="0">
                 <a:solidFill>
-                  <a:schemeClr val="tx2">
-                    <a:lumMod val="60000"/>
-                    <a:lumOff val="40000"/>
-                  </a:schemeClr>
+                  <a:schemeClr val="bg1"/>
                 </a:solidFill>
-                <a:latin typeface="Franklin Gothic Demi" panose="020B0703020102020204" pitchFamily="34" charset="0"/>
+                <a:latin typeface="Estrangelo Edessa" panose="03080600000000000000" pitchFamily="66" charset="0"/>
+                <a:cs typeface="Estrangelo Edessa" panose="03080600000000000000" pitchFamily="66" charset="0"/>
               </a:rPr>
               <a:t>Traductor de la lengua ngäbere, conocido también como guaimí, este recurso tiene distintas palabras acompañado de un audio, una imagen y una frase que pone en contexto al usuario que desee aprender sobre esta lengua </a:t>
             </a:r>
-            <a:endParaRPr lang="es-CR" sz="3600" dirty="0">
-              <a:solidFill>
-                <a:schemeClr val="tx2">
-                  <a:lumMod val="60000"/>
-                  <a:lumOff val="40000"/>
-                </a:schemeClr>
-              </a:solidFill>
-              <a:latin typeface="Franklin Gothic Demi" panose="020B0703020102020204" pitchFamily="34" charset="0"/>
-            </a:endParaRPr>
           </a:p>
         </p:txBody>
       </p:sp>
@@ -4527,7 +4370,7 @@
         </p:nvSpPr>
         <p:spPr>
           <a:xfrm>
-            <a:off x="856417" y="90011"/>
+            <a:off x="511644" y="90011"/>
             <a:ext cx="5667680" cy="1938992"/>
           </a:xfrm>
           <a:prstGeom prst="rect">
@@ -4541,6 +4384,15 @@
           </a:bodyPr>
           <a:lstStyle/>
           <a:p>
+            <a:r>
+              <a:rPr lang="es-CR" sz="6000" dirty="0" smtClean="0">
+                <a:solidFill>
+                  <a:schemeClr val="bg1"/>
+                </a:solidFill>
+                <a:latin typeface="Impact" panose="020B0806030902050204" pitchFamily="34" charset="0"/>
+              </a:rPr>
+              <a:t>Diccionario</a:t>
+            </a:r>
             <a:r>
               <a:rPr lang="es-CR" sz="6000" dirty="0" smtClean="0">
                 <a:solidFill>
@@ -4550,16 +4402,14 @@
                 </a:solidFill>
                 <a:latin typeface="Impact" panose="020B0806030902050204" pitchFamily="34" charset="0"/>
               </a:rPr>
-              <a:t>Traductor </a:t>
+              <a:t> </a:t>
             </a:r>
           </a:p>
           <a:p>
             <a:r>
               <a:rPr lang="es-CR" sz="6000" dirty="0" smtClean="0">
                 <a:solidFill>
-                  <a:schemeClr val="bg1">
-                    <a:lumMod val="50000"/>
-                  </a:schemeClr>
+                  <a:schemeClr val="bg1"/>
                 </a:solidFill>
                 <a:latin typeface="Impact" panose="020B0806030902050204" pitchFamily="34" charset="0"/>
               </a:rPr>
@@ -4567,9 +4417,7 @@
             </a:r>
             <a:endParaRPr lang="es-CR" sz="1600" dirty="0">
               <a:solidFill>
-                <a:schemeClr val="bg1">
-                  <a:lumMod val="50000"/>
-                </a:schemeClr>
+                <a:schemeClr val="bg1"/>
               </a:solidFill>
               <a:latin typeface="Impact" panose="020B0806030902050204" pitchFamily="34" charset="0"/>
             </a:endParaRPr>
@@ -4606,35 +4454,6 @@
           <a:chExt cx="0" cy="0"/>
         </a:xfrm>
       </p:grpSpPr>
-      <p:pic>
-        <p:nvPicPr>
-          <p:cNvPr id="4" name="Marcador de contenido 3"/>
-          <p:cNvPicPr>
-            <a:picLocks noGrp="1" noChangeAspect="1"/>
-          </p:cNvPicPr>
-          <p:nvPr>
-            <p:ph idx="1"/>
-          </p:nvPr>
-        </p:nvPicPr>
-        <p:blipFill>
-          <a:blip r:embed="rId3">
-            <a:extLst>
-              <a:ext uri="{28A0092B-C50C-407E-A947-70E740481C1C}">
-                <a14:useLocalDpi xmlns:a14="http://schemas.microsoft.com/office/drawing/2010/main" val="0"/>
-              </a:ext>
-            </a:extLst>
-          </a:blip>
-          <a:stretch>
-            <a:fillRect/>
-          </a:stretch>
-        </p:blipFill>
-        <p:spPr>
-          <a:xfrm>
-            <a:off x="3690257" y="0"/>
-            <a:ext cx="8278510" cy="6404769"/>
-          </a:xfrm>
-        </p:spPr>
-      </p:pic>
       <p:sp>
         <p:nvSpPr>
           <p:cNvPr id="6" name="Rectángulo 5"/>
@@ -4643,8 +4462,8 @@
         </p:nvSpPr>
         <p:spPr>
           <a:xfrm>
-            <a:off x="856417" y="2324060"/>
-            <a:ext cx="7507054" cy="646331"/>
+            <a:off x="568228" y="1569660"/>
+            <a:ext cx="7615003" cy="5016758"/>
           </a:xfrm>
           <a:prstGeom prst="rect">
             <a:avLst/>
@@ -4657,26 +4476,15 @@
           <a:lstStyle/>
           <a:p>
             <a:r>
-              <a:rPr lang="es-CR" sz="3600" dirty="0" smtClean="0">
+              <a:rPr lang="es-CR" sz="3200" dirty="0">
                 <a:solidFill>
-                  <a:schemeClr val="tx2">
-                    <a:lumMod val="60000"/>
-                    <a:lumOff val="40000"/>
-                  </a:schemeClr>
+                  <a:schemeClr val="bg1"/>
                 </a:solidFill>
-                <a:latin typeface="Franklin Gothic Demi" panose="020B0703020102020204" pitchFamily="34" charset="0"/>
+                <a:latin typeface="Estrangelo Edessa" panose="03080600000000000000" pitchFamily="66" charset="0"/>
+                <a:cs typeface="Estrangelo Edessa" panose="03080600000000000000" pitchFamily="66" charset="0"/>
               </a:rPr>
-              <a:t>Traductor</a:t>
-            </a:r>
-            <a:endParaRPr lang="es-CR" sz="3600" dirty="0">
-              <a:solidFill>
-                <a:schemeClr val="tx2">
-                  <a:lumMod val="60000"/>
-                  <a:lumOff val="40000"/>
-                </a:schemeClr>
-              </a:solidFill>
-              <a:latin typeface="Franklin Gothic Demi" panose="020B0703020102020204" pitchFamily="34" charset="0"/>
-            </a:endParaRPr>
+              <a:t>El recurso Programas Energizados Inglés tiene como finalidad apoyar los programas de estudio de inglés por medio de materiales digitales que permiten ser parte de diferentes experiencias de aprendizaje planteadas en las guías de estudio. Por medio de códigos QR los docentes podrán escanear los recursos los cuales están directamente enlazados con los diferentes escenarios, la primer versión será para 1°,2° y 3°.</a:t>
+            </a:r>
           </a:p>
         </p:txBody>
       </p:sp>
@@ -4688,8 +4496,8 @@
         </p:nvSpPr>
         <p:spPr>
           <a:xfrm>
-            <a:off x="856417" y="90011"/>
-            <a:ext cx="5667680" cy="1015663"/>
+            <a:off x="568228" y="0"/>
+            <a:ext cx="4571926" cy="1569660"/>
           </a:xfrm>
           <a:prstGeom prst="rect">
             <a:avLst/>
@@ -4703,21 +4511,35 @@
           <a:lstStyle/>
           <a:p>
             <a:r>
-              <a:rPr lang="es-CR" sz="6000" smtClean="0">
+              <a:rPr lang="es-CR" sz="9600" dirty="0" smtClean="0">
                 <a:solidFill>
-                  <a:schemeClr val="bg1">
-                    <a:lumMod val="50000"/>
-                  </a:schemeClr>
+                  <a:schemeClr val="bg1"/>
                 </a:solidFill>
                 <a:latin typeface="Impact" panose="020B0806030902050204" pitchFamily="34" charset="0"/>
               </a:rPr>
-              <a:t>T</a:t>
-            </a:r>
-            <a:endParaRPr lang="es-CR" sz="1600" dirty="0">
+              <a:t>QR</a:t>
+            </a:r>
+            <a:r>
+              <a:rPr lang="es-CR" sz="4400" dirty="0">
+                <a:solidFill>
+                  <a:schemeClr val="bg1"/>
+                </a:solidFill>
+                <a:latin typeface="Impact" panose="020B0806030902050204" pitchFamily="34" charset="0"/>
+              </a:rPr>
+              <a:t> </a:t>
+            </a:r>
+            <a:r>
+              <a:rPr lang="es-CR" sz="5400" dirty="0" smtClean="0">
+                <a:solidFill>
+                  <a:schemeClr val="bg1"/>
+                </a:solidFill>
+                <a:latin typeface="Impact" panose="020B0806030902050204" pitchFamily="34" charset="0"/>
+              </a:rPr>
+              <a:t>CODES</a:t>
+            </a:r>
+            <a:endParaRPr lang="es-CR" sz="3200" dirty="0">
               <a:solidFill>
-                <a:schemeClr val="bg1">
-                  <a:lumMod val="50000"/>
-                </a:schemeClr>
+                <a:schemeClr val="bg1"/>
               </a:solidFill>
               <a:latin typeface="Impact" panose="020B0806030902050204" pitchFamily="34" charset="0"/>
             </a:endParaRPr>
@@ -4727,7 +4549,7 @@
     </p:spTree>
     <p:extLst>
       <p:ext uri="{BB962C8B-B14F-4D97-AF65-F5344CB8AC3E}">
-        <p14:creationId xmlns:p14="http://schemas.microsoft.com/office/powerpoint/2010/main" val="778702690"/>
+        <p14:creationId xmlns:p14="http://schemas.microsoft.com/office/powerpoint/2010/main" val="2591083474"/>
       </p:ext>
     </p:extLst>
   </p:cSld>
@@ -4754,35 +4576,6 @@
           <a:chExt cx="0" cy="0"/>
         </a:xfrm>
       </p:grpSpPr>
-      <p:pic>
-        <p:nvPicPr>
-          <p:cNvPr id="4" name="Marcador de contenido 3"/>
-          <p:cNvPicPr>
-            <a:picLocks noGrp="1" noChangeAspect="1"/>
-          </p:cNvPicPr>
-          <p:nvPr>
-            <p:ph idx="1"/>
-          </p:nvPr>
-        </p:nvPicPr>
-        <p:blipFill>
-          <a:blip r:embed="rId3">
-            <a:extLst>
-              <a:ext uri="{28A0092B-C50C-407E-A947-70E740481C1C}">
-                <a14:useLocalDpi xmlns:a14="http://schemas.microsoft.com/office/drawing/2010/main" val="0"/>
-              </a:ext>
-            </a:extLst>
-          </a:blip>
-          <a:stretch>
-            <a:fillRect/>
-          </a:stretch>
-        </p:blipFill>
-        <p:spPr>
-          <a:xfrm>
-            <a:off x="3690257" y="0"/>
-            <a:ext cx="8278510" cy="6404769"/>
-          </a:xfrm>
-        </p:spPr>
-      </p:pic>
       <p:sp>
         <p:nvSpPr>
           <p:cNvPr id="6" name="Rectángulo 5"/>
@@ -4791,8 +4584,8 @@
         </p:nvSpPr>
         <p:spPr>
           <a:xfrm>
-            <a:off x="987953" y="1874374"/>
-            <a:ext cx="7271627" cy="4832092"/>
+            <a:off x="631565" y="1210605"/>
+            <a:ext cx="7507054" cy="769441"/>
           </a:xfrm>
           <a:prstGeom prst="rect">
             <a:avLst/>
@@ -4805,50 +4598,15 @@
           <a:lstStyle/>
           <a:p>
             <a:r>
-              <a:rPr lang="es-CR" sz="2800" dirty="0" smtClean="0">
+              <a:rPr lang="es-CR" sz="4400" dirty="0">
                 <a:solidFill>
-                  <a:schemeClr val="tx2">
-                    <a:lumMod val="60000"/>
-                    <a:lumOff val="40000"/>
-                  </a:schemeClr>
+                  <a:schemeClr val="bg1"/>
                 </a:solidFill>
-                <a:latin typeface="Franklin Gothic Demi" panose="020B0703020102020204" pitchFamily="34" charset="0"/>
+                <a:latin typeface="Estrangelo Edessa" panose="03080600000000000000" pitchFamily="66" charset="0"/>
+                <a:cs typeface="Estrangelo Edessa" panose="03080600000000000000" pitchFamily="66" charset="0"/>
               </a:rPr>
-              <a:t>El </a:t>
-            </a:r>
-            <a:r>
-              <a:rPr lang="es-CR" sz="2800" dirty="0">
-                <a:solidFill>
-                  <a:schemeClr val="tx2">
-                    <a:lumMod val="60000"/>
-                    <a:lumOff val="40000"/>
-                  </a:schemeClr>
-                </a:solidFill>
-                <a:latin typeface="Franklin Gothic Demi" panose="020B0703020102020204" pitchFamily="34" charset="0"/>
-              </a:rPr>
-              <a:t>recurso Programas Energizados Inglés tiene como finalidad apoyar los programas de estudio de inglés por medio de materiales digitales que permiten ser parte de diferentes experiencias de aprendizaje planteadas en las guías de estudio. Por medio de códigos QR los docentes podrán escanear los recursos los cuales están directamente enlazados con los diferentes </a:t>
-            </a:r>
-            <a:r>
-              <a:rPr lang="es-CR" sz="2800" dirty="0" smtClean="0">
-                <a:solidFill>
-                  <a:schemeClr val="tx2">
-                    <a:lumMod val="60000"/>
-                    <a:lumOff val="40000"/>
-                  </a:schemeClr>
-                </a:solidFill>
-                <a:latin typeface="Franklin Gothic Demi" panose="020B0703020102020204" pitchFamily="34" charset="0"/>
-              </a:rPr>
-              <a:t>escenarios, la primer versión será para 1°,2° y 3°.</a:t>
-            </a:r>
-            <a:endParaRPr lang="es-CR" sz="2800" dirty="0">
-              <a:solidFill>
-                <a:schemeClr val="tx2">
-                  <a:lumMod val="60000"/>
-                  <a:lumOff val="40000"/>
-                </a:schemeClr>
-              </a:solidFill>
-              <a:latin typeface="Franklin Gothic Demi" panose="020B0703020102020204" pitchFamily="34" charset="0"/>
-            </a:endParaRPr>
+              <a:t>Traductor</a:t>
+            </a:r>
           </a:p>
         </p:txBody>
       </p:sp>
@@ -4860,8 +4618,8 @@
         </p:nvSpPr>
         <p:spPr>
           <a:xfrm>
-            <a:off x="987953" y="129721"/>
-            <a:ext cx="4571926" cy="1569660"/>
+            <a:off x="256810" y="194942"/>
+            <a:ext cx="7058390" cy="1015663"/>
           </a:xfrm>
           <a:prstGeom prst="rect">
             <a:avLst/>
@@ -4875,7 +4633,7 @@
           <a:lstStyle/>
           <a:p>
             <a:r>
-              <a:rPr lang="es-CR" sz="9600" dirty="0" smtClean="0">
+              <a:rPr lang="es-CR" sz="6000" dirty="0" smtClean="0">
                 <a:solidFill>
                   <a:schemeClr val="bg1">
                     <a:lumMod val="50000"/>
@@ -4883,31 +4641,9 @@
                 </a:solidFill>
                 <a:latin typeface="Impact" panose="020B0806030902050204" pitchFamily="34" charset="0"/>
               </a:rPr>
-              <a:t>QR</a:t>
-            </a:r>
-            <a:r>
-              <a:rPr lang="es-CR" sz="4400" dirty="0">
-                <a:solidFill>
-                  <a:schemeClr val="bg1">
-                    <a:lumMod val="50000"/>
-                  </a:schemeClr>
-                </a:solidFill>
-                <a:latin typeface="Impact" panose="020B0806030902050204" pitchFamily="34" charset="0"/>
-              </a:rPr>
-              <a:t> </a:t>
-            </a:r>
-            <a:r>
-              <a:rPr lang="es-CR" sz="5400" dirty="0" smtClean="0">
-                <a:solidFill>
-                  <a:schemeClr val="bg1">
-                    <a:lumMod val="50000"/>
-                  </a:schemeClr>
-                </a:solidFill>
-                <a:latin typeface="Impact" panose="020B0806030902050204" pitchFamily="34" charset="0"/>
-              </a:rPr>
-              <a:t>CODES</a:t>
-            </a:r>
-            <a:endParaRPr lang="es-CR" sz="3200" dirty="0">
+              <a:t>Mis primeros pasos</a:t>
+            </a:r>
+            <a:endParaRPr lang="es-CR" sz="1600" dirty="0">
               <a:solidFill>
                 <a:schemeClr val="bg1">
                   <a:lumMod val="50000"/>
@@ -4921,195 +4657,7 @@
     </p:spTree>
     <p:extLst>
       <p:ext uri="{BB962C8B-B14F-4D97-AF65-F5344CB8AC3E}">
-        <p14:creationId xmlns:p14="http://schemas.microsoft.com/office/powerpoint/2010/main" val="2591083474"/>
-      </p:ext>
-    </p:extLst>
-  </p:cSld>
-  <p:clrMapOvr>
-    <a:masterClrMapping/>
-  </p:clrMapOvr>
-</p:sld>
-</file>
-
-<file path=ppt/slides/slide7.xml><?xml version="1.0" encoding="utf-8"?>
-<p:sld xmlns:a="http://schemas.openxmlformats.org/drawingml/2006/main" xmlns:r="http://schemas.openxmlformats.org/officeDocument/2006/relationships" xmlns:p="http://schemas.openxmlformats.org/presentationml/2006/main">
-  <p:cSld>
-    <p:spTree>
-      <p:nvGrpSpPr>
-        <p:cNvPr id="1" name=""/>
-        <p:cNvGrpSpPr/>
-        <p:nvPr/>
-      </p:nvGrpSpPr>
-      <p:grpSpPr>
-        <a:xfrm>
-          <a:off x="0" y="0"/>
-          <a:ext cx="0" cy="0"/>
-          <a:chOff x="0" y="0"/>
-          <a:chExt cx="0" cy="0"/>
-        </a:xfrm>
-      </p:grpSpPr>
-      <p:sp>
-        <p:nvSpPr>
-          <p:cNvPr id="3" name="Subtítulo 2"/>
-          <p:cNvSpPr>
-            <a:spLocks noGrp="1"/>
-          </p:cNvSpPr>
-          <p:nvPr>
-            <p:ph type="subTitle" idx="1"/>
-          </p:nvPr>
-        </p:nvSpPr>
-        <p:spPr/>
-        <p:txBody>
-          <a:bodyPr/>
-          <a:lstStyle/>
-          <a:p>
-            <a:endParaRPr lang="es-CR" dirty="0"/>
-          </a:p>
-        </p:txBody>
-      </p:sp>
-      <p:grpSp>
-        <p:nvGrpSpPr>
-          <p:cNvPr id="7" name="Grupo 6"/>
-          <p:cNvGrpSpPr/>
-          <p:nvPr/>
-        </p:nvGrpSpPr>
-        <p:grpSpPr>
-          <a:xfrm>
-            <a:off x="2057024" y="504005"/>
-            <a:ext cx="1511676" cy="1168531"/>
-            <a:chOff x="2057024" y="504005"/>
-            <a:chExt cx="1511676" cy="1168531"/>
-          </a:xfrm>
-        </p:grpSpPr>
-        <p:pic>
-          <p:nvPicPr>
-            <p:cNvPr id="4" name="Imagen 3"/>
-            <p:cNvPicPr>
-              <a:picLocks noChangeAspect="1"/>
-            </p:cNvPicPr>
-            <p:nvPr/>
-          </p:nvPicPr>
-          <p:blipFill>
-            <a:blip r:embed="rId2">
-              <a:extLst>
-                <a:ext uri="{BEBA8EAE-BF5A-486C-A8C5-ECC9F3942E4B}">
-                  <a14:imgProps xmlns:a14="http://schemas.microsoft.com/office/drawing/2010/main">
-                    <a14:imgLayer r:embed="rId3">
-                      <a14:imgEffect>
-                        <a14:backgroundRemoval t="2066" b="89669" l="9804" r="89804"/>
-                      </a14:imgEffect>
-                    </a14:imgLayer>
-                  </a14:imgProps>
-                </a:ext>
-                <a:ext uri="{28A0092B-C50C-407E-A947-70E740481C1C}">
-                  <a14:useLocalDpi xmlns:a14="http://schemas.microsoft.com/office/drawing/2010/main" val="0"/>
-                </a:ext>
-              </a:extLst>
-            </a:blip>
-            <a:stretch>
-              <a:fillRect/>
-            </a:stretch>
-          </p:blipFill>
-          <p:spPr>
-            <a:xfrm>
-              <a:off x="2057024" y="504005"/>
-              <a:ext cx="1256314" cy="1045396"/>
-            </a:xfrm>
-            <a:prstGeom prst="rect">
-              <a:avLst/>
-            </a:prstGeom>
-          </p:spPr>
-        </p:pic>
-        <p:sp>
-          <p:nvSpPr>
-            <p:cNvPr id="5" name="Rectángulo 4"/>
-            <p:cNvSpPr/>
-            <p:nvPr/>
-          </p:nvSpPr>
-          <p:spPr>
-            <a:xfrm>
-              <a:off x="2229446" y="1149316"/>
-              <a:ext cx="1339254" cy="523220"/>
-            </a:xfrm>
-            <a:prstGeom prst="rect">
-              <a:avLst/>
-            </a:prstGeom>
-            <a:noFill/>
-          </p:spPr>
-          <p:txBody>
-            <a:bodyPr wrap="square" lIns="91440" tIns="45720" rIns="91440" bIns="45720">
-              <a:spAutoFit/>
-            </a:bodyPr>
-            <a:lstStyle/>
-            <a:p>
-              <a:pPr algn="ctr"/>
-              <a:r>
-                <a:rPr lang="es-ES" sz="2800" b="1" cap="none" spc="0" dirty="0" smtClean="0">
-                  <a:ln w="12700">
-                    <a:solidFill>
-                      <a:schemeClr val="accent3">
-                        <a:lumMod val="50000"/>
-                      </a:schemeClr>
-                    </a:solidFill>
-                    <a:prstDash val="solid"/>
-                  </a:ln>
-                  <a:pattFill prst="narHorz">
-                    <a:fgClr>
-                      <a:schemeClr val="accent3"/>
-                    </a:fgClr>
-                    <a:bgClr>
-                      <a:schemeClr val="accent3">
-                        <a:lumMod val="40000"/>
-                        <a:lumOff val="60000"/>
-                      </a:schemeClr>
-                    </a:bgClr>
-                  </a:pattFill>
-                  <a:effectLst>
-                    <a:innerShdw blurRad="177800">
-                      <a:schemeClr val="accent3">
-                        <a:lumMod val="50000"/>
-                      </a:schemeClr>
-                    </a:innerShdw>
-                  </a:effectLst>
-                </a:rPr>
-                <a:t>2020</a:t>
-              </a:r>
-              <a:endParaRPr lang="es-ES" sz="2800" b="1" cap="none" spc="0" dirty="0">
-                <a:ln w="12700">
-                  <a:solidFill>
-                    <a:schemeClr val="accent3">
-                      <a:lumMod val="50000"/>
-                    </a:schemeClr>
-                  </a:solidFill>
-                  <a:prstDash val="solid"/>
-                </a:ln>
-                <a:pattFill prst="narHorz">
-                  <a:fgClr>
-                    <a:schemeClr val="accent3"/>
-                  </a:fgClr>
-                  <a:bgClr>
-                    <a:schemeClr val="accent3">
-                      <a:lumMod val="40000"/>
-                      <a:lumOff val="60000"/>
-                    </a:schemeClr>
-                  </a:bgClr>
-                </a:pattFill>
-                <a:effectLst>
-                  <a:innerShdw blurRad="177800">
-                    <a:schemeClr val="accent3">
-                      <a:lumMod val="50000"/>
-                    </a:schemeClr>
-                  </a:innerShdw>
-                </a:effectLst>
-              </a:endParaRPr>
-            </a:p>
-          </p:txBody>
-        </p:sp>
-      </p:grpSp>
-    </p:spTree>
-    <p:extLst>
-      <p:ext uri="{BB962C8B-B14F-4D97-AF65-F5344CB8AC3E}">
-        <p14:creationId xmlns:p14="http://schemas.microsoft.com/office/powerpoint/2010/main" val="372020457"/>
+        <p14:creationId xmlns:p14="http://schemas.microsoft.com/office/powerpoint/2010/main" val="778702690"/>
       </p:ext>
     </p:extLst>
   </p:cSld>

--- a/diseño/img-avances/descriptivo.pptx
+++ b/diseño/img-avances/descriptivo.pptx
@@ -202,7 +202,7 @@
           <a:p>
             <a:fld id="{30BCF29D-964E-4AF3-8FDD-9F64096CA3C1}" type="datetimeFigureOut">
               <a:rPr lang="es-CR" smtClean="0"/>
-              <a:t>19/10/2020</a:t>
+              <a:t>26/10/2020</a:t>
             </a:fld>
             <a:endParaRPr lang="es-CR"/>
           </a:p>
@@ -1105,7 +1105,7 @@
           <a:p>
             <a:fld id="{4097F1C0-AB73-4599-94B3-8B167406BF92}" type="datetimeFigureOut">
               <a:rPr lang="es-CR" smtClean="0"/>
-              <a:t>19/10/2020</a:t>
+              <a:t>26/10/2020</a:t>
             </a:fld>
             <a:endParaRPr lang="es-CR"/>
           </a:p>
@@ -1275,7 +1275,7 @@
           <a:p>
             <a:fld id="{4097F1C0-AB73-4599-94B3-8B167406BF92}" type="datetimeFigureOut">
               <a:rPr lang="es-CR" smtClean="0"/>
-              <a:t>19/10/2020</a:t>
+              <a:t>26/10/2020</a:t>
             </a:fld>
             <a:endParaRPr lang="es-CR"/>
           </a:p>
@@ -1455,7 +1455,7 @@
           <a:p>
             <a:fld id="{4097F1C0-AB73-4599-94B3-8B167406BF92}" type="datetimeFigureOut">
               <a:rPr lang="es-CR" smtClean="0"/>
-              <a:t>19/10/2020</a:t>
+              <a:t>26/10/2020</a:t>
             </a:fld>
             <a:endParaRPr lang="es-CR"/>
           </a:p>
@@ -1625,7 +1625,7 @@
           <a:p>
             <a:fld id="{4097F1C0-AB73-4599-94B3-8B167406BF92}" type="datetimeFigureOut">
               <a:rPr lang="es-CR" smtClean="0"/>
-              <a:t>19/10/2020</a:t>
+              <a:t>26/10/2020</a:t>
             </a:fld>
             <a:endParaRPr lang="es-CR"/>
           </a:p>
@@ -1871,7 +1871,7 @@
           <a:p>
             <a:fld id="{4097F1C0-AB73-4599-94B3-8B167406BF92}" type="datetimeFigureOut">
               <a:rPr lang="es-CR" smtClean="0"/>
-              <a:t>19/10/2020</a:t>
+              <a:t>26/10/2020</a:t>
             </a:fld>
             <a:endParaRPr lang="es-CR"/>
           </a:p>
@@ -2103,7 +2103,7 @@
           <a:p>
             <a:fld id="{4097F1C0-AB73-4599-94B3-8B167406BF92}" type="datetimeFigureOut">
               <a:rPr lang="es-CR" smtClean="0"/>
-              <a:t>19/10/2020</a:t>
+              <a:t>26/10/2020</a:t>
             </a:fld>
             <a:endParaRPr lang="es-CR"/>
           </a:p>
@@ -2470,7 +2470,7 @@
           <a:p>
             <a:fld id="{4097F1C0-AB73-4599-94B3-8B167406BF92}" type="datetimeFigureOut">
               <a:rPr lang="es-CR" smtClean="0"/>
-              <a:t>19/10/2020</a:t>
+              <a:t>26/10/2020</a:t>
             </a:fld>
             <a:endParaRPr lang="es-CR"/>
           </a:p>
@@ -2588,7 +2588,7 @@
           <a:p>
             <a:fld id="{4097F1C0-AB73-4599-94B3-8B167406BF92}" type="datetimeFigureOut">
               <a:rPr lang="es-CR" smtClean="0"/>
-              <a:t>19/10/2020</a:t>
+              <a:t>26/10/2020</a:t>
             </a:fld>
             <a:endParaRPr lang="es-CR"/>
           </a:p>
@@ -2683,7 +2683,7 @@
           <a:p>
             <a:fld id="{4097F1C0-AB73-4599-94B3-8B167406BF92}" type="datetimeFigureOut">
               <a:rPr lang="es-CR" smtClean="0"/>
-              <a:t>19/10/2020</a:t>
+              <a:t>26/10/2020</a:t>
             </a:fld>
             <a:endParaRPr lang="es-CR"/>
           </a:p>
@@ -2960,7 +2960,7 @@
           <a:p>
             <a:fld id="{4097F1C0-AB73-4599-94B3-8B167406BF92}" type="datetimeFigureOut">
               <a:rPr lang="es-CR" smtClean="0"/>
-              <a:t>19/10/2020</a:t>
+              <a:t>26/10/2020</a:t>
             </a:fld>
             <a:endParaRPr lang="es-CR"/>
           </a:p>
@@ -3213,7 +3213,7 @@
           <a:p>
             <a:fld id="{4097F1C0-AB73-4599-94B3-8B167406BF92}" type="datetimeFigureOut">
               <a:rPr lang="es-CR" smtClean="0"/>
-              <a:t>19/10/2020</a:t>
+              <a:t>26/10/2020</a:t>
             </a:fld>
             <a:endParaRPr lang="es-CR"/>
           </a:p>
@@ -3435,7 +3435,7 @@
           <a:p>
             <a:fld id="{4097F1C0-AB73-4599-94B3-8B167406BF92}" type="datetimeFigureOut">
               <a:rPr lang="es-CR" smtClean="0"/>
-              <a:t>19/10/2020</a:t>
+              <a:t>26/10/2020</a:t>
             </a:fld>
             <a:endParaRPr lang="es-CR"/>
           </a:p>
@@ -3870,27 +3870,7 @@
                 <a:latin typeface="Estrangelo Edessa" panose="03080600000000000000" pitchFamily="66" charset="0"/>
                 <a:cs typeface="Estrangelo Edessa" panose="03080600000000000000" pitchFamily="66" charset="0"/>
               </a:rPr>
-              <a:t>aumentada </a:t>
-            </a:r>
-            <a:r>
-              <a:rPr lang="es-CR" sz="3600" dirty="0">
-                <a:solidFill>
-                  <a:schemeClr val="bg1"/>
-                </a:solidFill>
-                <a:latin typeface="Estrangelo Edessa" panose="03080600000000000000" pitchFamily="66" charset="0"/>
-                <a:cs typeface="Estrangelo Edessa" panose="03080600000000000000" pitchFamily="66" charset="0"/>
-              </a:rPr>
-              <a:t>y un videojuego en tres niveles, que aborda contenido del tema de los reinos biológicos y las relaciones que se dan entre los seres </a:t>
-            </a:r>
-            <a:r>
-              <a:rPr lang="es-CR" sz="3600" dirty="0">
-                <a:solidFill>
-                  <a:schemeClr val="bg1"/>
-                </a:solidFill>
-                <a:latin typeface="Estrangelo Edessa" panose="03080600000000000000" pitchFamily="66" charset="0"/>
-                <a:cs typeface="Estrangelo Edessa" panose="03080600000000000000" pitchFamily="66" charset="0"/>
-              </a:rPr>
-              <a:t>vivos</a:t>
+              <a:t>aumentada y un videojuego en tres niveles, que aborda contenido del tema de los reinos biológicos y las relaciones que se dan entre los seres vivos</a:t>
             </a:r>
             <a:r>
               <a:rPr lang="es-CR" sz="2800" dirty="0" smtClean="0">
@@ -4462,8 +4442,8 @@
         </p:nvSpPr>
         <p:spPr>
           <a:xfrm>
-            <a:off x="568228" y="1569660"/>
-            <a:ext cx="7615003" cy="5016758"/>
+            <a:off x="657127" y="2152848"/>
+            <a:ext cx="7615003" cy="5632311"/>
           </a:xfrm>
           <a:prstGeom prst="rect">
             <a:avLst/>
@@ -4476,15 +4456,123 @@
           <a:lstStyle/>
           <a:p>
             <a:r>
-              <a:rPr lang="es-CR" sz="3200" dirty="0">
+              <a:rPr lang="es-CR" sz="3600" dirty="0" smtClean="0">
                 <a:solidFill>
                   <a:schemeClr val="bg1"/>
                 </a:solidFill>
                 <a:latin typeface="Estrangelo Edessa" panose="03080600000000000000" pitchFamily="66" charset="0"/>
                 <a:cs typeface="Estrangelo Edessa" panose="03080600000000000000" pitchFamily="66" charset="0"/>
               </a:rPr>
-              <a:t>El recurso Programas Energizados Inglés tiene como finalidad apoyar los programas de estudio de inglés por medio de materiales digitales que permiten ser parte de diferentes experiencias de aprendizaje planteadas en las guías de estudio. Por medio de códigos QR los docentes podrán escanear los recursos los cuales están directamente enlazados con los diferentes escenarios, la primer versión será para 1°,2° y 3°.</a:t>
-            </a:r>
+              <a:t>Aplicación </a:t>
+            </a:r>
+            <a:r>
+              <a:rPr lang="es-CR" sz="3600" dirty="0">
+                <a:solidFill>
+                  <a:schemeClr val="bg1"/>
+                </a:solidFill>
+                <a:latin typeface="Estrangelo Edessa" panose="03080600000000000000" pitchFamily="66" charset="0"/>
+                <a:cs typeface="Estrangelo Edessa" panose="03080600000000000000" pitchFamily="66" charset="0"/>
+              </a:rPr>
+              <a:t>de escritorio </a:t>
+            </a:r>
+            <a:r>
+              <a:rPr lang="es-CR" sz="3600" dirty="0" smtClean="0">
+                <a:solidFill>
+                  <a:schemeClr val="bg1"/>
+                </a:solidFill>
+                <a:latin typeface="Estrangelo Edessa" panose="03080600000000000000" pitchFamily="66" charset="0"/>
+                <a:cs typeface="Estrangelo Edessa" panose="03080600000000000000" pitchFamily="66" charset="0"/>
+              </a:rPr>
+              <a:t>multimedio </a:t>
+            </a:r>
+            <a:r>
+              <a:rPr lang="es-CR" sz="3600" dirty="0">
+                <a:solidFill>
+                  <a:schemeClr val="bg1"/>
+                </a:solidFill>
+                <a:latin typeface="Estrangelo Edessa" panose="03080600000000000000" pitchFamily="66" charset="0"/>
+                <a:cs typeface="Estrangelo Edessa" panose="03080600000000000000" pitchFamily="66" charset="0"/>
+              </a:rPr>
+              <a:t>en versión web, para la asignatura de Ciencias en todos los años de </a:t>
+            </a:r>
+            <a:r>
+              <a:rPr lang="es-CR" sz="3600" dirty="0">
+                <a:solidFill>
+                  <a:schemeClr val="bg1"/>
+                </a:solidFill>
+                <a:latin typeface="Estrangelo Edessa" panose="03080600000000000000" pitchFamily="66" charset="0"/>
+                <a:cs typeface="Estrangelo Edessa" panose="03080600000000000000" pitchFamily="66" charset="0"/>
+              </a:rPr>
+              <a:t>primaria, </a:t>
+            </a:r>
+            <a:r>
+              <a:rPr lang="es-CR" sz="3600" dirty="0">
+                <a:solidFill>
+                  <a:schemeClr val="bg1"/>
+                </a:solidFill>
+                <a:latin typeface="Estrangelo Edessa" panose="03080600000000000000" pitchFamily="66" charset="0"/>
+                <a:cs typeface="Estrangelo Edessa" panose="03080600000000000000" pitchFamily="66" charset="0"/>
+              </a:rPr>
+              <a:t> </a:t>
+            </a:r>
+            <a:r>
+              <a:rPr lang="es-CR" sz="3600" dirty="0" smtClean="0">
+                <a:solidFill>
+                  <a:schemeClr val="bg1"/>
+                </a:solidFill>
+                <a:latin typeface="Estrangelo Edessa" panose="03080600000000000000" pitchFamily="66" charset="0"/>
+                <a:cs typeface="Estrangelo Edessa" panose="03080600000000000000" pitchFamily="66" charset="0"/>
+              </a:rPr>
+              <a:t>con seis </a:t>
+            </a:r>
+            <a:r>
+              <a:rPr lang="es-CR" sz="3600" dirty="0">
+                <a:solidFill>
+                  <a:schemeClr val="bg1"/>
+                </a:solidFill>
+                <a:latin typeface="Estrangelo Edessa" panose="03080600000000000000" pitchFamily="66" charset="0"/>
+                <a:cs typeface="Estrangelo Edessa" panose="03080600000000000000" pitchFamily="66" charset="0"/>
+              </a:rPr>
+              <a:t>módulos correspondientes a cada grado de primaria, cada módulo contiene dos secciones: entrenamiento y </a:t>
+            </a:r>
+            <a:r>
+              <a:rPr lang="es-CR" sz="3600" dirty="0" smtClean="0">
+                <a:solidFill>
+                  <a:schemeClr val="bg1"/>
+                </a:solidFill>
+                <a:latin typeface="Estrangelo Edessa" panose="03080600000000000000" pitchFamily="66" charset="0"/>
+                <a:cs typeface="Estrangelo Edessa" panose="03080600000000000000" pitchFamily="66" charset="0"/>
+              </a:rPr>
+              <a:t>producción, una nueva forma de feria científica</a:t>
+            </a:r>
+            <a:endParaRPr lang="es-CR" sz="3600" dirty="0">
+              <a:solidFill>
+                <a:schemeClr val="bg1"/>
+              </a:solidFill>
+              <a:latin typeface="Estrangelo Edessa" panose="03080600000000000000" pitchFamily="66" charset="0"/>
+              <a:cs typeface="Estrangelo Edessa" panose="03080600000000000000" pitchFamily="66" charset="0"/>
+            </a:endParaRPr>
+          </a:p>
+          <a:p>
+            <a:r>
+              <a:rPr lang="es-CR" sz="3600" dirty="0">
+                <a:solidFill>
+                  <a:schemeClr val="bg1"/>
+                </a:solidFill>
+                <a:latin typeface="Estrangelo Edessa" panose="03080600000000000000" pitchFamily="66" charset="0"/>
+                <a:cs typeface="Estrangelo Edessa" panose="03080600000000000000" pitchFamily="66" charset="0"/>
+              </a:rPr>
+              <a:t>	</a:t>
+            </a:r>
+          </a:p>
+          <a:p>
+            <a:endParaRPr lang="es-CR" sz="3600" dirty="0">
+              <a:solidFill>
+                <a:schemeClr val="bg1"/>
+              </a:solidFill>
+              <a:latin typeface="Estrangelo Edessa" panose="03080600000000000000" pitchFamily="66" charset="0"/>
+              <a:cs typeface="Estrangelo Edessa" panose="03080600000000000000" pitchFamily="66" charset="0"/>
+            </a:endParaRPr>
           </a:p>
         </p:txBody>
       </p:sp>
@@ -4496,8 +4584,8 @@
         </p:nvSpPr>
         <p:spPr>
           <a:xfrm>
-            <a:off x="568228" y="0"/>
-            <a:ext cx="4571926" cy="1569660"/>
+            <a:off x="568227" y="0"/>
+            <a:ext cx="9782273" cy="2308324"/>
           </a:xfrm>
           <a:prstGeom prst="rect">
             <a:avLst/>
@@ -4511,33 +4599,25 @@
           <a:lstStyle/>
           <a:p>
             <a:r>
-              <a:rPr lang="es-CR" sz="9600" dirty="0" smtClean="0">
+              <a:rPr lang="es-CR" sz="7200" dirty="0">
                 <a:solidFill>
                   <a:schemeClr val="bg1"/>
                 </a:solidFill>
                 <a:latin typeface="Impact" panose="020B0806030902050204" pitchFamily="34" charset="0"/>
               </a:rPr>
-              <a:t>QR</a:t>
-            </a:r>
-            <a:r>
-              <a:rPr lang="es-CR" sz="4400" dirty="0">
+              <a:t>Mis primeros pasos en quehacer </a:t>
+            </a:r>
+            <a:r>
+              <a:rPr lang="es-CR" sz="7200" dirty="0" smtClean="0">
                 <a:solidFill>
                   <a:schemeClr val="bg1"/>
                 </a:solidFill>
-                <a:latin typeface="Impact" panose="020B0806030902050204" pitchFamily="34" charset="0"/>
+                <a:latin typeface="Estrangelo Edessa" panose="03080600000000000000" pitchFamily="66" charset="0"/>
+                <a:cs typeface="Estrangelo Edessa" panose="03080600000000000000" pitchFamily="66" charset="0"/>
               </a:rPr>
-              <a:t> </a:t>
-            </a:r>
-            <a:r>
-              <a:rPr lang="es-CR" sz="5400" dirty="0" smtClean="0">
-                <a:solidFill>
-                  <a:schemeClr val="bg1"/>
-                </a:solidFill>
-                <a:latin typeface="Impact" panose="020B0806030902050204" pitchFamily="34" charset="0"/>
-              </a:rPr>
-              <a:t>CODES</a:t>
-            </a:r>
-            <a:endParaRPr lang="es-CR" sz="3200" dirty="0">
+              <a:t>científico</a:t>
+            </a:r>
+            <a:endParaRPr lang="es-CR" sz="2000" dirty="0">
               <a:solidFill>
                 <a:schemeClr val="bg1"/>
               </a:solidFill>

--- a/diseño/img-avances/descriptivo.pptx
+++ b/diseño/img-avances/descriptivo.pptx
@@ -5,7 +5,7 @@
     <p:sldMasterId id="2147483648" r:id="rId1"/>
   </p:sldMasterIdLst>
   <p:notesMasterIdLst>
-    <p:notesMasterId r:id="rId8"/>
+    <p:notesMasterId r:id="rId13"/>
   </p:notesMasterIdLst>
   <p:sldIdLst>
     <p:sldId id="259" r:id="rId2"/>
@@ -14,6 +14,11 @@
     <p:sldId id="263" r:id="rId5"/>
     <p:sldId id="262" r:id="rId6"/>
     <p:sldId id="264" r:id="rId7"/>
+    <p:sldId id="265" r:id="rId8"/>
+    <p:sldId id="266" r:id="rId9"/>
+    <p:sldId id="267" r:id="rId10"/>
+    <p:sldId id="268" r:id="rId11"/>
+    <p:sldId id="269" r:id="rId12"/>
   </p:sldIdLst>
   <p:sldSz cx="12192000" cy="6858000"/>
   <p:notesSz cx="6858000" cy="9144000"/>
@@ -202,7 +207,7 @@
           <a:p>
             <a:fld id="{30BCF29D-964E-4AF3-8FDD-9F64096CA3C1}" type="datetimeFigureOut">
               <a:rPr lang="es-CR" smtClean="0"/>
-              <a:t>26/10/2020</a:t>
+              <a:t>10/11/2020</a:t>
             </a:fld>
             <a:endParaRPr lang="es-CR"/>
           </a:p>
@@ -554,6 +559,174 @@
 </p:notes>
 </file>
 
+<file path=ppt/notesSlides/notesSlide10.xml><?xml version="1.0" encoding="utf-8"?>
+<p:notes xmlns:a="http://schemas.openxmlformats.org/drawingml/2006/main" xmlns:r="http://schemas.openxmlformats.org/officeDocument/2006/relationships" xmlns:p="http://schemas.openxmlformats.org/presentationml/2006/main">
+  <p:cSld>
+    <p:spTree>
+      <p:nvGrpSpPr>
+        <p:cNvPr id="1" name=""/>
+        <p:cNvGrpSpPr/>
+        <p:nvPr/>
+      </p:nvGrpSpPr>
+      <p:grpSpPr>
+        <a:xfrm>
+          <a:off x="0" y="0"/>
+          <a:ext cx="0" cy="0"/>
+          <a:chOff x="0" y="0"/>
+          <a:chExt cx="0" cy="0"/>
+        </a:xfrm>
+      </p:grpSpPr>
+      <p:sp>
+        <p:nvSpPr>
+          <p:cNvPr id="2" name="Marcador de imagen de diapositiva 1"/>
+          <p:cNvSpPr>
+            <a:spLocks noGrp="1" noRot="1" noChangeAspect="1"/>
+          </p:cNvSpPr>
+          <p:nvPr>
+            <p:ph type="sldImg"/>
+          </p:nvPr>
+        </p:nvSpPr>
+        <p:spPr/>
+      </p:sp>
+      <p:sp>
+        <p:nvSpPr>
+          <p:cNvPr id="3" name="Marcador de notas 2"/>
+          <p:cNvSpPr>
+            <a:spLocks noGrp="1"/>
+          </p:cNvSpPr>
+          <p:nvPr>
+            <p:ph type="body" idx="1"/>
+          </p:nvPr>
+        </p:nvSpPr>
+        <p:spPr/>
+        <p:txBody>
+          <a:bodyPr/>
+          <a:lstStyle/>
+          <a:p>
+            <a:endParaRPr lang="es-CR" dirty="0"/>
+          </a:p>
+        </p:txBody>
+      </p:sp>
+      <p:sp>
+        <p:nvSpPr>
+          <p:cNvPr id="4" name="Marcador de número de diapositiva 3"/>
+          <p:cNvSpPr>
+            <a:spLocks noGrp="1"/>
+          </p:cNvSpPr>
+          <p:nvPr>
+            <p:ph type="sldNum" sz="quarter" idx="10"/>
+          </p:nvPr>
+        </p:nvSpPr>
+        <p:spPr/>
+        <p:txBody>
+          <a:bodyPr/>
+          <a:lstStyle/>
+          <a:p>
+            <a:fld id="{D21F2E9D-0781-4C20-8E6C-AF0A41EDE10E}" type="slidenum">
+              <a:rPr lang="es-CR" smtClean="0"/>
+              <a:t>10</a:t>
+            </a:fld>
+            <a:endParaRPr lang="es-CR"/>
+          </a:p>
+        </p:txBody>
+      </p:sp>
+    </p:spTree>
+    <p:extLst>
+      <p:ext uri="{BB962C8B-B14F-4D97-AF65-F5344CB8AC3E}">
+        <p14:creationId xmlns:p14="http://schemas.microsoft.com/office/powerpoint/2010/main" val="2293296718"/>
+      </p:ext>
+    </p:extLst>
+  </p:cSld>
+  <p:clrMapOvr>
+    <a:masterClrMapping/>
+  </p:clrMapOvr>
+</p:notes>
+</file>
+
+<file path=ppt/notesSlides/notesSlide11.xml><?xml version="1.0" encoding="utf-8"?>
+<p:notes xmlns:a="http://schemas.openxmlformats.org/drawingml/2006/main" xmlns:r="http://schemas.openxmlformats.org/officeDocument/2006/relationships" xmlns:p="http://schemas.openxmlformats.org/presentationml/2006/main">
+  <p:cSld>
+    <p:spTree>
+      <p:nvGrpSpPr>
+        <p:cNvPr id="1" name=""/>
+        <p:cNvGrpSpPr/>
+        <p:nvPr/>
+      </p:nvGrpSpPr>
+      <p:grpSpPr>
+        <a:xfrm>
+          <a:off x="0" y="0"/>
+          <a:ext cx="0" cy="0"/>
+          <a:chOff x="0" y="0"/>
+          <a:chExt cx="0" cy="0"/>
+        </a:xfrm>
+      </p:grpSpPr>
+      <p:sp>
+        <p:nvSpPr>
+          <p:cNvPr id="2" name="Marcador de imagen de diapositiva 1"/>
+          <p:cNvSpPr>
+            <a:spLocks noGrp="1" noRot="1" noChangeAspect="1"/>
+          </p:cNvSpPr>
+          <p:nvPr>
+            <p:ph type="sldImg"/>
+          </p:nvPr>
+        </p:nvSpPr>
+        <p:spPr/>
+      </p:sp>
+      <p:sp>
+        <p:nvSpPr>
+          <p:cNvPr id="3" name="Marcador de notas 2"/>
+          <p:cNvSpPr>
+            <a:spLocks noGrp="1"/>
+          </p:cNvSpPr>
+          <p:nvPr>
+            <p:ph type="body" idx="1"/>
+          </p:nvPr>
+        </p:nvSpPr>
+        <p:spPr/>
+        <p:txBody>
+          <a:bodyPr/>
+          <a:lstStyle/>
+          <a:p>
+            <a:endParaRPr lang="es-CR" dirty="0"/>
+          </a:p>
+        </p:txBody>
+      </p:sp>
+      <p:sp>
+        <p:nvSpPr>
+          <p:cNvPr id="4" name="Marcador de número de diapositiva 3"/>
+          <p:cNvSpPr>
+            <a:spLocks noGrp="1"/>
+          </p:cNvSpPr>
+          <p:nvPr>
+            <p:ph type="sldNum" sz="quarter" idx="10"/>
+          </p:nvPr>
+        </p:nvSpPr>
+        <p:spPr/>
+        <p:txBody>
+          <a:bodyPr/>
+          <a:lstStyle/>
+          <a:p>
+            <a:fld id="{D21F2E9D-0781-4C20-8E6C-AF0A41EDE10E}" type="slidenum">
+              <a:rPr lang="es-CR" smtClean="0"/>
+              <a:t>11</a:t>
+            </a:fld>
+            <a:endParaRPr lang="es-CR"/>
+          </a:p>
+        </p:txBody>
+      </p:sp>
+    </p:spTree>
+    <p:extLst>
+      <p:ext uri="{BB962C8B-B14F-4D97-AF65-F5344CB8AC3E}">
+        <p14:creationId xmlns:p14="http://schemas.microsoft.com/office/powerpoint/2010/main" val="1897584976"/>
+      </p:ext>
+    </p:extLst>
+  </p:cSld>
+  <p:clrMapOvr>
+    <a:masterClrMapping/>
+  </p:clrMapOvr>
+</p:notes>
+</file>
+
 <file path=ppt/notesSlides/notesSlide2.xml><?xml version="1.0" encoding="utf-8"?>
 <p:notes xmlns:a="http://schemas.openxmlformats.org/drawingml/2006/main" xmlns:r="http://schemas.openxmlformats.org/officeDocument/2006/relationships" xmlns:p="http://schemas.openxmlformats.org/presentationml/2006/main">
   <p:cSld>
@@ -965,6 +1138,258 @@
     <p:extLst>
       <p:ext uri="{BB962C8B-B14F-4D97-AF65-F5344CB8AC3E}">
         <p14:creationId xmlns:p14="http://schemas.microsoft.com/office/powerpoint/2010/main" val="1790582063"/>
+      </p:ext>
+    </p:extLst>
+  </p:cSld>
+  <p:clrMapOvr>
+    <a:masterClrMapping/>
+  </p:clrMapOvr>
+</p:notes>
+</file>
+
+<file path=ppt/notesSlides/notesSlide7.xml><?xml version="1.0" encoding="utf-8"?>
+<p:notes xmlns:a="http://schemas.openxmlformats.org/drawingml/2006/main" xmlns:r="http://schemas.openxmlformats.org/officeDocument/2006/relationships" xmlns:p="http://schemas.openxmlformats.org/presentationml/2006/main">
+  <p:cSld>
+    <p:spTree>
+      <p:nvGrpSpPr>
+        <p:cNvPr id="1" name=""/>
+        <p:cNvGrpSpPr/>
+        <p:nvPr/>
+      </p:nvGrpSpPr>
+      <p:grpSpPr>
+        <a:xfrm>
+          <a:off x="0" y="0"/>
+          <a:ext cx="0" cy="0"/>
+          <a:chOff x="0" y="0"/>
+          <a:chExt cx="0" cy="0"/>
+        </a:xfrm>
+      </p:grpSpPr>
+      <p:sp>
+        <p:nvSpPr>
+          <p:cNvPr id="2" name="Marcador de imagen de diapositiva 1"/>
+          <p:cNvSpPr>
+            <a:spLocks noGrp="1" noRot="1" noChangeAspect="1"/>
+          </p:cNvSpPr>
+          <p:nvPr>
+            <p:ph type="sldImg"/>
+          </p:nvPr>
+        </p:nvSpPr>
+        <p:spPr/>
+      </p:sp>
+      <p:sp>
+        <p:nvSpPr>
+          <p:cNvPr id="3" name="Marcador de notas 2"/>
+          <p:cNvSpPr>
+            <a:spLocks noGrp="1"/>
+          </p:cNvSpPr>
+          <p:nvPr>
+            <p:ph type="body" idx="1"/>
+          </p:nvPr>
+        </p:nvSpPr>
+        <p:spPr/>
+        <p:txBody>
+          <a:bodyPr/>
+          <a:lstStyle/>
+          <a:p>
+            <a:endParaRPr lang="es-CR" dirty="0"/>
+          </a:p>
+        </p:txBody>
+      </p:sp>
+      <p:sp>
+        <p:nvSpPr>
+          <p:cNvPr id="4" name="Marcador de número de diapositiva 3"/>
+          <p:cNvSpPr>
+            <a:spLocks noGrp="1"/>
+          </p:cNvSpPr>
+          <p:nvPr>
+            <p:ph type="sldNum" sz="quarter" idx="10"/>
+          </p:nvPr>
+        </p:nvSpPr>
+        <p:spPr/>
+        <p:txBody>
+          <a:bodyPr/>
+          <a:lstStyle/>
+          <a:p>
+            <a:fld id="{D21F2E9D-0781-4C20-8E6C-AF0A41EDE10E}" type="slidenum">
+              <a:rPr lang="es-CR" smtClean="0"/>
+              <a:t>7</a:t>
+            </a:fld>
+            <a:endParaRPr lang="es-CR"/>
+          </a:p>
+        </p:txBody>
+      </p:sp>
+    </p:spTree>
+    <p:extLst>
+      <p:ext uri="{BB962C8B-B14F-4D97-AF65-F5344CB8AC3E}">
+        <p14:creationId xmlns:p14="http://schemas.microsoft.com/office/powerpoint/2010/main" val="1742515410"/>
+      </p:ext>
+    </p:extLst>
+  </p:cSld>
+  <p:clrMapOvr>
+    <a:masterClrMapping/>
+  </p:clrMapOvr>
+</p:notes>
+</file>
+
+<file path=ppt/notesSlides/notesSlide8.xml><?xml version="1.0" encoding="utf-8"?>
+<p:notes xmlns:a="http://schemas.openxmlformats.org/drawingml/2006/main" xmlns:r="http://schemas.openxmlformats.org/officeDocument/2006/relationships" xmlns:p="http://schemas.openxmlformats.org/presentationml/2006/main">
+  <p:cSld>
+    <p:spTree>
+      <p:nvGrpSpPr>
+        <p:cNvPr id="1" name=""/>
+        <p:cNvGrpSpPr/>
+        <p:nvPr/>
+      </p:nvGrpSpPr>
+      <p:grpSpPr>
+        <a:xfrm>
+          <a:off x="0" y="0"/>
+          <a:ext cx="0" cy="0"/>
+          <a:chOff x="0" y="0"/>
+          <a:chExt cx="0" cy="0"/>
+        </a:xfrm>
+      </p:grpSpPr>
+      <p:sp>
+        <p:nvSpPr>
+          <p:cNvPr id="2" name="Marcador de imagen de diapositiva 1"/>
+          <p:cNvSpPr>
+            <a:spLocks noGrp="1" noRot="1" noChangeAspect="1"/>
+          </p:cNvSpPr>
+          <p:nvPr>
+            <p:ph type="sldImg"/>
+          </p:nvPr>
+        </p:nvSpPr>
+        <p:spPr/>
+      </p:sp>
+      <p:sp>
+        <p:nvSpPr>
+          <p:cNvPr id="3" name="Marcador de notas 2"/>
+          <p:cNvSpPr>
+            <a:spLocks noGrp="1"/>
+          </p:cNvSpPr>
+          <p:nvPr>
+            <p:ph type="body" idx="1"/>
+          </p:nvPr>
+        </p:nvSpPr>
+        <p:spPr/>
+        <p:txBody>
+          <a:bodyPr/>
+          <a:lstStyle/>
+          <a:p>
+            <a:endParaRPr lang="es-CR" dirty="0"/>
+          </a:p>
+        </p:txBody>
+      </p:sp>
+      <p:sp>
+        <p:nvSpPr>
+          <p:cNvPr id="4" name="Marcador de número de diapositiva 3"/>
+          <p:cNvSpPr>
+            <a:spLocks noGrp="1"/>
+          </p:cNvSpPr>
+          <p:nvPr>
+            <p:ph type="sldNum" sz="quarter" idx="10"/>
+          </p:nvPr>
+        </p:nvSpPr>
+        <p:spPr/>
+        <p:txBody>
+          <a:bodyPr/>
+          <a:lstStyle/>
+          <a:p>
+            <a:fld id="{D21F2E9D-0781-4C20-8E6C-AF0A41EDE10E}" type="slidenum">
+              <a:rPr lang="es-CR" smtClean="0"/>
+              <a:t>8</a:t>
+            </a:fld>
+            <a:endParaRPr lang="es-CR"/>
+          </a:p>
+        </p:txBody>
+      </p:sp>
+    </p:spTree>
+    <p:extLst>
+      <p:ext uri="{BB962C8B-B14F-4D97-AF65-F5344CB8AC3E}">
+        <p14:creationId xmlns:p14="http://schemas.microsoft.com/office/powerpoint/2010/main" val="4158644860"/>
+      </p:ext>
+    </p:extLst>
+  </p:cSld>
+  <p:clrMapOvr>
+    <a:masterClrMapping/>
+  </p:clrMapOvr>
+</p:notes>
+</file>
+
+<file path=ppt/notesSlides/notesSlide9.xml><?xml version="1.0" encoding="utf-8"?>
+<p:notes xmlns:a="http://schemas.openxmlformats.org/drawingml/2006/main" xmlns:r="http://schemas.openxmlformats.org/officeDocument/2006/relationships" xmlns:p="http://schemas.openxmlformats.org/presentationml/2006/main">
+  <p:cSld>
+    <p:spTree>
+      <p:nvGrpSpPr>
+        <p:cNvPr id="1" name=""/>
+        <p:cNvGrpSpPr/>
+        <p:nvPr/>
+      </p:nvGrpSpPr>
+      <p:grpSpPr>
+        <a:xfrm>
+          <a:off x="0" y="0"/>
+          <a:ext cx="0" cy="0"/>
+          <a:chOff x="0" y="0"/>
+          <a:chExt cx="0" cy="0"/>
+        </a:xfrm>
+      </p:grpSpPr>
+      <p:sp>
+        <p:nvSpPr>
+          <p:cNvPr id="2" name="Marcador de imagen de diapositiva 1"/>
+          <p:cNvSpPr>
+            <a:spLocks noGrp="1" noRot="1" noChangeAspect="1"/>
+          </p:cNvSpPr>
+          <p:nvPr>
+            <p:ph type="sldImg"/>
+          </p:nvPr>
+        </p:nvSpPr>
+        <p:spPr/>
+      </p:sp>
+      <p:sp>
+        <p:nvSpPr>
+          <p:cNvPr id="3" name="Marcador de notas 2"/>
+          <p:cNvSpPr>
+            <a:spLocks noGrp="1"/>
+          </p:cNvSpPr>
+          <p:nvPr>
+            <p:ph type="body" idx="1"/>
+          </p:nvPr>
+        </p:nvSpPr>
+        <p:spPr/>
+        <p:txBody>
+          <a:bodyPr/>
+          <a:lstStyle/>
+          <a:p>
+            <a:endParaRPr lang="es-CR" dirty="0"/>
+          </a:p>
+        </p:txBody>
+      </p:sp>
+      <p:sp>
+        <p:nvSpPr>
+          <p:cNvPr id="4" name="Marcador de número de diapositiva 3"/>
+          <p:cNvSpPr>
+            <a:spLocks noGrp="1"/>
+          </p:cNvSpPr>
+          <p:nvPr>
+            <p:ph type="sldNum" sz="quarter" idx="10"/>
+          </p:nvPr>
+        </p:nvSpPr>
+        <p:spPr/>
+        <p:txBody>
+          <a:bodyPr/>
+          <a:lstStyle/>
+          <a:p>
+            <a:fld id="{D21F2E9D-0781-4C20-8E6C-AF0A41EDE10E}" type="slidenum">
+              <a:rPr lang="es-CR" smtClean="0"/>
+              <a:t>9</a:t>
+            </a:fld>
+            <a:endParaRPr lang="es-CR"/>
+          </a:p>
+        </p:txBody>
+      </p:sp>
+    </p:spTree>
+    <p:extLst>
+      <p:ext uri="{BB962C8B-B14F-4D97-AF65-F5344CB8AC3E}">
+        <p14:creationId xmlns:p14="http://schemas.microsoft.com/office/powerpoint/2010/main" val="3405995873"/>
       </p:ext>
     </p:extLst>
   </p:cSld>
@@ -1105,7 +1530,7 @@
           <a:p>
             <a:fld id="{4097F1C0-AB73-4599-94B3-8B167406BF92}" type="datetimeFigureOut">
               <a:rPr lang="es-CR" smtClean="0"/>
-              <a:t>26/10/2020</a:t>
+              <a:t>10/11/2020</a:t>
             </a:fld>
             <a:endParaRPr lang="es-CR"/>
           </a:p>
@@ -1275,7 +1700,7 @@
           <a:p>
             <a:fld id="{4097F1C0-AB73-4599-94B3-8B167406BF92}" type="datetimeFigureOut">
               <a:rPr lang="es-CR" smtClean="0"/>
-              <a:t>26/10/2020</a:t>
+              <a:t>10/11/2020</a:t>
             </a:fld>
             <a:endParaRPr lang="es-CR"/>
           </a:p>
@@ -1455,7 +1880,7 @@
           <a:p>
             <a:fld id="{4097F1C0-AB73-4599-94B3-8B167406BF92}" type="datetimeFigureOut">
               <a:rPr lang="es-CR" smtClean="0"/>
-              <a:t>26/10/2020</a:t>
+              <a:t>10/11/2020</a:t>
             </a:fld>
             <a:endParaRPr lang="es-CR"/>
           </a:p>
@@ -1625,7 +2050,7 @@
           <a:p>
             <a:fld id="{4097F1C0-AB73-4599-94B3-8B167406BF92}" type="datetimeFigureOut">
               <a:rPr lang="es-CR" smtClean="0"/>
-              <a:t>26/10/2020</a:t>
+              <a:t>10/11/2020</a:t>
             </a:fld>
             <a:endParaRPr lang="es-CR"/>
           </a:p>
@@ -1871,7 +2296,7 @@
           <a:p>
             <a:fld id="{4097F1C0-AB73-4599-94B3-8B167406BF92}" type="datetimeFigureOut">
               <a:rPr lang="es-CR" smtClean="0"/>
-              <a:t>26/10/2020</a:t>
+              <a:t>10/11/2020</a:t>
             </a:fld>
             <a:endParaRPr lang="es-CR"/>
           </a:p>
@@ -2103,7 +2528,7 @@
           <a:p>
             <a:fld id="{4097F1C0-AB73-4599-94B3-8B167406BF92}" type="datetimeFigureOut">
               <a:rPr lang="es-CR" smtClean="0"/>
-              <a:t>26/10/2020</a:t>
+              <a:t>10/11/2020</a:t>
             </a:fld>
             <a:endParaRPr lang="es-CR"/>
           </a:p>
@@ -2470,7 +2895,7 @@
           <a:p>
             <a:fld id="{4097F1C0-AB73-4599-94B3-8B167406BF92}" type="datetimeFigureOut">
               <a:rPr lang="es-CR" smtClean="0"/>
-              <a:t>26/10/2020</a:t>
+              <a:t>10/11/2020</a:t>
             </a:fld>
             <a:endParaRPr lang="es-CR"/>
           </a:p>
@@ -2588,7 +3013,7 @@
           <a:p>
             <a:fld id="{4097F1C0-AB73-4599-94B3-8B167406BF92}" type="datetimeFigureOut">
               <a:rPr lang="es-CR" smtClean="0"/>
-              <a:t>26/10/2020</a:t>
+              <a:t>10/11/2020</a:t>
             </a:fld>
             <a:endParaRPr lang="es-CR"/>
           </a:p>
@@ -2683,7 +3108,7 @@
           <a:p>
             <a:fld id="{4097F1C0-AB73-4599-94B3-8B167406BF92}" type="datetimeFigureOut">
               <a:rPr lang="es-CR" smtClean="0"/>
-              <a:t>26/10/2020</a:t>
+              <a:t>10/11/2020</a:t>
             </a:fld>
             <a:endParaRPr lang="es-CR"/>
           </a:p>
@@ -2960,7 +3385,7 @@
           <a:p>
             <a:fld id="{4097F1C0-AB73-4599-94B3-8B167406BF92}" type="datetimeFigureOut">
               <a:rPr lang="es-CR" smtClean="0"/>
-              <a:t>26/10/2020</a:t>
+              <a:t>10/11/2020</a:t>
             </a:fld>
             <a:endParaRPr lang="es-CR"/>
           </a:p>
@@ -3213,7 +3638,7 @@
           <a:p>
             <a:fld id="{4097F1C0-AB73-4599-94B3-8B167406BF92}" type="datetimeFigureOut">
               <a:rPr lang="es-CR" smtClean="0"/>
-              <a:t>26/10/2020</a:t>
+              <a:t>10/11/2020</a:t>
             </a:fld>
             <a:endParaRPr lang="es-CR"/>
           </a:p>
@@ -3435,7 +3860,7 @@
           <a:p>
             <a:fld id="{4097F1C0-AB73-4599-94B3-8B167406BF92}" type="datetimeFigureOut">
               <a:rPr lang="es-CR" smtClean="0"/>
-              <a:t>26/10/2020</a:t>
+              <a:t>10/11/2020</a:t>
             </a:fld>
             <a:endParaRPr lang="es-CR"/>
           </a:p>
@@ -4001,6 +4426,241 @@
 </p:sld>
 </file>
 
+<file path=ppt/slides/slide10.xml><?xml version="1.0" encoding="utf-8"?>
+<p:sld xmlns:a="http://schemas.openxmlformats.org/drawingml/2006/main" xmlns:r="http://schemas.openxmlformats.org/officeDocument/2006/relationships" xmlns:p="http://schemas.openxmlformats.org/presentationml/2006/main">
+  <p:cSld>
+    <p:spTree>
+      <p:nvGrpSpPr>
+        <p:cNvPr id="1" name=""/>
+        <p:cNvGrpSpPr/>
+        <p:nvPr/>
+      </p:nvGrpSpPr>
+      <p:grpSpPr>
+        <a:xfrm>
+          <a:off x="0" y="0"/>
+          <a:ext cx="0" cy="0"/>
+          <a:chOff x="0" y="0"/>
+          <a:chExt cx="0" cy="0"/>
+        </a:xfrm>
+      </p:grpSpPr>
+      <p:sp>
+        <p:nvSpPr>
+          <p:cNvPr id="6" name="Rectángulo 5"/>
+          <p:cNvSpPr/>
+          <p:nvPr/>
+        </p:nvSpPr>
+        <p:spPr>
+          <a:xfrm>
+            <a:off x="500193" y="1715066"/>
+            <a:ext cx="7507054" cy="4832092"/>
+          </a:xfrm>
+          <a:prstGeom prst="rect">
+            <a:avLst/>
+          </a:prstGeom>
+        </p:spPr>
+        <p:txBody>
+          <a:bodyPr wrap="square">
+            <a:spAutoFit/>
+          </a:bodyPr>
+          <a:lstStyle/>
+          <a:p>
+            <a:r>
+              <a:rPr lang="es-CR" sz="2800" dirty="0">
+                <a:solidFill>
+                  <a:schemeClr val="bg1"/>
+                </a:solidFill>
+                <a:latin typeface="Estrangelo Edessa" panose="03080600000000000000" pitchFamily="66" charset="0"/>
+                <a:cs typeface="Estrangelo Edessa" panose="03080600000000000000" pitchFamily="66" charset="0"/>
+              </a:rPr>
+              <a:t>S</a:t>
+            </a:r>
+            <a:r>
+              <a:rPr lang="es-CR" sz="2800" dirty="0" smtClean="0">
+                <a:solidFill>
+                  <a:schemeClr val="bg1"/>
+                </a:solidFill>
+                <a:latin typeface="Estrangelo Edessa" panose="03080600000000000000" pitchFamily="66" charset="0"/>
+                <a:cs typeface="Estrangelo Edessa" panose="03080600000000000000" pitchFamily="66" charset="0"/>
+              </a:rPr>
+              <a:t>istema </a:t>
+            </a:r>
+            <a:r>
+              <a:rPr lang="es-CR" sz="2800" dirty="0">
+                <a:solidFill>
+                  <a:schemeClr val="bg1"/>
+                </a:solidFill>
+                <a:latin typeface="Estrangelo Edessa" panose="03080600000000000000" pitchFamily="66" charset="0"/>
+                <a:cs typeface="Estrangelo Edessa" panose="03080600000000000000" pitchFamily="66" charset="0"/>
+              </a:rPr>
+              <a:t>que procura facilitar los procesos electorales en los centros educativos, proveyendo las herramientas para crear una votación electrónica adecuada al contexto de cada institución, pudiendo generar las papeletas, gestionar el padrón electoral, realizar la votación y ofreciendo los resultados finales. Todo desde un sistema centralizado que permite a las áreas MEP involucradas obtener datos estadísticos de los procesos realizados en las instituciones que empleen la herramienta.</a:t>
+            </a:r>
+          </a:p>
+        </p:txBody>
+      </p:sp>
+      <p:sp>
+        <p:nvSpPr>
+          <p:cNvPr id="7" name="CuadroTexto 6"/>
+          <p:cNvSpPr txBox="1"/>
+          <p:nvPr/>
+        </p:nvSpPr>
+        <p:spPr>
+          <a:xfrm>
+            <a:off x="271593" y="0"/>
+            <a:ext cx="7058390" cy="1569660"/>
+          </a:xfrm>
+          <a:prstGeom prst="rect">
+            <a:avLst/>
+          </a:prstGeom>
+          <a:noFill/>
+        </p:spPr>
+        <p:txBody>
+          <a:bodyPr wrap="square" rtlCol="0">
+            <a:spAutoFit/>
+          </a:bodyPr>
+          <a:lstStyle/>
+          <a:p>
+            <a:r>
+              <a:rPr lang="es-CR" sz="9600" dirty="0" err="1" smtClean="0">
+                <a:solidFill>
+                  <a:schemeClr val="bg1"/>
+                </a:solidFill>
+                <a:latin typeface="Impact" panose="020B0806030902050204" pitchFamily="34" charset="0"/>
+              </a:rPr>
+              <a:t>ioVoto</a:t>
+            </a:r>
+            <a:endParaRPr lang="es-CR" sz="9600" dirty="0">
+              <a:solidFill>
+                <a:schemeClr val="bg1"/>
+              </a:solidFill>
+              <a:latin typeface="Impact" panose="020B0806030902050204" pitchFamily="34" charset="0"/>
+            </a:endParaRPr>
+          </a:p>
+        </p:txBody>
+      </p:sp>
+    </p:spTree>
+    <p:extLst>
+      <p:ext uri="{BB962C8B-B14F-4D97-AF65-F5344CB8AC3E}">
+        <p14:creationId xmlns:p14="http://schemas.microsoft.com/office/powerpoint/2010/main" val="3746302220"/>
+      </p:ext>
+    </p:extLst>
+  </p:cSld>
+  <p:clrMapOvr>
+    <a:masterClrMapping/>
+  </p:clrMapOvr>
+</p:sld>
+</file>
+
+<file path=ppt/slides/slide11.xml><?xml version="1.0" encoding="utf-8"?>
+<p:sld xmlns:a="http://schemas.openxmlformats.org/drawingml/2006/main" xmlns:r="http://schemas.openxmlformats.org/officeDocument/2006/relationships" xmlns:p="http://schemas.openxmlformats.org/presentationml/2006/main">
+  <p:cSld>
+    <p:spTree>
+      <p:nvGrpSpPr>
+        <p:cNvPr id="1" name=""/>
+        <p:cNvGrpSpPr/>
+        <p:nvPr/>
+      </p:nvGrpSpPr>
+      <p:grpSpPr>
+        <a:xfrm>
+          <a:off x="0" y="0"/>
+          <a:ext cx="0" cy="0"/>
+          <a:chOff x="0" y="0"/>
+          <a:chExt cx="0" cy="0"/>
+        </a:xfrm>
+      </p:grpSpPr>
+      <p:sp>
+        <p:nvSpPr>
+          <p:cNvPr id="6" name="Rectángulo 5"/>
+          <p:cNvSpPr/>
+          <p:nvPr/>
+        </p:nvSpPr>
+        <p:spPr>
+          <a:xfrm>
+            <a:off x="436693" y="1867466"/>
+            <a:ext cx="7507054" cy="4154984"/>
+          </a:xfrm>
+          <a:prstGeom prst="rect">
+            <a:avLst/>
+          </a:prstGeom>
+        </p:spPr>
+        <p:txBody>
+          <a:bodyPr wrap="square">
+            <a:spAutoFit/>
+          </a:bodyPr>
+          <a:lstStyle/>
+          <a:p>
+            <a:r>
+              <a:rPr lang="es-CR" sz="4400" dirty="0" smtClean="0">
+                <a:solidFill>
+                  <a:schemeClr val="bg1"/>
+                </a:solidFill>
+                <a:latin typeface="Estrangelo Edessa" panose="03080600000000000000" pitchFamily="66" charset="0"/>
+                <a:cs typeface="Estrangelo Edessa" panose="03080600000000000000" pitchFamily="66" charset="0"/>
+              </a:rPr>
+              <a:t>Una maravillosa colección de mini enciclopedias de los territorios indígenas de Costa Rica, varios tomos con costumbres, historia, leyendas y mucho más. </a:t>
+            </a:r>
+            <a:endParaRPr lang="es-CR" sz="4400" dirty="0">
+              <a:solidFill>
+                <a:schemeClr val="bg1"/>
+              </a:solidFill>
+              <a:latin typeface="Estrangelo Edessa" panose="03080600000000000000" pitchFamily="66" charset="0"/>
+              <a:cs typeface="Estrangelo Edessa" panose="03080600000000000000" pitchFamily="66" charset="0"/>
+            </a:endParaRPr>
+          </a:p>
+        </p:txBody>
+      </p:sp>
+      <p:sp>
+        <p:nvSpPr>
+          <p:cNvPr id="7" name="CuadroTexto 6"/>
+          <p:cNvSpPr txBox="1"/>
+          <p:nvPr/>
+        </p:nvSpPr>
+        <p:spPr>
+          <a:xfrm>
+            <a:off x="436693" y="329854"/>
+            <a:ext cx="7507054" cy="1200329"/>
+          </a:xfrm>
+          <a:prstGeom prst="rect">
+            <a:avLst/>
+          </a:prstGeom>
+          <a:noFill/>
+        </p:spPr>
+        <p:txBody>
+          <a:bodyPr wrap="square" rtlCol="0">
+            <a:spAutoFit/>
+          </a:bodyPr>
+          <a:lstStyle/>
+          <a:p>
+            <a:r>
+              <a:rPr lang="es-CR" sz="7200" dirty="0" smtClean="0">
+                <a:solidFill>
+                  <a:schemeClr val="bg1"/>
+                </a:solidFill>
+                <a:latin typeface="Impact" panose="020B0806030902050204" pitchFamily="34" charset="0"/>
+              </a:rPr>
+              <a:t>Mini enciclopedias </a:t>
+            </a:r>
+            <a:endParaRPr lang="es-CR" sz="7200" dirty="0">
+              <a:solidFill>
+                <a:schemeClr val="bg1"/>
+              </a:solidFill>
+              <a:latin typeface="Impact" panose="020B0806030902050204" pitchFamily="34" charset="0"/>
+            </a:endParaRPr>
+          </a:p>
+        </p:txBody>
+      </p:sp>
+    </p:spTree>
+    <p:extLst>
+      <p:ext uri="{BB962C8B-B14F-4D97-AF65-F5344CB8AC3E}">
+        <p14:creationId xmlns:p14="http://schemas.microsoft.com/office/powerpoint/2010/main" val="418536484"/>
+      </p:ext>
+    </p:extLst>
+  </p:cSld>
+  <p:clrMapOvr>
+    <a:masterClrMapping/>
+  </p:clrMapOvr>
+</p:sld>
+</file>
+
 <file path=ppt/slides/slide2.xml><?xml version="1.0" encoding="utf-8"?>
 <p:sld xmlns:a="http://schemas.openxmlformats.org/drawingml/2006/main" xmlns:r="http://schemas.openxmlformats.org/officeDocument/2006/relationships" xmlns:p="http://schemas.openxmlformats.org/presentationml/2006/main">
   <p:cSld>
@@ -4493,27 +5153,7 @@
                 <a:latin typeface="Estrangelo Edessa" panose="03080600000000000000" pitchFamily="66" charset="0"/>
                 <a:cs typeface="Estrangelo Edessa" panose="03080600000000000000" pitchFamily="66" charset="0"/>
               </a:rPr>
-              <a:t>en versión web, para la asignatura de Ciencias en todos los años de </a:t>
-            </a:r>
-            <a:r>
-              <a:rPr lang="es-CR" sz="3600" dirty="0">
-                <a:solidFill>
-                  <a:schemeClr val="bg1"/>
-                </a:solidFill>
-                <a:latin typeface="Estrangelo Edessa" panose="03080600000000000000" pitchFamily="66" charset="0"/>
-                <a:cs typeface="Estrangelo Edessa" panose="03080600000000000000" pitchFamily="66" charset="0"/>
-              </a:rPr>
-              <a:t>primaria, </a:t>
-            </a:r>
-            <a:r>
-              <a:rPr lang="es-CR" sz="3600" dirty="0">
-                <a:solidFill>
-                  <a:schemeClr val="bg1"/>
-                </a:solidFill>
-                <a:latin typeface="Estrangelo Edessa" panose="03080600000000000000" pitchFamily="66" charset="0"/>
-                <a:cs typeface="Estrangelo Edessa" panose="03080600000000000000" pitchFamily="66" charset="0"/>
-              </a:rPr>
-              <a:t> </a:t>
+              <a:t>en versión web, para la asignatura de Ciencias en todos los años de primaria,  </a:t>
             </a:r>
             <a:r>
               <a:rPr lang="es-CR" sz="3600" dirty="0" smtClean="0">
@@ -4664,7 +5304,112 @@
         </p:nvSpPr>
         <p:spPr>
           <a:xfrm>
-            <a:off x="631565" y="1210605"/>
+            <a:off x="614493" y="2790578"/>
+            <a:ext cx="7507054" cy="3539430"/>
+          </a:xfrm>
+          <a:prstGeom prst="rect">
+            <a:avLst/>
+          </a:prstGeom>
+        </p:spPr>
+        <p:txBody>
+          <a:bodyPr wrap="square">
+            <a:spAutoFit/>
+          </a:bodyPr>
+          <a:lstStyle/>
+          <a:p>
+            <a:r>
+              <a:rPr lang="es-CR" sz="3200" dirty="0" smtClean="0">
+                <a:solidFill>
+                  <a:schemeClr val="bg1"/>
+                </a:solidFill>
+                <a:latin typeface="Estrangelo Edessa" panose="03080600000000000000" pitchFamily="66" charset="0"/>
+                <a:cs typeface="Estrangelo Edessa" panose="03080600000000000000" pitchFamily="66" charset="0"/>
+              </a:rPr>
+              <a:t>Un calendario digital con las actividades más importantes del Ministerio de Educación Pública, cuenta con distintos filtro de búsqueda, información actualizada y lista para descargar, un recurso que viene a optimizar el tiempo de nuestra comunidad educativa en general</a:t>
+            </a:r>
+            <a:endParaRPr lang="es-CR" sz="3200" dirty="0">
+              <a:solidFill>
+                <a:schemeClr val="bg1"/>
+              </a:solidFill>
+              <a:latin typeface="Estrangelo Edessa" panose="03080600000000000000" pitchFamily="66" charset="0"/>
+              <a:cs typeface="Estrangelo Edessa" panose="03080600000000000000" pitchFamily="66" charset="0"/>
+            </a:endParaRPr>
+          </a:p>
+        </p:txBody>
+      </p:sp>
+      <p:sp>
+        <p:nvSpPr>
+          <p:cNvPr id="7" name="CuadroTexto 6"/>
+          <p:cNvSpPr txBox="1"/>
+          <p:nvPr/>
+        </p:nvSpPr>
+        <p:spPr>
+          <a:xfrm>
+            <a:off x="436693" y="329854"/>
+            <a:ext cx="7058390" cy="2308324"/>
+          </a:xfrm>
+          <a:prstGeom prst="rect">
+            <a:avLst/>
+          </a:prstGeom>
+          <a:noFill/>
+        </p:spPr>
+        <p:txBody>
+          <a:bodyPr wrap="square" rtlCol="0">
+            <a:spAutoFit/>
+          </a:bodyPr>
+          <a:lstStyle/>
+          <a:p>
+            <a:r>
+              <a:rPr lang="es-CR" sz="7200" dirty="0">
+                <a:solidFill>
+                  <a:schemeClr val="bg1"/>
+                </a:solidFill>
+                <a:latin typeface="Impact" panose="020B0806030902050204" pitchFamily="34" charset="0"/>
+              </a:rPr>
+              <a:t>Calendario Virtual 2021</a:t>
+            </a:r>
+          </a:p>
+        </p:txBody>
+      </p:sp>
+    </p:spTree>
+    <p:extLst>
+      <p:ext uri="{BB962C8B-B14F-4D97-AF65-F5344CB8AC3E}">
+        <p14:creationId xmlns:p14="http://schemas.microsoft.com/office/powerpoint/2010/main" val="778702690"/>
+      </p:ext>
+    </p:extLst>
+  </p:cSld>
+  <p:clrMapOvr>
+    <a:masterClrMapping/>
+  </p:clrMapOvr>
+</p:sld>
+</file>
+
+<file path=ppt/slides/slide7.xml><?xml version="1.0" encoding="utf-8"?>
+<p:sld xmlns:a="http://schemas.openxmlformats.org/drawingml/2006/main" xmlns:r="http://schemas.openxmlformats.org/officeDocument/2006/relationships" xmlns:p="http://schemas.openxmlformats.org/presentationml/2006/main">
+  <p:cSld>
+    <p:spTree>
+      <p:nvGrpSpPr>
+        <p:cNvPr id="1" name=""/>
+        <p:cNvGrpSpPr/>
+        <p:nvPr/>
+      </p:nvGrpSpPr>
+      <p:grpSpPr>
+        <a:xfrm>
+          <a:off x="0" y="0"/>
+          <a:ext cx="0" cy="0"/>
+          <a:chOff x="0" y="0"/>
+          <a:chExt cx="0" cy="0"/>
+        </a:xfrm>
+      </p:grpSpPr>
+      <p:sp>
+        <p:nvSpPr>
+          <p:cNvPr id="6" name="Rectángulo 5"/>
+          <p:cNvSpPr/>
+          <p:nvPr/>
+        </p:nvSpPr>
+        <p:spPr>
+          <a:xfrm>
+            <a:off x="436693" y="2248466"/>
             <a:ext cx="7507054" cy="769441"/>
           </a:xfrm>
           <a:prstGeom prst="rect">
@@ -4678,15 +5423,22 @@
           <a:lstStyle/>
           <a:p>
             <a:r>
-              <a:rPr lang="es-CR" sz="4400" dirty="0">
+              <a:rPr lang="es-CR" sz="4400" dirty="0" smtClean="0">
                 <a:solidFill>
                   <a:schemeClr val="bg1"/>
                 </a:solidFill>
                 <a:latin typeface="Estrangelo Edessa" panose="03080600000000000000" pitchFamily="66" charset="0"/>
                 <a:cs typeface="Estrangelo Edessa" panose="03080600000000000000" pitchFamily="66" charset="0"/>
               </a:rPr>
-              <a:t>Traductor</a:t>
-            </a:r>
+              <a:t>Un</a:t>
+            </a:r>
+            <a:endParaRPr lang="es-CR" sz="4400" dirty="0">
+              <a:solidFill>
+                <a:schemeClr val="bg1"/>
+              </a:solidFill>
+              <a:latin typeface="Estrangelo Edessa" panose="03080600000000000000" pitchFamily="66" charset="0"/>
+              <a:cs typeface="Estrangelo Edessa" panose="03080600000000000000" pitchFamily="66" charset="0"/>
+            </a:endParaRPr>
           </a:p>
         </p:txBody>
       </p:sp>
@@ -4698,8 +5450,8 @@
         </p:nvSpPr>
         <p:spPr>
           <a:xfrm>
-            <a:off x="256810" y="194942"/>
-            <a:ext cx="7058390" cy="1015663"/>
+            <a:off x="436693" y="329854"/>
+            <a:ext cx="7058390" cy="1446550"/>
           </a:xfrm>
           <a:prstGeom prst="rect">
             <a:avLst/>
@@ -4713,21 +5465,17 @@
           <a:lstStyle/>
           <a:p>
             <a:r>
-              <a:rPr lang="es-CR" sz="6000" dirty="0" smtClean="0">
+              <a:rPr lang="es-CR" sz="8800" dirty="0" err="1" smtClean="0">
                 <a:solidFill>
-                  <a:schemeClr val="bg1">
-                    <a:lumMod val="50000"/>
-                  </a:schemeClr>
+                  <a:schemeClr val="bg1"/>
                 </a:solidFill>
                 <a:latin typeface="Impact" panose="020B0806030902050204" pitchFamily="34" charset="0"/>
               </a:rPr>
-              <a:t>Mis primeros pasos</a:t>
-            </a:r>
-            <a:endParaRPr lang="es-CR" sz="1600" dirty="0">
+              <a:t>Welwarn</a:t>
+            </a:r>
+            <a:endParaRPr lang="es-CR" sz="8800" dirty="0">
               <a:solidFill>
-                <a:schemeClr val="bg1">
-                  <a:lumMod val="50000"/>
-                </a:schemeClr>
+                <a:schemeClr val="bg1"/>
               </a:solidFill>
               <a:latin typeface="Impact" panose="020B0806030902050204" pitchFamily="34" charset="0"/>
             </a:endParaRPr>
@@ -4737,7 +5485,291 @@
     </p:spTree>
     <p:extLst>
       <p:ext uri="{BB962C8B-B14F-4D97-AF65-F5344CB8AC3E}">
-        <p14:creationId xmlns:p14="http://schemas.microsoft.com/office/powerpoint/2010/main" val="778702690"/>
+        <p14:creationId xmlns:p14="http://schemas.microsoft.com/office/powerpoint/2010/main" val="2166395364"/>
+      </p:ext>
+    </p:extLst>
+  </p:cSld>
+  <p:clrMapOvr>
+    <a:masterClrMapping/>
+  </p:clrMapOvr>
+</p:sld>
+</file>
+
+<file path=ppt/slides/slide8.xml><?xml version="1.0" encoding="utf-8"?>
+<p:sld xmlns:a="http://schemas.openxmlformats.org/drawingml/2006/main" xmlns:r="http://schemas.openxmlformats.org/officeDocument/2006/relationships" xmlns:p="http://schemas.openxmlformats.org/presentationml/2006/main">
+  <p:cSld>
+    <p:spTree>
+      <p:nvGrpSpPr>
+        <p:cNvPr id="1" name=""/>
+        <p:cNvGrpSpPr/>
+        <p:nvPr/>
+      </p:nvGrpSpPr>
+      <p:grpSpPr>
+        <a:xfrm>
+          <a:off x="0" y="0"/>
+          <a:ext cx="0" cy="0"/>
+          <a:chOff x="0" y="0"/>
+          <a:chExt cx="0" cy="0"/>
+        </a:xfrm>
+      </p:grpSpPr>
+      <p:sp>
+        <p:nvSpPr>
+          <p:cNvPr id="6" name="Rectángulo 5"/>
+          <p:cNvSpPr/>
+          <p:nvPr/>
+        </p:nvSpPr>
+        <p:spPr>
+          <a:xfrm>
+            <a:off x="601793" y="2638178"/>
+            <a:ext cx="7507054" cy="4154984"/>
+          </a:xfrm>
+          <a:prstGeom prst="rect">
+            <a:avLst/>
+          </a:prstGeom>
+        </p:spPr>
+        <p:txBody>
+          <a:bodyPr wrap="square">
+            <a:spAutoFit/>
+          </a:bodyPr>
+          <a:lstStyle/>
+          <a:p>
+            <a:r>
+              <a:rPr lang="es-CR" sz="4400" dirty="0" smtClean="0">
+                <a:solidFill>
+                  <a:schemeClr val="bg1"/>
+                </a:solidFill>
+                <a:latin typeface="Estrangelo Edessa" panose="03080600000000000000" pitchFamily="66" charset="0"/>
+                <a:cs typeface="Estrangelo Edessa" panose="03080600000000000000" pitchFamily="66" charset="0"/>
+              </a:rPr>
+              <a:t>Una colección de los videos que actualmente se trasmiten en televisión nacional del programa Aprendo en casa TV, con búsquedas por ciclo, nivel, materia y palabras claves.</a:t>
+            </a:r>
+            <a:endParaRPr lang="es-CR" sz="4400" dirty="0">
+              <a:solidFill>
+                <a:schemeClr val="bg1"/>
+              </a:solidFill>
+              <a:latin typeface="Estrangelo Edessa" panose="03080600000000000000" pitchFamily="66" charset="0"/>
+              <a:cs typeface="Estrangelo Edessa" panose="03080600000000000000" pitchFamily="66" charset="0"/>
+            </a:endParaRPr>
+          </a:p>
+        </p:txBody>
+      </p:sp>
+      <p:sp>
+        <p:nvSpPr>
+          <p:cNvPr id="7" name="CuadroTexto 6"/>
+          <p:cNvSpPr txBox="1"/>
+          <p:nvPr/>
+        </p:nvSpPr>
+        <p:spPr>
+          <a:xfrm>
+            <a:off x="436693" y="329854"/>
+            <a:ext cx="7507054" cy="2308324"/>
+          </a:xfrm>
+          <a:prstGeom prst="rect">
+            <a:avLst/>
+          </a:prstGeom>
+          <a:noFill/>
+        </p:spPr>
+        <p:txBody>
+          <a:bodyPr wrap="square" rtlCol="0">
+            <a:spAutoFit/>
+          </a:bodyPr>
+          <a:lstStyle/>
+          <a:p>
+            <a:r>
+              <a:rPr lang="es-CR" sz="7200" dirty="0" smtClean="0">
+                <a:solidFill>
+                  <a:schemeClr val="bg1"/>
+                </a:solidFill>
+                <a:latin typeface="Impact" panose="020B0806030902050204" pitchFamily="34" charset="0"/>
+              </a:rPr>
+              <a:t>Videoteca Aprendo en casa TV</a:t>
+            </a:r>
+            <a:endParaRPr lang="es-CR" sz="7200" dirty="0">
+              <a:solidFill>
+                <a:schemeClr val="bg1"/>
+              </a:solidFill>
+              <a:latin typeface="Impact" panose="020B0806030902050204" pitchFamily="34" charset="0"/>
+            </a:endParaRPr>
+          </a:p>
+        </p:txBody>
+      </p:sp>
+    </p:spTree>
+    <p:extLst>
+      <p:ext uri="{BB962C8B-B14F-4D97-AF65-F5344CB8AC3E}">
+        <p14:creationId xmlns:p14="http://schemas.microsoft.com/office/powerpoint/2010/main" val="2875765619"/>
+      </p:ext>
+    </p:extLst>
+  </p:cSld>
+  <p:clrMapOvr>
+    <a:masterClrMapping/>
+  </p:clrMapOvr>
+</p:sld>
+</file>
+
+<file path=ppt/slides/slide9.xml><?xml version="1.0" encoding="utf-8"?>
+<p:sld xmlns:a="http://schemas.openxmlformats.org/drawingml/2006/main" xmlns:r="http://schemas.openxmlformats.org/officeDocument/2006/relationships" xmlns:p="http://schemas.openxmlformats.org/presentationml/2006/main">
+  <p:cSld>
+    <p:spTree>
+      <p:nvGrpSpPr>
+        <p:cNvPr id="1" name=""/>
+        <p:cNvGrpSpPr/>
+        <p:nvPr/>
+      </p:nvGrpSpPr>
+      <p:grpSpPr>
+        <a:xfrm>
+          <a:off x="0" y="0"/>
+          <a:ext cx="0" cy="0"/>
+          <a:chOff x="0" y="0"/>
+          <a:chExt cx="0" cy="0"/>
+        </a:xfrm>
+      </p:grpSpPr>
+      <p:sp>
+        <p:nvSpPr>
+          <p:cNvPr id="6" name="Rectángulo 5"/>
+          <p:cNvSpPr/>
+          <p:nvPr/>
+        </p:nvSpPr>
+        <p:spPr>
+          <a:xfrm>
+            <a:off x="576393" y="2308324"/>
+            <a:ext cx="7507054" cy="5016758"/>
+          </a:xfrm>
+          <a:prstGeom prst="rect">
+            <a:avLst/>
+          </a:prstGeom>
+        </p:spPr>
+        <p:txBody>
+          <a:bodyPr wrap="square">
+            <a:spAutoFit/>
+          </a:bodyPr>
+          <a:lstStyle/>
+          <a:p>
+            <a:r>
+              <a:rPr lang="es-CR" sz="2800" dirty="0">
+                <a:solidFill>
+                  <a:schemeClr val="bg1"/>
+                </a:solidFill>
+                <a:latin typeface="Estrangelo Edessa" panose="03080600000000000000" pitchFamily="66" charset="0"/>
+                <a:cs typeface="Estrangelo Edessa" panose="03080600000000000000" pitchFamily="66" charset="0"/>
+              </a:rPr>
+              <a:t>Un </a:t>
+            </a:r>
+            <a:r>
+              <a:rPr lang="es-CR" sz="2800" dirty="0">
+                <a:solidFill>
+                  <a:schemeClr val="bg1"/>
+                </a:solidFill>
+                <a:latin typeface="Estrangelo Edessa" panose="03080600000000000000" pitchFamily="66" charset="0"/>
+                <a:cs typeface="Estrangelo Edessa" panose="03080600000000000000" pitchFamily="66" charset="0"/>
+              </a:rPr>
+              <a:t>recurso</a:t>
+            </a:r>
+            <a:r>
+              <a:rPr lang="es-CR" sz="2800" dirty="0">
+                <a:solidFill>
+                  <a:schemeClr val="bg1"/>
+                </a:solidFill>
+                <a:latin typeface="Estrangelo Edessa" panose="03080600000000000000" pitchFamily="66" charset="0"/>
+                <a:cs typeface="Estrangelo Edessa" panose="03080600000000000000" pitchFamily="66" charset="0"/>
+              </a:rPr>
+              <a:t> para estudiante </a:t>
+            </a:r>
+            <a:r>
+              <a:rPr lang="es-CR" sz="2800" dirty="0">
+                <a:solidFill>
+                  <a:schemeClr val="bg1"/>
+                </a:solidFill>
+                <a:latin typeface="Estrangelo Edessa" panose="03080600000000000000" pitchFamily="66" charset="0"/>
+                <a:cs typeface="Estrangelo Edessa" panose="03080600000000000000" pitchFamily="66" charset="0"/>
+              </a:rPr>
+              <a:t>de undécimo </a:t>
+            </a:r>
+            <a:r>
+              <a:rPr lang="es-CR" sz="2800" dirty="0" smtClean="0">
+                <a:solidFill>
+                  <a:schemeClr val="bg1"/>
+                </a:solidFill>
+                <a:latin typeface="Estrangelo Edessa" panose="03080600000000000000" pitchFamily="66" charset="0"/>
+                <a:cs typeface="Estrangelo Edessa" panose="03080600000000000000" pitchFamily="66" charset="0"/>
+              </a:rPr>
+              <a:t>año, </a:t>
+            </a:r>
+            <a:r>
+              <a:rPr lang="es-CR" sz="2800" dirty="0">
+                <a:solidFill>
+                  <a:schemeClr val="bg1"/>
+                </a:solidFill>
+                <a:latin typeface="Estrangelo Edessa" panose="03080600000000000000" pitchFamily="66" charset="0"/>
+                <a:cs typeface="Estrangelo Edessa" panose="03080600000000000000" pitchFamily="66" charset="0"/>
+              </a:rPr>
+              <a:t>una serie de insumos pedagógicos para el desarrollo de las habilidades y los aprendizajes esperados; relacionadas con los contenidos conceptuales, las claves del arte costarricense. </a:t>
+            </a:r>
+            <a:r>
+              <a:rPr lang="es-CR" sz="2800" dirty="0">
+                <a:solidFill>
+                  <a:schemeClr val="bg1"/>
+                </a:solidFill>
+                <a:latin typeface="Estrangelo Edessa" panose="03080600000000000000" pitchFamily="66" charset="0"/>
+                <a:cs typeface="Estrangelo Edessa" panose="03080600000000000000" pitchFamily="66" charset="0"/>
+              </a:rPr>
+              <a:t>Destaca en él, la colección de 18 obras de la historia artística de Costa Rica modeladas en 3D, dispuestas para apoyar el proceso mediado de observación, reflexión, comprensión, análisis crítico y aprecio del arte costarricense.</a:t>
+            </a:r>
+          </a:p>
+          <a:p>
+            <a:endParaRPr lang="es-CR" sz="3600" dirty="0">
+              <a:solidFill>
+                <a:schemeClr val="bg1"/>
+              </a:solidFill>
+              <a:latin typeface="Estrangelo Edessa" panose="03080600000000000000" pitchFamily="66" charset="0"/>
+              <a:cs typeface="Estrangelo Edessa" panose="03080600000000000000" pitchFamily="66" charset="0"/>
+            </a:endParaRPr>
+          </a:p>
+        </p:txBody>
+      </p:sp>
+      <p:sp>
+        <p:nvSpPr>
+          <p:cNvPr id="7" name="CuadroTexto 6"/>
+          <p:cNvSpPr txBox="1"/>
+          <p:nvPr/>
+        </p:nvSpPr>
+        <p:spPr>
+          <a:xfrm>
+            <a:off x="436693" y="0"/>
+            <a:ext cx="7058390" cy="2308324"/>
+          </a:xfrm>
+          <a:prstGeom prst="rect">
+            <a:avLst/>
+          </a:prstGeom>
+          <a:noFill/>
+        </p:spPr>
+        <p:txBody>
+          <a:bodyPr wrap="square" rtlCol="0">
+            <a:spAutoFit/>
+          </a:bodyPr>
+          <a:lstStyle/>
+          <a:p>
+            <a:r>
+              <a:rPr lang="es-CR" sz="7200" dirty="0" smtClean="0">
+                <a:solidFill>
+                  <a:schemeClr val="bg1"/>
+                </a:solidFill>
+                <a:latin typeface="Impact" panose="020B0806030902050204" pitchFamily="34" charset="0"/>
+              </a:rPr>
+              <a:t>Claves del Arte Costarricense</a:t>
+            </a:r>
+            <a:endParaRPr lang="es-CR" sz="7200" dirty="0">
+              <a:solidFill>
+                <a:schemeClr val="bg1"/>
+              </a:solidFill>
+              <a:latin typeface="Impact" panose="020B0806030902050204" pitchFamily="34" charset="0"/>
+            </a:endParaRPr>
+          </a:p>
+        </p:txBody>
+      </p:sp>
+    </p:spTree>
+    <p:extLst>
+      <p:ext uri="{BB962C8B-B14F-4D97-AF65-F5344CB8AC3E}">
+        <p14:creationId xmlns:p14="http://schemas.microsoft.com/office/powerpoint/2010/main" val="4001277797"/>
       </p:ext>
     </p:extLst>
   </p:cSld>

--- a/diseño/img-avances/descriptivo.pptx
+++ b/diseño/img-avances/descriptivo.pptx
@@ -5,20 +5,15 @@
     <p:sldMasterId id="2147483648" r:id="rId1"/>
   </p:sldMasterIdLst>
   <p:notesMasterIdLst>
-    <p:notesMasterId r:id="rId13"/>
+    <p:notesMasterId r:id="rId8"/>
   </p:notesMasterIdLst>
   <p:sldIdLst>
-    <p:sldId id="259" r:id="rId2"/>
-    <p:sldId id="260" r:id="rId3"/>
-    <p:sldId id="261" r:id="rId4"/>
-    <p:sldId id="263" r:id="rId5"/>
-    <p:sldId id="262" r:id="rId6"/>
-    <p:sldId id="264" r:id="rId7"/>
-    <p:sldId id="265" r:id="rId8"/>
-    <p:sldId id="266" r:id="rId9"/>
-    <p:sldId id="267" r:id="rId10"/>
-    <p:sldId id="268" r:id="rId11"/>
-    <p:sldId id="269" r:id="rId12"/>
+    <p:sldId id="264" r:id="rId2"/>
+    <p:sldId id="265" r:id="rId3"/>
+    <p:sldId id="266" r:id="rId4"/>
+    <p:sldId id="267" r:id="rId5"/>
+    <p:sldId id="268" r:id="rId6"/>
+    <p:sldId id="269" r:id="rId7"/>
   </p:sldIdLst>
   <p:sldSz cx="12192000" cy="6858000"/>
   <p:notesSz cx="6858000" cy="9144000"/>
@@ -207,7 +202,7 @@
           <a:p>
             <a:fld id="{30BCF29D-964E-4AF3-8FDD-9F64096CA3C1}" type="datetimeFigureOut">
               <a:rPr lang="es-CR" smtClean="0"/>
-              <a:t>10/11/2020</a:t>
+              <a:t>11/11/2020</a:t>
             </a:fld>
             <a:endParaRPr lang="es-CR"/>
           </a:p>
@@ -549,175 +544,7 @@
     </p:spTree>
     <p:extLst>
       <p:ext uri="{BB962C8B-B14F-4D97-AF65-F5344CB8AC3E}">
-        <p14:creationId xmlns:p14="http://schemas.microsoft.com/office/powerpoint/2010/main" val="684080728"/>
-      </p:ext>
-    </p:extLst>
-  </p:cSld>
-  <p:clrMapOvr>
-    <a:masterClrMapping/>
-  </p:clrMapOvr>
-</p:notes>
-</file>
-
-<file path=ppt/notesSlides/notesSlide10.xml><?xml version="1.0" encoding="utf-8"?>
-<p:notes xmlns:a="http://schemas.openxmlformats.org/drawingml/2006/main" xmlns:r="http://schemas.openxmlformats.org/officeDocument/2006/relationships" xmlns:p="http://schemas.openxmlformats.org/presentationml/2006/main">
-  <p:cSld>
-    <p:spTree>
-      <p:nvGrpSpPr>
-        <p:cNvPr id="1" name=""/>
-        <p:cNvGrpSpPr/>
-        <p:nvPr/>
-      </p:nvGrpSpPr>
-      <p:grpSpPr>
-        <a:xfrm>
-          <a:off x="0" y="0"/>
-          <a:ext cx="0" cy="0"/>
-          <a:chOff x="0" y="0"/>
-          <a:chExt cx="0" cy="0"/>
-        </a:xfrm>
-      </p:grpSpPr>
-      <p:sp>
-        <p:nvSpPr>
-          <p:cNvPr id="2" name="Marcador de imagen de diapositiva 1"/>
-          <p:cNvSpPr>
-            <a:spLocks noGrp="1" noRot="1" noChangeAspect="1"/>
-          </p:cNvSpPr>
-          <p:nvPr>
-            <p:ph type="sldImg"/>
-          </p:nvPr>
-        </p:nvSpPr>
-        <p:spPr/>
-      </p:sp>
-      <p:sp>
-        <p:nvSpPr>
-          <p:cNvPr id="3" name="Marcador de notas 2"/>
-          <p:cNvSpPr>
-            <a:spLocks noGrp="1"/>
-          </p:cNvSpPr>
-          <p:nvPr>
-            <p:ph type="body" idx="1"/>
-          </p:nvPr>
-        </p:nvSpPr>
-        <p:spPr/>
-        <p:txBody>
-          <a:bodyPr/>
-          <a:lstStyle/>
-          <a:p>
-            <a:endParaRPr lang="es-CR" dirty="0"/>
-          </a:p>
-        </p:txBody>
-      </p:sp>
-      <p:sp>
-        <p:nvSpPr>
-          <p:cNvPr id="4" name="Marcador de número de diapositiva 3"/>
-          <p:cNvSpPr>
-            <a:spLocks noGrp="1"/>
-          </p:cNvSpPr>
-          <p:nvPr>
-            <p:ph type="sldNum" sz="quarter" idx="10"/>
-          </p:nvPr>
-        </p:nvSpPr>
-        <p:spPr/>
-        <p:txBody>
-          <a:bodyPr/>
-          <a:lstStyle/>
-          <a:p>
-            <a:fld id="{D21F2E9D-0781-4C20-8E6C-AF0A41EDE10E}" type="slidenum">
-              <a:rPr lang="es-CR" smtClean="0"/>
-              <a:t>10</a:t>
-            </a:fld>
-            <a:endParaRPr lang="es-CR"/>
-          </a:p>
-        </p:txBody>
-      </p:sp>
-    </p:spTree>
-    <p:extLst>
-      <p:ext uri="{BB962C8B-B14F-4D97-AF65-F5344CB8AC3E}">
-        <p14:creationId xmlns:p14="http://schemas.microsoft.com/office/powerpoint/2010/main" val="2293296718"/>
-      </p:ext>
-    </p:extLst>
-  </p:cSld>
-  <p:clrMapOvr>
-    <a:masterClrMapping/>
-  </p:clrMapOvr>
-</p:notes>
-</file>
-
-<file path=ppt/notesSlides/notesSlide11.xml><?xml version="1.0" encoding="utf-8"?>
-<p:notes xmlns:a="http://schemas.openxmlformats.org/drawingml/2006/main" xmlns:r="http://schemas.openxmlformats.org/officeDocument/2006/relationships" xmlns:p="http://schemas.openxmlformats.org/presentationml/2006/main">
-  <p:cSld>
-    <p:spTree>
-      <p:nvGrpSpPr>
-        <p:cNvPr id="1" name=""/>
-        <p:cNvGrpSpPr/>
-        <p:nvPr/>
-      </p:nvGrpSpPr>
-      <p:grpSpPr>
-        <a:xfrm>
-          <a:off x="0" y="0"/>
-          <a:ext cx="0" cy="0"/>
-          <a:chOff x="0" y="0"/>
-          <a:chExt cx="0" cy="0"/>
-        </a:xfrm>
-      </p:grpSpPr>
-      <p:sp>
-        <p:nvSpPr>
-          <p:cNvPr id="2" name="Marcador de imagen de diapositiva 1"/>
-          <p:cNvSpPr>
-            <a:spLocks noGrp="1" noRot="1" noChangeAspect="1"/>
-          </p:cNvSpPr>
-          <p:nvPr>
-            <p:ph type="sldImg"/>
-          </p:nvPr>
-        </p:nvSpPr>
-        <p:spPr/>
-      </p:sp>
-      <p:sp>
-        <p:nvSpPr>
-          <p:cNvPr id="3" name="Marcador de notas 2"/>
-          <p:cNvSpPr>
-            <a:spLocks noGrp="1"/>
-          </p:cNvSpPr>
-          <p:nvPr>
-            <p:ph type="body" idx="1"/>
-          </p:nvPr>
-        </p:nvSpPr>
-        <p:spPr/>
-        <p:txBody>
-          <a:bodyPr/>
-          <a:lstStyle/>
-          <a:p>
-            <a:endParaRPr lang="es-CR" dirty="0"/>
-          </a:p>
-        </p:txBody>
-      </p:sp>
-      <p:sp>
-        <p:nvSpPr>
-          <p:cNvPr id="4" name="Marcador de número de diapositiva 3"/>
-          <p:cNvSpPr>
-            <a:spLocks noGrp="1"/>
-          </p:cNvSpPr>
-          <p:nvPr>
-            <p:ph type="sldNum" sz="quarter" idx="10"/>
-          </p:nvPr>
-        </p:nvSpPr>
-        <p:spPr/>
-        <p:txBody>
-          <a:bodyPr/>
-          <a:lstStyle/>
-          <a:p>
-            <a:fld id="{D21F2E9D-0781-4C20-8E6C-AF0A41EDE10E}" type="slidenum">
-              <a:rPr lang="es-CR" smtClean="0"/>
-              <a:t>11</a:t>
-            </a:fld>
-            <a:endParaRPr lang="es-CR"/>
-          </a:p>
-        </p:txBody>
-      </p:sp>
-    </p:spTree>
-    <p:extLst>
-      <p:ext uri="{BB962C8B-B14F-4D97-AF65-F5344CB8AC3E}">
-        <p14:creationId xmlns:p14="http://schemas.microsoft.com/office/powerpoint/2010/main" val="1897584976"/>
+        <p14:creationId xmlns:p14="http://schemas.microsoft.com/office/powerpoint/2010/main" val="1790582063"/>
       </p:ext>
     </p:extLst>
   </p:cSld>
@@ -801,7 +628,7 @@
     </p:spTree>
     <p:extLst>
       <p:ext uri="{BB962C8B-B14F-4D97-AF65-F5344CB8AC3E}">
-        <p14:creationId xmlns:p14="http://schemas.microsoft.com/office/powerpoint/2010/main" val="4056470168"/>
+        <p14:creationId xmlns:p14="http://schemas.microsoft.com/office/powerpoint/2010/main" val="1742515410"/>
       </p:ext>
     </p:extLst>
   </p:cSld>
@@ -885,7 +712,7 @@
     </p:spTree>
     <p:extLst>
       <p:ext uri="{BB962C8B-B14F-4D97-AF65-F5344CB8AC3E}">
-        <p14:creationId xmlns:p14="http://schemas.microsoft.com/office/powerpoint/2010/main" val="2740732287"/>
+        <p14:creationId xmlns:p14="http://schemas.microsoft.com/office/powerpoint/2010/main" val="4158644860"/>
       </p:ext>
     </p:extLst>
   </p:cSld>
@@ -969,7 +796,7 @@
     </p:spTree>
     <p:extLst>
       <p:ext uri="{BB962C8B-B14F-4D97-AF65-F5344CB8AC3E}">
-        <p14:creationId xmlns:p14="http://schemas.microsoft.com/office/powerpoint/2010/main" val="4040052131"/>
+        <p14:creationId xmlns:p14="http://schemas.microsoft.com/office/powerpoint/2010/main" val="3405995873"/>
       </p:ext>
     </p:extLst>
   </p:cSld>
@@ -1053,7 +880,7 @@
     </p:spTree>
     <p:extLst>
       <p:ext uri="{BB962C8B-B14F-4D97-AF65-F5344CB8AC3E}">
-        <p14:creationId xmlns:p14="http://schemas.microsoft.com/office/powerpoint/2010/main" val="4205502677"/>
+        <p14:creationId xmlns:p14="http://schemas.microsoft.com/office/powerpoint/2010/main" val="2293296718"/>
       </p:ext>
     </p:extLst>
   </p:cSld>
@@ -1137,259 +964,7 @@
     </p:spTree>
     <p:extLst>
       <p:ext uri="{BB962C8B-B14F-4D97-AF65-F5344CB8AC3E}">
-        <p14:creationId xmlns:p14="http://schemas.microsoft.com/office/powerpoint/2010/main" val="1790582063"/>
-      </p:ext>
-    </p:extLst>
-  </p:cSld>
-  <p:clrMapOvr>
-    <a:masterClrMapping/>
-  </p:clrMapOvr>
-</p:notes>
-</file>
-
-<file path=ppt/notesSlides/notesSlide7.xml><?xml version="1.0" encoding="utf-8"?>
-<p:notes xmlns:a="http://schemas.openxmlformats.org/drawingml/2006/main" xmlns:r="http://schemas.openxmlformats.org/officeDocument/2006/relationships" xmlns:p="http://schemas.openxmlformats.org/presentationml/2006/main">
-  <p:cSld>
-    <p:spTree>
-      <p:nvGrpSpPr>
-        <p:cNvPr id="1" name=""/>
-        <p:cNvGrpSpPr/>
-        <p:nvPr/>
-      </p:nvGrpSpPr>
-      <p:grpSpPr>
-        <a:xfrm>
-          <a:off x="0" y="0"/>
-          <a:ext cx="0" cy="0"/>
-          <a:chOff x="0" y="0"/>
-          <a:chExt cx="0" cy="0"/>
-        </a:xfrm>
-      </p:grpSpPr>
-      <p:sp>
-        <p:nvSpPr>
-          <p:cNvPr id="2" name="Marcador de imagen de diapositiva 1"/>
-          <p:cNvSpPr>
-            <a:spLocks noGrp="1" noRot="1" noChangeAspect="1"/>
-          </p:cNvSpPr>
-          <p:nvPr>
-            <p:ph type="sldImg"/>
-          </p:nvPr>
-        </p:nvSpPr>
-        <p:spPr/>
-      </p:sp>
-      <p:sp>
-        <p:nvSpPr>
-          <p:cNvPr id="3" name="Marcador de notas 2"/>
-          <p:cNvSpPr>
-            <a:spLocks noGrp="1"/>
-          </p:cNvSpPr>
-          <p:nvPr>
-            <p:ph type="body" idx="1"/>
-          </p:nvPr>
-        </p:nvSpPr>
-        <p:spPr/>
-        <p:txBody>
-          <a:bodyPr/>
-          <a:lstStyle/>
-          <a:p>
-            <a:endParaRPr lang="es-CR" dirty="0"/>
-          </a:p>
-        </p:txBody>
-      </p:sp>
-      <p:sp>
-        <p:nvSpPr>
-          <p:cNvPr id="4" name="Marcador de número de diapositiva 3"/>
-          <p:cNvSpPr>
-            <a:spLocks noGrp="1"/>
-          </p:cNvSpPr>
-          <p:nvPr>
-            <p:ph type="sldNum" sz="quarter" idx="10"/>
-          </p:nvPr>
-        </p:nvSpPr>
-        <p:spPr/>
-        <p:txBody>
-          <a:bodyPr/>
-          <a:lstStyle/>
-          <a:p>
-            <a:fld id="{D21F2E9D-0781-4C20-8E6C-AF0A41EDE10E}" type="slidenum">
-              <a:rPr lang="es-CR" smtClean="0"/>
-              <a:t>7</a:t>
-            </a:fld>
-            <a:endParaRPr lang="es-CR"/>
-          </a:p>
-        </p:txBody>
-      </p:sp>
-    </p:spTree>
-    <p:extLst>
-      <p:ext uri="{BB962C8B-B14F-4D97-AF65-F5344CB8AC3E}">
-        <p14:creationId xmlns:p14="http://schemas.microsoft.com/office/powerpoint/2010/main" val="1742515410"/>
-      </p:ext>
-    </p:extLst>
-  </p:cSld>
-  <p:clrMapOvr>
-    <a:masterClrMapping/>
-  </p:clrMapOvr>
-</p:notes>
-</file>
-
-<file path=ppt/notesSlides/notesSlide8.xml><?xml version="1.0" encoding="utf-8"?>
-<p:notes xmlns:a="http://schemas.openxmlformats.org/drawingml/2006/main" xmlns:r="http://schemas.openxmlformats.org/officeDocument/2006/relationships" xmlns:p="http://schemas.openxmlformats.org/presentationml/2006/main">
-  <p:cSld>
-    <p:spTree>
-      <p:nvGrpSpPr>
-        <p:cNvPr id="1" name=""/>
-        <p:cNvGrpSpPr/>
-        <p:nvPr/>
-      </p:nvGrpSpPr>
-      <p:grpSpPr>
-        <a:xfrm>
-          <a:off x="0" y="0"/>
-          <a:ext cx="0" cy="0"/>
-          <a:chOff x="0" y="0"/>
-          <a:chExt cx="0" cy="0"/>
-        </a:xfrm>
-      </p:grpSpPr>
-      <p:sp>
-        <p:nvSpPr>
-          <p:cNvPr id="2" name="Marcador de imagen de diapositiva 1"/>
-          <p:cNvSpPr>
-            <a:spLocks noGrp="1" noRot="1" noChangeAspect="1"/>
-          </p:cNvSpPr>
-          <p:nvPr>
-            <p:ph type="sldImg"/>
-          </p:nvPr>
-        </p:nvSpPr>
-        <p:spPr/>
-      </p:sp>
-      <p:sp>
-        <p:nvSpPr>
-          <p:cNvPr id="3" name="Marcador de notas 2"/>
-          <p:cNvSpPr>
-            <a:spLocks noGrp="1"/>
-          </p:cNvSpPr>
-          <p:nvPr>
-            <p:ph type="body" idx="1"/>
-          </p:nvPr>
-        </p:nvSpPr>
-        <p:spPr/>
-        <p:txBody>
-          <a:bodyPr/>
-          <a:lstStyle/>
-          <a:p>
-            <a:endParaRPr lang="es-CR" dirty="0"/>
-          </a:p>
-        </p:txBody>
-      </p:sp>
-      <p:sp>
-        <p:nvSpPr>
-          <p:cNvPr id="4" name="Marcador de número de diapositiva 3"/>
-          <p:cNvSpPr>
-            <a:spLocks noGrp="1"/>
-          </p:cNvSpPr>
-          <p:nvPr>
-            <p:ph type="sldNum" sz="quarter" idx="10"/>
-          </p:nvPr>
-        </p:nvSpPr>
-        <p:spPr/>
-        <p:txBody>
-          <a:bodyPr/>
-          <a:lstStyle/>
-          <a:p>
-            <a:fld id="{D21F2E9D-0781-4C20-8E6C-AF0A41EDE10E}" type="slidenum">
-              <a:rPr lang="es-CR" smtClean="0"/>
-              <a:t>8</a:t>
-            </a:fld>
-            <a:endParaRPr lang="es-CR"/>
-          </a:p>
-        </p:txBody>
-      </p:sp>
-    </p:spTree>
-    <p:extLst>
-      <p:ext uri="{BB962C8B-B14F-4D97-AF65-F5344CB8AC3E}">
-        <p14:creationId xmlns:p14="http://schemas.microsoft.com/office/powerpoint/2010/main" val="4158644860"/>
-      </p:ext>
-    </p:extLst>
-  </p:cSld>
-  <p:clrMapOvr>
-    <a:masterClrMapping/>
-  </p:clrMapOvr>
-</p:notes>
-</file>
-
-<file path=ppt/notesSlides/notesSlide9.xml><?xml version="1.0" encoding="utf-8"?>
-<p:notes xmlns:a="http://schemas.openxmlformats.org/drawingml/2006/main" xmlns:r="http://schemas.openxmlformats.org/officeDocument/2006/relationships" xmlns:p="http://schemas.openxmlformats.org/presentationml/2006/main">
-  <p:cSld>
-    <p:spTree>
-      <p:nvGrpSpPr>
-        <p:cNvPr id="1" name=""/>
-        <p:cNvGrpSpPr/>
-        <p:nvPr/>
-      </p:nvGrpSpPr>
-      <p:grpSpPr>
-        <a:xfrm>
-          <a:off x="0" y="0"/>
-          <a:ext cx="0" cy="0"/>
-          <a:chOff x="0" y="0"/>
-          <a:chExt cx="0" cy="0"/>
-        </a:xfrm>
-      </p:grpSpPr>
-      <p:sp>
-        <p:nvSpPr>
-          <p:cNvPr id="2" name="Marcador de imagen de diapositiva 1"/>
-          <p:cNvSpPr>
-            <a:spLocks noGrp="1" noRot="1" noChangeAspect="1"/>
-          </p:cNvSpPr>
-          <p:nvPr>
-            <p:ph type="sldImg"/>
-          </p:nvPr>
-        </p:nvSpPr>
-        <p:spPr/>
-      </p:sp>
-      <p:sp>
-        <p:nvSpPr>
-          <p:cNvPr id="3" name="Marcador de notas 2"/>
-          <p:cNvSpPr>
-            <a:spLocks noGrp="1"/>
-          </p:cNvSpPr>
-          <p:nvPr>
-            <p:ph type="body" idx="1"/>
-          </p:nvPr>
-        </p:nvSpPr>
-        <p:spPr/>
-        <p:txBody>
-          <a:bodyPr/>
-          <a:lstStyle/>
-          <a:p>
-            <a:endParaRPr lang="es-CR" dirty="0"/>
-          </a:p>
-        </p:txBody>
-      </p:sp>
-      <p:sp>
-        <p:nvSpPr>
-          <p:cNvPr id="4" name="Marcador de número de diapositiva 3"/>
-          <p:cNvSpPr>
-            <a:spLocks noGrp="1"/>
-          </p:cNvSpPr>
-          <p:nvPr>
-            <p:ph type="sldNum" sz="quarter" idx="10"/>
-          </p:nvPr>
-        </p:nvSpPr>
-        <p:spPr/>
-        <p:txBody>
-          <a:bodyPr/>
-          <a:lstStyle/>
-          <a:p>
-            <a:fld id="{D21F2E9D-0781-4C20-8E6C-AF0A41EDE10E}" type="slidenum">
-              <a:rPr lang="es-CR" smtClean="0"/>
-              <a:t>9</a:t>
-            </a:fld>
-            <a:endParaRPr lang="es-CR"/>
-          </a:p>
-        </p:txBody>
-      </p:sp>
-    </p:spTree>
-    <p:extLst>
-      <p:ext uri="{BB962C8B-B14F-4D97-AF65-F5344CB8AC3E}">
-        <p14:creationId xmlns:p14="http://schemas.microsoft.com/office/powerpoint/2010/main" val="3405995873"/>
+        <p14:creationId xmlns:p14="http://schemas.microsoft.com/office/powerpoint/2010/main" val="1897584976"/>
       </p:ext>
     </p:extLst>
   </p:cSld>
@@ -1530,7 +1105,7 @@
           <a:p>
             <a:fld id="{4097F1C0-AB73-4599-94B3-8B167406BF92}" type="datetimeFigureOut">
               <a:rPr lang="es-CR" smtClean="0"/>
-              <a:t>10/11/2020</a:t>
+              <a:t>11/11/2020</a:t>
             </a:fld>
             <a:endParaRPr lang="es-CR"/>
           </a:p>
@@ -1700,7 +1275,7 @@
           <a:p>
             <a:fld id="{4097F1C0-AB73-4599-94B3-8B167406BF92}" type="datetimeFigureOut">
               <a:rPr lang="es-CR" smtClean="0"/>
-              <a:t>10/11/2020</a:t>
+              <a:t>11/11/2020</a:t>
             </a:fld>
             <a:endParaRPr lang="es-CR"/>
           </a:p>
@@ -1880,7 +1455,7 @@
           <a:p>
             <a:fld id="{4097F1C0-AB73-4599-94B3-8B167406BF92}" type="datetimeFigureOut">
               <a:rPr lang="es-CR" smtClean="0"/>
-              <a:t>10/11/2020</a:t>
+              <a:t>11/11/2020</a:t>
             </a:fld>
             <a:endParaRPr lang="es-CR"/>
           </a:p>
@@ -2050,7 +1625,7 @@
           <a:p>
             <a:fld id="{4097F1C0-AB73-4599-94B3-8B167406BF92}" type="datetimeFigureOut">
               <a:rPr lang="es-CR" smtClean="0"/>
-              <a:t>10/11/2020</a:t>
+              <a:t>11/11/2020</a:t>
             </a:fld>
             <a:endParaRPr lang="es-CR"/>
           </a:p>
@@ -2296,7 +1871,7 @@
           <a:p>
             <a:fld id="{4097F1C0-AB73-4599-94B3-8B167406BF92}" type="datetimeFigureOut">
               <a:rPr lang="es-CR" smtClean="0"/>
-              <a:t>10/11/2020</a:t>
+              <a:t>11/11/2020</a:t>
             </a:fld>
             <a:endParaRPr lang="es-CR"/>
           </a:p>
@@ -2528,7 +2103,7 @@
           <a:p>
             <a:fld id="{4097F1C0-AB73-4599-94B3-8B167406BF92}" type="datetimeFigureOut">
               <a:rPr lang="es-CR" smtClean="0"/>
-              <a:t>10/11/2020</a:t>
+              <a:t>11/11/2020</a:t>
             </a:fld>
             <a:endParaRPr lang="es-CR"/>
           </a:p>
@@ -2895,7 +2470,7 @@
           <a:p>
             <a:fld id="{4097F1C0-AB73-4599-94B3-8B167406BF92}" type="datetimeFigureOut">
               <a:rPr lang="es-CR" smtClean="0"/>
-              <a:t>10/11/2020</a:t>
+              <a:t>11/11/2020</a:t>
             </a:fld>
             <a:endParaRPr lang="es-CR"/>
           </a:p>
@@ -3013,7 +2588,7 @@
           <a:p>
             <a:fld id="{4097F1C0-AB73-4599-94B3-8B167406BF92}" type="datetimeFigureOut">
               <a:rPr lang="es-CR" smtClean="0"/>
-              <a:t>10/11/2020</a:t>
+              <a:t>11/11/2020</a:t>
             </a:fld>
             <a:endParaRPr lang="es-CR"/>
           </a:p>
@@ -3108,7 +2683,7 @@
           <a:p>
             <a:fld id="{4097F1C0-AB73-4599-94B3-8B167406BF92}" type="datetimeFigureOut">
               <a:rPr lang="es-CR" smtClean="0"/>
-              <a:t>10/11/2020</a:t>
+              <a:t>11/11/2020</a:t>
             </a:fld>
             <a:endParaRPr lang="es-CR"/>
           </a:p>
@@ -3385,7 +2960,7 @@
           <a:p>
             <a:fld id="{4097F1C0-AB73-4599-94B3-8B167406BF92}" type="datetimeFigureOut">
               <a:rPr lang="es-CR" smtClean="0"/>
-              <a:t>10/11/2020</a:t>
+              <a:t>11/11/2020</a:t>
             </a:fld>
             <a:endParaRPr lang="es-CR"/>
           </a:p>
@@ -3638,7 +3213,7 @@
           <a:p>
             <a:fld id="{4097F1C0-AB73-4599-94B3-8B167406BF92}" type="datetimeFigureOut">
               <a:rPr lang="es-CR" smtClean="0"/>
-              <a:t>10/11/2020</a:t>
+              <a:t>11/11/2020</a:t>
             </a:fld>
             <a:endParaRPr lang="es-CR"/>
           </a:p>
@@ -3860,7 +3435,7 @@
           <a:p>
             <a:fld id="{4097F1C0-AB73-4599-94B3-8B167406BF92}" type="datetimeFigureOut">
               <a:rPr lang="es-CR" smtClean="0"/>
-              <a:t>10/11/2020</a:t>
+              <a:t>11/11/2020</a:t>
             </a:fld>
             <a:endParaRPr lang="es-CR"/>
           </a:p>
@@ -4267,14 +3842,55 @@
       </p:grpSpPr>
       <p:sp>
         <p:nvSpPr>
-          <p:cNvPr id="5" name="CuadroTexto 4"/>
+          <p:cNvPr id="6" name="Rectángulo 5"/>
+          <p:cNvSpPr/>
+          <p:nvPr/>
+        </p:nvSpPr>
+        <p:spPr>
+          <a:xfrm>
+            <a:off x="614493" y="2790578"/>
+            <a:ext cx="7507054" cy="3539430"/>
+          </a:xfrm>
+          <a:prstGeom prst="rect">
+            <a:avLst/>
+          </a:prstGeom>
+        </p:spPr>
+        <p:txBody>
+          <a:bodyPr wrap="square">
+            <a:spAutoFit/>
+          </a:bodyPr>
+          <a:lstStyle/>
+          <a:p>
+            <a:r>
+              <a:rPr lang="es-CR" sz="3200" dirty="0" smtClean="0">
+                <a:solidFill>
+                  <a:schemeClr val="bg1"/>
+                </a:solidFill>
+                <a:latin typeface="Estrangelo Edessa" panose="03080600000000000000" pitchFamily="66" charset="0"/>
+                <a:cs typeface="Estrangelo Edessa" panose="03080600000000000000" pitchFamily="66" charset="0"/>
+              </a:rPr>
+              <a:t>Un calendario digital con las actividades más importantes del Ministerio de Educación Pública, cuenta con distintos filtro de búsqueda, información actualizada y lista para descargar, un recurso que viene a optimizar el tiempo de nuestra comunidad educativa en general</a:t>
+            </a:r>
+            <a:endParaRPr lang="es-CR" sz="3200" dirty="0">
+              <a:solidFill>
+                <a:schemeClr val="bg1"/>
+              </a:solidFill>
+              <a:latin typeface="Estrangelo Edessa" panose="03080600000000000000" pitchFamily="66" charset="0"/>
+              <a:cs typeface="Estrangelo Edessa" panose="03080600000000000000" pitchFamily="66" charset="0"/>
+            </a:endParaRPr>
+          </a:p>
+        </p:txBody>
+      </p:sp>
+      <p:sp>
+        <p:nvSpPr>
+          <p:cNvPr id="7" name="CuadroTexto 6"/>
           <p:cNvSpPr txBox="1"/>
           <p:nvPr/>
         </p:nvSpPr>
         <p:spPr>
           <a:xfrm>
-            <a:off x="719529" y="4101295"/>
-            <a:ext cx="8040824" cy="2308324"/>
+            <a:off x="436693" y="329854"/>
+            <a:ext cx="7058390" cy="2308324"/>
           </a:xfrm>
           <a:prstGeom prst="rect">
             <a:avLst/>
@@ -4288,370 +3904,21 @@
           <a:lstStyle/>
           <a:p>
             <a:r>
-              <a:rPr lang="es-CR" sz="3600" dirty="0">
-                <a:solidFill>
-                  <a:schemeClr val="bg1"/>
-                </a:solidFill>
-                <a:latin typeface="Estrangelo Edessa" panose="03080600000000000000" pitchFamily="66" charset="0"/>
-                <a:cs typeface="Estrangelo Edessa" panose="03080600000000000000" pitchFamily="66" charset="0"/>
-              </a:rPr>
-              <a:t>aumentada y un videojuego en tres niveles, que aborda contenido del tema de los reinos biológicos y las relaciones que se dan entre los seres vivos</a:t>
-            </a:r>
-            <a:r>
-              <a:rPr lang="es-CR" sz="2800" dirty="0" smtClean="0">
-                <a:solidFill>
-                  <a:schemeClr val="tx2">
-                    <a:lumMod val="60000"/>
-                    <a:lumOff val="40000"/>
-                  </a:schemeClr>
-                </a:solidFill>
-                <a:latin typeface="Franklin Gothic Demi" panose="020B0703020102020204" pitchFamily="34" charset="0"/>
-              </a:rPr>
-              <a:t>.</a:t>
-            </a:r>
-            <a:endParaRPr lang="es-CR" sz="2800" dirty="0">
-              <a:solidFill>
-                <a:schemeClr val="tx2">
-                  <a:lumMod val="60000"/>
-                  <a:lumOff val="40000"/>
-                </a:schemeClr>
-              </a:solidFill>
-              <a:latin typeface="Franklin Gothic Demi" panose="020B0703020102020204" pitchFamily="34" charset="0"/>
-            </a:endParaRPr>
-          </a:p>
-        </p:txBody>
-      </p:sp>
-      <p:sp>
-        <p:nvSpPr>
-          <p:cNvPr id="6" name="Rectángulo 5"/>
-          <p:cNvSpPr/>
-          <p:nvPr/>
-        </p:nvSpPr>
-        <p:spPr>
-          <a:xfrm>
-            <a:off x="719529" y="1792971"/>
-            <a:ext cx="7632789" cy="2308324"/>
-          </a:xfrm>
-          <a:prstGeom prst="rect">
-            <a:avLst/>
-          </a:prstGeom>
-        </p:spPr>
-        <p:txBody>
-          <a:bodyPr wrap="square">
-            <a:spAutoFit/>
-          </a:bodyPr>
-          <a:lstStyle/>
-          <a:p>
-            <a:r>
-              <a:rPr lang="es-CR" sz="3600" dirty="0">
-                <a:solidFill>
-                  <a:schemeClr val="bg1"/>
-                </a:solidFill>
-                <a:latin typeface="Estrangelo Edessa" panose="03080600000000000000" pitchFamily="66" charset="0"/>
-                <a:cs typeface="Estrangelo Edessa" panose="03080600000000000000" pitchFamily="66" charset="0"/>
-              </a:rPr>
-              <a:t>Juego multimedia interactivo con un avatar personalizable, un cómic, un módulo que se accede a la Comunidad del Tronco Caído mediante realidad </a:t>
-            </a:r>
-          </a:p>
-        </p:txBody>
-      </p:sp>
-      <p:sp>
-        <p:nvSpPr>
-          <p:cNvPr id="7" name="CuadroTexto 6"/>
-          <p:cNvSpPr txBox="1"/>
-          <p:nvPr/>
-        </p:nvSpPr>
-        <p:spPr>
-          <a:xfrm>
-            <a:off x="987953" y="129721"/>
-            <a:ext cx="4571926" cy="1600438"/>
-          </a:xfrm>
-          <a:prstGeom prst="rect">
-            <a:avLst/>
-          </a:prstGeom>
-          <a:noFill/>
-        </p:spPr>
-        <p:txBody>
-          <a:bodyPr wrap="square" rtlCol="0">
-            <a:spAutoFit/>
-          </a:bodyPr>
-          <a:lstStyle/>
-          <a:p>
-            <a:r>
-              <a:rPr lang="es-CR" sz="4400" dirty="0">
+              <a:rPr lang="es-CR" sz="7200" dirty="0">
                 <a:solidFill>
                   <a:schemeClr val="bg1"/>
                 </a:solidFill>
                 <a:latin typeface="Impact" panose="020B0806030902050204" pitchFamily="34" charset="0"/>
               </a:rPr>
-              <a:t>Apocalipsis</a:t>
-            </a:r>
-            <a:r>
-              <a:rPr lang="es-CR" sz="3200" dirty="0">
-                <a:solidFill>
-                  <a:schemeClr val="bg1"/>
-                </a:solidFill>
-                <a:latin typeface="Impact" panose="020B0806030902050204" pitchFamily="34" charset="0"/>
-              </a:rPr>
-              <a:t> </a:t>
-            </a:r>
-            <a:r>
-              <a:rPr lang="es-CR" sz="5400" dirty="0">
-                <a:solidFill>
-                  <a:schemeClr val="bg1"/>
-                </a:solidFill>
-                <a:latin typeface="Impact" panose="020B0806030902050204" pitchFamily="34" charset="0"/>
-              </a:rPr>
-              <a:t>zombi</a:t>
-            </a:r>
-            <a:endParaRPr lang="es-CR" sz="3200" dirty="0">
-              <a:solidFill>
-                <a:schemeClr val="bg1"/>
-              </a:solidFill>
-              <a:latin typeface="Impact" panose="020B0806030902050204" pitchFamily="34" charset="0"/>
-            </a:endParaRPr>
+              <a:t>Calendario Virtual 2021</a:t>
+            </a:r>
           </a:p>
         </p:txBody>
       </p:sp>
     </p:spTree>
     <p:extLst>
       <p:ext uri="{BB962C8B-B14F-4D97-AF65-F5344CB8AC3E}">
-        <p14:creationId xmlns:p14="http://schemas.microsoft.com/office/powerpoint/2010/main" val="3589526486"/>
-      </p:ext>
-    </p:extLst>
-  </p:cSld>
-  <p:clrMapOvr>
-    <a:masterClrMapping/>
-  </p:clrMapOvr>
-</p:sld>
-</file>
-
-<file path=ppt/slides/slide10.xml><?xml version="1.0" encoding="utf-8"?>
-<p:sld xmlns:a="http://schemas.openxmlformats.org/drawingml/2006/main" xmlns:r="http://schemas.openxmlformats.org/officeDocument/2006/relationships" xmlns:p="http://schemas.openxmlformats.org/presentationml/2006/main">
-  <p:cSld>
-    <p:spTree>
-      <p:nvGrpSpPr>
-        <p:cNvPr id="1" name=""/>
-        <p:cNvGrpSpPr/>
-        <p:nvPr/>
-      </p:nvGrpSpPr>
-      <p:grpSpPr>
-        <a:xfrm>
-          <a:off x="0" y="0"/>
-          <a:ext cx="0" cy="0"/>
-          <a:chOff x="0" y="0"/>
-          <a:chExt cx="0" cy="0"/>
-        </a:xfrm>
-      </p:grpSpPr>
-      <p:sp>
-        <p:nvSpPr>
-          <p:cNvPr id="6" name="Rectángulo 5"/>
-          <p:cNvSpPr/>
-          <p:nvPr/>
-        </p:nvSpPr>
-        <p:spPr>
-          <a:xfrm>
-            <a:off x="500193" y="1715066"/>
-            <a:ext cx="7507054" cy="4832092"/>
-          </a:xfrm>
-          <a:prstGeom prst="rect">
-            <a:avLst/>
-          </a:prstGeom>
-        </p:spPr>
-        <p:txBody>
-          <a:bodyPr wrap="square">
-            <a:spAutoFit/>
-          </a:bodyPr>
-          <a:lstStyle/>
-          <a:p>
-            <a:r>
-              <a:rPr lang="es-CR" sz="2800" dirty="0">
-                <a:solidFill>
-                  <a:schemeClr val="bg1"/>
-                </a:solidFill>
-                <a:latin typeface="Estrangelo Edessa" panose="03080600000000000000" pitchFamily="66" charset="0"/>
-                <a:cs typeface="Estrangelo Edessa" panose="03080600000000000000" pitchFamily="66" charset="0"/>
-              </a:rPr>
-              <a:t>S</a:t>
-            </a:r>
-            <a:r>
-              <a:rPr lang="es-CR" sz="2800" dirty="0" smtClean="0">
-                <a:solidFill>
-                  <a:schemeClr val="bg1"/>
-                </a:solidFill>
-                <a:latin typeface="Estrangelo Edessa" panose="03080600000000000000" pitchFamily="66" charset="0"/>
-                <a:cs typeface="Estrangelo Edessa" panose="03080600000000000000" pitchFamily="66" charset="0"/>
-              </a:rPr>
-              <a:t>istema </a:t>
-            </a:r>
-            <a:r>
-              <a:rPr lang="es-CR" sz="2800" dirty="0">
-                <a:solidFill>
-                  <a:schemeClr val="bg1"/>
-                </a:solidFill>
-                <a:latin typeface="Estrangelo Edessa" panose="03080600000000000000" pitchFamily="66" charset="0"/>
-                <a:cs typeface="Estrangelo Edessa" panose="03080600000000000000" pitchFamily="66" charset="0"/>
-              </a:rPr>
-              <a:t>que procura facilitar los procesos electorales en los centros educativos, proveyendo las herramientas para crear una votación electrónica adecuada al contexto de cada institución, pudiendo generar las papeletas, gestionar el padrón electoral, realizar la votación y ofreciendo los resultados finales. Todo desde un sistema centralizado que permite a las áreas MEP involucradas obtener datos estadísticos de los procesos realizados en las instituciones que empleen la herramienta.</a:t>
-            </a:r>
-          </a:p>
-        </p:txBody>
-      </p:sp>
-      <p:sp>
-        <p:nvSpPr>
-          <p:cNvPr id="7" name="CuadroTexto 6"/>
-          <p:cNvSpPr txBox="1"/>
-          <p:nvPr/>
-        </p:nvSpPr>
-        <p:spPr>
-          <a:xfrm>
-            <a:off x="271593" y="0"/>
-            <a:ext cx="7058390" cy="1569660"/>
-          </a:xfrm>
-          <a:prstGeom prst="rect">
-            <a:avLst/>
-          </a:prstGeom>
-          <a:noFill/>
-        </p:spPr>
-        <p:txBody>
-          <a:bodyPr wrap="square" rtlCol="0">
-            <a:spAutoFit/>
-          </a:bodyPr>
-          <a:lstStyle/>
-          <a:p>
-            <a:r>
-              <a:rPr lang="es-CR" sz="9600" dirty="0" err="1" smtClean="0">
-                <a:solidFill>
-                  <a:schemeClr val="bg1"/>
-                </a:solidFill>
-                <a:latin typeface="Impact" panose="020B0806030902050204" pitchFamily="34" charset="0"/>
-              </a:rPr>
-              <a:t>ioVoto</a:t>
-            </a:r>
-            <a:endParaRPr lang="es-CR" sz="9600" dirty="0">
-              <a:solidFill>
-                <a:schemeClr val="bg1"/>
-              </a:solidFill>
-              <a:latin typeface="Impact" panose="020B0806030902050204" pitchFamily="34" charset="0"/>
-            </a:endParaRPr>
-          </a:p>
-        </p:txBody>
-      </p:sp>
-    </p:spTree>
-    <p:extLst>
-      <p:ext uri="{BB962C8B-B14F-4D97-AF65-F5344CB8AC3E}">
-        <p14:creationId xmlns:p14="http://schemas.microsoft.com/office/powerpoint/2010/main" val="3746302220"/>
-      </p:ext>
-    </p:extLst>
-  </p:cSld>
-  <p:clrMapOvr>
-    <a:masterClrMapping/>
-  </p:clrMapOvr>
-</p:sld>
-</file>
-
-<file path=ppt/slides/slide11.xml><?xml version="1.0" encoding="utf-8"?>
-<p:sld xmlns:a="http://schemas.openxmlformats.org/drawingml/2006/main" xmlns:r="http://schemas.openxmlformats.org/officeDocument/2006/relationships" xmlns:p="http://schemas.openxmlformats.org/presentationml/2006/main">
-  <p:cSld>
-    <p:spTree>
-      <p:nvGrpSpPr>
-        <p:cNvPr id="1" name=""/>
-        <p:cNvGrpSpPr/>
-        <p:nvPr/>
-      </p:nvGrpSpPr>
-      <p:grpSpPr>
-        <a:xfrm>
-          <a:off x="0" y="0"/>
-          <a:ext cx="0" cy="0"/>
-          <a:chOff x="0" y="0"/>
-          <a:chExt cx="0" cy="0"/>
-        </a:xfrm>
-      </p:grpSpPr>
-      <p:sp>
-        <p:nvSpPr>
-          <p:cNvPr id="6" name="Rectángulo 5"/>
-          <p:cNvSpPr/>
-          <p:nvPr/>
-        </p:nvSpPr>
-        <p:spPr>
-          <a:xfrm>
-            <a:off x="436693" y="1867466"/>
-            <a:ext cx="7507054" cy="4154984"/>
-          </a:xfrm>
-          <a:prstGeom prst="rect">
-            <a:avLst/>
-          </a:prstGeom>
-        </p:spPr>
-        <p:txBody>
-          <a:bodyPr wrap="square">
-            <a:spAutoFit/>
-          </a:bodyPr>
-          <a:lstStyle/>
-          <a:p>
-            <a:r>
-              <a:rPr lang="es-CR" sz="4400" dirty="0" smtClean="0">
-                <a:solidFill>
-                  <a:schemeClr val="bg1"/>
-                </a:solidFill>
-                <a:latin typeface="Estrangelo Edessa" panose="03080600000000000000" pitchFamily="66" charset="0"/>
-                <a:cs typeface="Estrangelo Edessa" panose="03080600000000000000" pitchFamily="66" charset="0"/>
-              </a:rPr>
-              <a:t>Una maravillosa colección de mini enciclopedias de los territorios indígenas de Costa Rica, varios tomos con costumbres, historia, leyendas y mucho más. </a:t>
-            </a:r>
-            <a:endParaRPr lang="es-CR" sz="4400" dirty="0">
-              <a:solidFill>
-                <a:schemeClr val="bg1"/>
-              </a:solidFill>
-              <a:latin typeface="Estrangelo Edessa" panose="03080600000000000000" pitchFamily="66" charset="0"/>
-              <a:cs typeface="Estrangelo Edessa" panose="03080600000000000000" pitchFamily="66" charset="0"/>
-            </a:endParaRPr>
-          </a:p>
-        </p:txBody>
-      </p:sp>
-      <p:sp>
-        <p:nvSpPr>
-          <p:cNvPr id="7" name="CuadroTexto 6"/>
-          <p:cNvSpPr txBox="1"/>
-          <p:nvPr/>
-        </p:nvSpPr>
-        <p:spPr>
-          <a:xfrm>
-            <a:off x="436693" y="329854"/>
-            <a:ext cx="7507054" cy="1200329"/>
-          </a:xfrm>
-          <a:prstGeom prst="rect">
-            <a:avLst/>
-          </a:prstGeom>
-          <a:noFill/>
-        </p:spPr>
-        <p:txBody>
-          <a:bodyPr wrap="square" rtlCol="0">
-            <a:spAutoFit/>
-          </a:bodyPr>
-          <a:lstStyle/>
-          <a:p>
-            <a:r>
-              <a:rPr lang="es-CR" sz="7200" dirty="0" smtClean="0">
-                <a:solidFill>
-                  <a:schemeClr val="bg1"/>
-                </a:solidFill>
-                <a:latin typeface="Impact" panose="020B0806030902050204" pitchFamily="34" charset="0"/>
-              </a:rPr>
-              <a:t>Mini enciclopedias </a:t>
-            </a:r>
-            <a:endParaRPr lang="es-CR" sz="7200" dirty="0">
-              <a:solidFill>
-                <a:schemeClr val="bg1"/>
-              </a:solidFill>
-              <a:latin typeface="Impact" panose="020B0806030902050204" pitchFamily="34" charset="0"/>
-            </a:endParaRPr>
-          </a:p>
-        </p:txBody>
-      </p:sp>
-    </p:spTree>
-    <p:extLst>
-      <p:ext uri="{BB962C8B-B14F-4D97-AF65-F5344CB8AC3E}">
-        <p14:creationId xmlns:p14="http://schemas.microsoft.com/office/powerpoint/2010/main" val="418536484"/>
+        <p14:creationId xmlns:p14="http://schemas.microsoft.com/office/powerpoint/2010/main" val="778702690"/>
       </p:ext>
     </p:extLst>
   </p:cSld>
@@ -4680,14 +3947,107 @@
       </p:grpSpPr>
       <p:sp>
         <p:nvSpPr>
-          <p:cNvPr id="5" name="CuadroTexto 4"/>
+          <p:cNvPr id="6" name="Rectángulo 5"/>
+          <p:cNvSpPr/>
+          <p:nvPr/>
+        </p:nvSpPr>
+        <p:spPr>
+          <a:xfrm>
+            <a:off x="436693" y="1776404"/>
+            <a:ext cx="7831007" cy="5262979"/>
+          </a:xfrm>
+          <a:prstGeom prst="rect">
+            <a:avLst/>
+          </a:prstGeom>
+        </p:spPr>
+        <p:txBody>
+          <a:bodyPr wrap="square">
+            <a:spAutoFit/>
+          </a:bodyPr>
+          <a:lstStyle/>
+          <a:p>
+            <a:r>
+              <a:rPr lang="es-CR" sz="2800" dirty="0" smtClean="0">
+                <a:solidFill>
+                  <a:schemeClr val="bg1"/>
+                </a:solidFill>
+                <a:latin typeface="Estrangelo Edessa" panose="03080600000000000000" pitchFamily="66" charset="0"/>
+                <a:cs typeface="Estrangelo Edessa" panose="03080600000000000000" pitchFamily="66" charset="0"/>
+              </a:rPr>
+              <a:t>Módulo </a:t>
+            </a:r>
+            <a:r>
+              <a:rPr lang="es-CR" sz="2800" dirty="0">
+                <a:solidFill>
+                  <a:schemeClr val="bg1"/>
+                </a:solidFill>
+                <a:latin typeface="Estrangelo Edessa" panose="03080600000000000000" pitchFamily="66" charset="0"/>
+                <a:cs typeface="Estrangelo Edessa" panose="03080600000000000000" pitchFamily="66" charset="0"/>
+              </a:rPr>
+              <a:t>de auto-aprendizaje inglés para secundaria </a:t>
+            </a:r>
+            <a:r>
+              <a:rPr lang="es-CR" sz="2800" dirty="0" err="1">
+                <a:solidFill>
+                  <a:schemeClr val="bg1"/>
+                </a:solidFill>
+                <a:latin typeface="Estrangelo Edessa" panose="03080600000000000000" pitchFamily="66" charset="0"/>
+                <a:cs typeface="Estrangelo Edessa" panose="03080600000000000000" pitchFamily="66" charset="0"/>
+              </a:rPr>
+              <a:t>WeLearn</a:t>
+            </a:r>
+            <a:r>
+              <a:rPr lang="es-CR" sz="2800" dirty="0">
+                <a:solidFill>
+                  <a:schemeClr val="bg1"/>
+                </a:solidFill>
+                <a:latin typeface="Estrangelo Edessa" panose="03080600000000000000" pitchFamily="66" charset="0"/>
+                <a:cs typeface="Estrangelo Edessa" panose="03080600000000000000" pitchFamily="66" charset="0"/>
+              </a:rPr>
+              <a:t>, con seis escenarios para décimo año. Constar de 4 secciones: video animado explicativo gramatical estilo “</a:t>
+            </a:r>
+            <a:r>
+              <a:rPr lang="es-CR" sz="2800" dirty="0" err="1">
+                <a:solidFill>
+                  <a:schemeClr val="bg1"/>
+                </a:solidFill>
+                <a:latin typeface="Estrangelo Edessa" panose="03080600000000000000" pitchFamily="66" charset="0"/>
+                <a:cs typeface="Estrangelo Edessa" panose="03080600000000000000" pitchFamily="66" charset="0"/>
+              </a:rPr>
+              <a:t>Whiteboard</a:t>
+            </a:r>
+            <a:r>
+              <a:rPr lang="es-CR" sz="2800" dirty="0">
+                <a:solidFill>
+                  <a:schemeClr val="bg1"/>
+                </a:solidFill>
+                <a:latin typeface="Estrangelo Edessa" panose="03080600000000000000" pitchFamily="66" charset="0"/>
+                <a:cs typeface="Estrangelo Edessa" panose="03080600000000000000" pitchFamily="66" charset="0"/>
+              </a:rPr>
+              <a:t>, video animado con una situación real en donde se integra la información gramatical presentada, los temas y el escenario, sección autoevaluación para que el estudiante evalué su propio aprendizaje e integre la información presentada en los videos mediante actividades. La cuarta sección presenta un glosario con palabras, frases y expresiones idiomáticas relacionadas.</a:t>
+            </a:r>
+          </a:p>
+          <a:p>
+            <a:endParaRPr lang="es-CR" sz="2800" dirty="0">
+              <a:solidFill>
+                <a:schemeClr val="bg1"/>
+              </a:solidFill>
+              <a:latin typeface="Estrangelo Edessa" panose="03080600000000000000" pitchFamily="66" charset="0"/>
+              <a:cs typeface="Estrangelo Edessa" panose="03080600000000000000" pitchFamily="66" charset="0"/>
+            </a:endParaRPr>
+          </a:p>
+        </p:txBody>
+      </p:sp>
+      <p:sp>
+        <p:nvSpPr>
+          <p:cNvPr id="7" name="CuadroTexto 6"/>
           <p:cNvSpPr txBox="1"/>
           <p:nvPr/>
         </p:nvSpPr>
         <p:spPr>
           <a:xfrm>
-            <a:off x="508804" y="2072134"/>
-            <a:ext cx="7772399" cy="4401205"/>
+            <a:off x="246193" y="0"/>
+            <a:ext cx="7058390" cy="1446550"/>
           </a:xfrm>
           <a:prstGeom prst="rect">
             <a:avLst/>
@@ -4701,65 +4061,19 @@
           <a:lstStyle/>
           <a:p>
             <a:r>
-              <a:rPr lang="es-CR" sz="4000" dirty="0">
+              <a:rPr lang="es-CR" sz="8800" dirty="0" err="1" smtClean="0">
                 <a:solidFill>
                   <a:schemeClr val="bg1"/>
                 </a:solidFill>
-                <a:latin typeface="Estrangelo Edessa" panose="03080600000000000000" pitchFamily="66" charset="0"/>
-                <a:cs typeface="Estrangelo Edessa" panose="03080600000000000000" pitchFamily="66" charset="0"/>
+                <a:latin typeface="Impact" panose="020B0806030902050204" pitchFamily="34" charset="0"/>
               </a:rPr>
-              <a:t>Multimedia interactivo un avatar personalizable, un cómic, un módulo que se accede mediante realidad aumentada con tres ambientes diferentes con varios juegos interactivos, para abordar el tema de “Paisajes sonoros”. </a:t>
-            </a:r>
-          </a:p>
-        </p:txBody>
-      </p:sp>
-      <p:sp>
-        <p:nvSpPr>
-          <p:cNvPr id="7" name="CuadroTexto 6"/>
-          <p:cNvSpPr txBox="1"/>
-          <p:nvPr/>
-        </p:nvSpPr>
-        <p:spPr>
-          <a:xfrm>
-            <a:off x="628725" y="129721"/>
-            <a:ext cx="4571926" cy="1692771"/>
-          </a:xfrm>
-          <a:prstGeom prst="rect">
-            <a:avLst/>
-          </a:prstGeom>
-          <a:noFill/>
-        </p:spPr>
-        <p:txBody>
-          <a:bodyPr wrap="square" rtlCol="0">
-            <a:spAutoFit/>
-          </a:bodyPr>
-          <a:lstStyle/>
-          <a:p>
-            <a:r>
-              <a:rPr lang="es-CR" sz="6000" dirty="0" smtClean="0">
-                <a:solidFill>
-                  <a:schemeClr val="bg1"/>
-                </a:solidFill>
-                <a:latin typeface="Berlin Sans FB Demi" panose="020E0802020502020306" pitchFamily="34" charset="0"/>
-              </a:rPr>
-              <a:t>Brigada</a:t>
-            </a:r>
-          </a:p>
-          <a:p>
-            <a:r>
-              <a:rPr lang="es-CR" sz="4400" dirty="0" smtClean="0">
-                <a:solidFill>
-                  <a:schemeClr val="bg1"/>
-                </a:solidFill>
-                <a:latin typeface="Berlin Sans FB Demi" panose="020E0802020502020306" pitchFamily="34" charset="0"/>
-              </a:rPr>
-              <a:t> Ecosónica</a:t>
-            </a:r>
-            <a:endParaRPr lang="es-CR" sz="4400" dirty="0">
+              <a:t>Welwarn</a:t>
+            </a:r>
+            <a:endParaRPr lang="es-CR" sz="8800" dirty="0">
               <a:solidFill>
                 <a:schemeClr val="bg1"/>
               </a:solidFill>
-              <a:latin typeface="Berlin Sans FB Demi" panose="020E0802020502020306" pitchFamily="34" charset="0"/>
+              <a:latin typeface="Impact" panose="020B0806030902050204" pitchFamily="34" charset="0"/>
             </a:endParaRPr>
           </a:p>
         </p:txBody>
@@ -4767,7 +4081,7 @@
     </p:spTree>
     <p:extLst>
       <p:ext uri="{BB962C8B-B14F-4D97-AF65-F5344CB8AC3E}">
-        <p14:creationId xmlns:p14="http://schemas.microsoft.com/office/powerpoint/2010/main" val="461422566"/>
+        <p14:creationId xmlns:p14="http://schemas.microsoft.com/office/powerpoint/2010/main" val="2166395364"/>
       </p:ext>
     </p:extLst>
   </p:cSld>
@@ -4796,14 +4110,55 @@
       </p:grpSpPr>
       <p:sp>
         <p:nvSpPr>
-          <p:cNvPr id="5" name="CuadroTexto 4"/>
+          <p:cNvPr id="6" name="Rectángulo 5"/>
+          <p:cNvSpPr/>
+          <p:nvPr/>
+        </p:nvSpPr>
+        <p:spPr>
+          <a:xfrm>
+            <a:off x="601793" y="2638178"/>
+            <a:ext cx="7507054" cy="4154984"/>
+          </a:xfrm>
+          <a:prstGeom prst="rect">
+            <a:avLst/>
+          </a:prstGeom>
+        </p:spPr>
+        <p:txBody>
+          <a:bodyPr wrap="square">
+            <a:spAutoFit/>
+          </a:bodyPr>
+          <a:lstStyle/>
+          <a:p>
+            <a:r>
+              <a:rPr lang="es-CR" sz="4400" dirty="0" smtClean="0">
+                <a:solidFill>
+                  <a:schemeClr val="bg1"/>
+                </a:solidFill>
+                <a:latin typeface="Estrangelo Edessa" panose="03080600000000000000" pitchFamily="66" charset="0"/>
+                <a:cs typeface="Estrangelo Edessa" panose="03080600000000000000" pitchFamily="66" charset="0"/>
+              </a:rPr>
+              <a:t>Una colección de los videos que actualmente se trasmiten en televisión nacional del programa Aprendo en casa TV, con búsquedas por ciclo, nivel, materia y palabras claves.</a:t>
+            </a:r>
+            <a:endParaRPr lang="es-CR" sz="4400" dirty="0">
+              <a:solidFill>
+                <a:schemeClr val="bg1"/>
+              </a:solidFill>
+              <a:latin typeface="Estrangelo Edessa" panose="03080600000000000000" pitchFamily="66" charset="0"/>
+              <a:cs typeface="Estrangelo Edessa" panose="03080600000000000000" pitchFamily="66" charset="0"/>
+            </a:endParaRPr>
+          </a:p>
+        </p:txBody>
+      </p:sp>
+      <p:sp>
+        <p:nvSpPr>
+          <p:cNvPr id="7" name="CuadroTexto 6"/>
           <p:cNvSpPr txBox="1"/>
           <p:nvPr/>
         </p:nvSpPr>
         <p:spPr>
           <a:xfrm>
-            <a:off x="472666" y="4092224"/>
-            <a:ext cx="7772399" cy="2308324"/>
+            <a:off x="436693" y="329854"/>
+            <a:ext cx="7507054" cy="2308324"/>
           </a:xfrm>
           <a:prstGeom prst="rect">
             <a:avLst/>
@@ -4817,121 +4172,17 @@
           <a:lstStyle/>
           <a:p>
             <a:r>
-              <a:rPr lang="es-CR" sz="3600" dirty="0">
-                <a:solidFill>
-                  <a:schemeClr val="bg1"/>
-                </a:solidFill>
-                <a:latin typeface="Estrangelo Edessa" panose="03080600000000000000" pitchFamily="66" charset="0"/>
-                <a:cs typeface="Estrangelo Edessa" panose="03080600000000000000" pitchFamily="66" charset="0"/>
-              </a:rPr>
-              <a:t>Un trabajo en colaboración con el Programa de Investigación en Fundamentos de la Educación a Distancia PROIFED, UNED, y Banco Popular.</a:t>
-            </a:r>
-          </a:p>
-        </p:txBody>
-      </p:sp>
-      <p:sp>
-        <p:nvSpPr>
-          <p:cNvPr id="6" name="Rectángulo 5"/>
-          <p:cNvSpPr/>
-          <p:nvPr/>
-        </p:nvSpPr>
-        <p:spPr>
-          <a:xfrm>
-            <a:off x="472666" y="1537679"/>
-            <a:ext cx="8086718" cy="2554545"/>
-          </a:xfrm>
-          <a:prstGeom prst="rect">
-            <a:avLst/>
-          </a:prstGeom>
-        </p:spPr>
-        <p:txBody>
-          <a:bodyPr wrap="square">
-            <a:spAutoFit/>
-          </a:bodyPr>
-          <a:lstStyle/>
-          <a:p>
-            <a:r>
-              <a:rPr lang="es-CR" sz="4000" dirty="0">
-                <a:solidFill>
-                  <a:schemeClr val="bg1"/>
-                </a:solidFill>
-                <a:latin typeface="Estrangelo Edessa" panose="03080600000000000000" pitchFamily="66" charset="0"/>
-                <a:cs typeface="Estrangelo Edessa" panose="03080600000000000000" pitchFamily="66" charset="0"/>
-              </a:rPr>
-              <a:t>Una serie de guías para el docente y sus estudiantes, para los grados de primero a sexto, con actividades que refuerzan la educación financiera.</a:t>
-            </a:r>
-          </a:p>
-        </p:txBody>
-      </p:sp>
-      <p:sp>
-        <p:nvSpPr>
-          <p:cNvPr id="7" name="CuadroTexto 6"/>
-          <p:cNvSpPr txBox="1"/>
-          <p:nvPr/>
-        </p:nvSpPr>
-        <p:spPr>
-          <a:xfrm>
-            <a:off x="283415" y="39780"/>
-            <a:ext cx="4571926" cy="1692771"/>
-          </a:xfrm>
-          <a:prstGeom prst="rect">
-            <a:avLst/>
-          </a:prstGeom>
-          <a:noFill/>
-        </p:spPr>
-        <p:txBody>
-          <a:bodyPr wrap="square" rtlCol="0">
-            <a:spAutoFit/>
-          </a:bodyPr>
-          <a:lstStyle/>
-          <a:p>
-            <a:r>
-              <a:rPr lang="es-CR" sz="6000" dirty="0" smtClean="0">
+              <a:rPr lang="es-CR" sz="7200" dirty="0" smtClean="0">
                 <a:solidFill>
                   <a:schemeClr val="bg1"/>
                 </a:solidFill>
                 <a:latin typeface="Impact" panose="020B0806030902050204" pitchFamily="34" charset="0"/>
               </a:rPr>
-              <a:t>Educación</a:t>
-            </a:r>
-            <a:r>
-              <a:rPr lang="es-CR" sz="4400" dirty="0" smtClean="0">
-                <a:solidFill>
-                  <a:schemeClr val="bg1">
-                    <a:lumMod val="50000"/>
-                  </a:schemeClr>
-                </a:solidFill>
-                <a:latin typeface="Impact" panose="020B0806030902050204" pitchFamily="34" charset="0"/>
-              </a:rPr>
-              <a:t> </a:t>
-            </a:r>
-          </a:p>
-          <a:p>
-            <a:r>
-              <a:rPr lang="es-CR" sz="4400" dirty="0" smtClean="0">
-                <a:solidFill>
-                  <a:schemeClr val="bg1"/>
-                </a:solidFill>
-                <a:latin typeface="Impact" panose="020B0806030902050204" pitchFamily="34" charset="0"/>
-              </a:rPr>
-              <a:t>Financiera</a:t>
-            </a:r>
-            <a:r>
-              <a:rPr lang="es-CR" sz="3200" dirty="0" smtClean="0">
-                <a:solidFill>
-                  <a:schemeClr val="bg1">
-                    <a:lumMod val="50000"/>
-                  </a:schemeClr>
-                </a:solidFill>
-                <a:latin typeface="Impact" panose="020B0806030902050204" pitchFamily="34" charset="0"/>
-              </a:rPr>
-              <a:t> </a:t>
-            </a:r>
-            <a:endParaRPr lang="es-CR" sz="3200" dirty="0">
+              <a:t>Videoteca Aprendo en casa TV</a:t>
+            </a:r>
+            <a:endParaRPr lang="es-CR" sz="7200" dirty="0">
               <a:solidFill>
-                <a:schemeClr val="bg1">
-                  <a:lumMod val="50000"/>
-                </a:schemeClr>
+                <a:schemeClr val="bg1"/>
               </a:solidFill>
               <a:latin typeface="Impact" panose="020B0806030902050204" pitchFamily="34" charset="0"/>
             </a:endParaRPr>
@@ -4941,7 +4192,7 @@
     </p:spTree>
     <p:extLst>
       <p:ext uri="{BB962C8B-B14F-4D97-AF65-F5344CB8AC3E}">
-        <p14:creationId xmlns:p14="http://schemas.microsoft.com/office/powerpoint/2010/main" val="3496872601"/>
+        <p14:creationId xmlns:p14="http://schemas.microsoft.com/office/powerpoint/2010/main" val="2875765619"/>
       </p:ext>
     </p:extLst>
   </p:cSld>
@@ -4976,8 +4227,8 @@
         </p:nvSpPr>
         <p:spPr>
           <a:xfrm>
-            <a:off x="391722" y="2029003"/>
-            <a:ext cx="7807898" cy="4401205"/>
+            <a:off x="576393" y="2308324"/>
+            <a:ext cx="7507054" cy="5016758"/>
           </a:xfrm>
           <a:prstGeom prst="rect">
             <a:avLst/>
@@ -4990,15 +4241,44 @@
           <a:lstStyle/>
           <a:p>
             <a:r>
-              <a:rPr lang="es-CR" sz="4000" dirty="0">
+              <a:rPr lang="es-CR" sz="2800" dirty="0">
                 <a:solidFill>
                   <a:schemeClr val="bg1"/>
                 </a:solidFill>
                 <a:latin typeface="Estrangelo Edessa" panose="03080600000000000000" pitchFamily="66" charset="0"/>
                 <a:cs typeface="Estrangelo Edessa" panose="03080600000000000000" pitchFamily="66" charset="0"/>
               </a:rPr>
-              <a:t>Traductor de la lengua ngäbere, conocido también como guaimí, este recurso tiene distintas palabras acompañado de un audio, una imagen y una frase que pone en contexto al usuario que desee aprender sobre esta lengua </a:t>
-            </a:r>
+              <a:t>Un recurso para estudiante de undécimo </a:t>
+            </a:r>
+            <a:r>
+              <a:rPr lang="es-CR" sz="2800" dirty="0" smtClean="0">
+                <a:solidFill>
+                  <a:schemeClr val="bg1"/>
+                </a:solidFill>
+                <a:latin typeface="Estrangelo Edessa" panose="03080600000000000000" pitchFamily="66" charset="0"/>
+                <a:cs typeface="Estrangelo Edessa" panose="03080600000000000000" pitchFamily="66" charset="0"/>
+              </a:rPr>
+              <a:t>año, </a:t>
+            </a:r>
+            <a:r>
+              <a:rPr lang="es-CR" sz="2800" dirty="0">
+                <a:solidFill>
+                  <a:schemeClr val="bg1"/>
+                </a:solidFill>
+                <a:latin typeface="Estrangelo Edessa" panose="03080600000000000000" pitchFamily="66" charset="0"/>
+                <a:cs typeface="Estrangelo Edessa" panose="03080600000000000000" pitchFamily="66" charset="0"/>
+              </a:rPr>
+              <a:t>una serie de insumos pedagógicos para el desarrollo de las habilidades y los aprendizajes esperados; relacionadas con los contenidos conceptuales, las claves del arte costarricense. Destaca en él, la colección de 18 obras de la historia artística de Costa Rica modeladas en 3D, dispuestas para apoyar el proceso mediado de observación, reflexión, comprensión, análisis crítico y aprecio del arte costarricense.</a:t>
+            </a:r>
+          </a:p>
+          <a:p>
+            <a:endParaRPr lang="es-CR" sz="3600" dirty="0">
+              <a:solidFill>
+                <a:schemeClr val="bg1"/>
+              </a:solidFill>
+              <a:latin typeface="Estrangelo Edessa" panose="03080600000000000000" pitchFamily="66" charset="0"/>
+              <a:cs typeface="Estrangelo Edessa" panose="03080600000000000000" pitchFamily="66" charset="0"/>
+            </a:endParaRPr>
           </a:p>
         </p:txBody>
       </p:sp>
@@ -5010,8 +4290,8 @@
         </p:nvSpPr>
         <p:spPr>
           <a:xfrm>
-            <a:off x="511644" y="90011"/>
-            <a:ext cx="5667680" cy="1938992"/>
+            <a:off x="436693" y="0"/>
+            <a:ext cx="7058390" cy="2308324"/>
           </a:xfrm>
           <a:prstGeom prst="rect">
             <a:avLst/>
@@ -5025,37 +4305,15 @@
           <a:lstStyle/>
           <a:p>
             <a:r>
-              <a:rPr lang="es-CR" sz="6000" dirty="0" smtClean="0">
+              <a:rPr lang="es-CR" sz="7200" dirty="0" smtClean="0">
                 <a:solidFill>
                   <a:schemeClr val="bg1"/>
                 </a:solidFill>
                 <a:latin typeface="Impact" panose="020B0806030902050204" pitchFamily="34" charset="0"/>
               </a:rPr>
-              <a:t>Diccionario</a:t>
-            </a:r>
-            <a:r>
-              <a:rPr lang="es-CR" sz="6000" dirty="0" smtClean="0">
-                <a:solidFill>
-                  <a:schemeClr val="bg1">
-                    <a:lumMod val="50000"/>
-                  </a:schemeClr>
-                </a:solidFill>
-                <a:latin typeface="Impact" panose="020B0806030902050204" pitchFamily="34" charset="0"/>
-              </a:rPr>
-              <a:t> </a:t>
-            </a:r>
-          </a:p>
-          <a:p>
-            <a:r>
-              <a:rPr lang="es-CR" sz="6000" dirty="0" smtClean="0">
-                <a:solidFill>
-                  <a:schemeClr val="bg1"/>
-                </a:solidFill>
-                <a:latin typeface="Impact" panose="020B0806030902050204" pitchFamily="34" charset="0"/>
-              </a:rPr>
-              <a:t>ngäbere</a:t>
-            </a:r>
-            <a:endParaRPr lang="es-CR" sz="1600" dirty="0">
+              <a:t>Claves del Arte Costarricense</a:t>
+            </a:r>
+            <a:endParaRPr lang="es-CR" sz="7200" dirty="0">
               <a:solidFill>
                 <a:schemeClr val="bg1"/>
               </a:solidFill>
@@ -5067,7 +4325,7 @@
     </p:spTree>
     <p:extLst>
       <p:ext uri="{BB962C8B-B14F-4D97-AF65-F5344CB8AC3E}">
-        <p14:creationId xmlns:p14="http://schemas.microsoft.com/office/powerpoint/2010/main" val="3633925433"/>
+        <p14:creationId xmlns:p14="http://schemas.microsoft.com/office/powerpoint/2010/main" val="4001277797"/>
       </p:ext>
     </p:extLst>
   </p:cSld>
@@ -5102,8 +4360,8 @@
         </p:nvSpPr>
         <p:spPr>
           <a:xfrm>
-            <a:off x="657127" y="2152848"/>
-            <a:ext cx="7615003" cy="5632311"/>
+            <a:off x="500193" y="1715066"/>
+            <a:ext cx="7507054" cy="4832092"/>
           </a:xfrm>
           <a:prstGeom prst="rect">
             <a:avLst/>
@@ -5116,103 +4374,35 @@
           <a:lstStyle/>
           <a:p>
             <a:r>
-              <a:rPr lang="es-CR" sz="3600" dirty="0" smtClean="0">
+              <a:rPr lang="es-CR" sz="2800" dirty="0">
                 <a:solidFill>
                   <a:schemeClr val="bg1"/>
                 </a:solidFill>
                 <a:latin typeface="Estrangelo Edessa" panose="03080600000000000000" pitchFamily="66" charset="0"/>
                 <a:cs typeface="Estrangelo Edessa" panose="03080600000000000000" pitchFamily="66" charset="0"/>
               </a:rPr>
-              <a:t>Aplicación </a:t>
-            </a:r>
-            <a:r>
-              <a:rPr lang="es-CR" sz="3600" dirty="0">
+              <a:t>S</a:t>
+            </a:r>
+            <a:r>
+              <a:rPr lang="es-CR" sz="2800" dirty="0" smtClean="0">
                 <a:solidFill>
                   <a:schemeClr val="bg1"/>
                 </a:solidFill>
                 <a:latin typeface="Estrangelo Edessa" panose="03080600000000000000" pitchFamily="66" charset="0"/>
                 <a:cs typeface="Estrangelo Edessa" panose="03080600000000000000" pitchFamily="66" charset="0"/>
               </a:rPr>
-              <a:t>de escritorio </a:t>
-            </a:r>
-            <a:r>
-              <a:rPr lang="es-CR" sz="3600" dirty="0" smtClean="0">
+              <a:t>istema </a:t>
+            </a:r>
+            <a:r>
+              <a:rPr lang="es-CR" sz="2800" dirty="0">
                 <a:solidFill>
                   <a:schemeClr val="bg1"/>
                 </a:solidFill>
                 <a:latin typeface="Estrangelo Edessa" panose="03080600000000000000" pitchFamily="66" charset="0"/>
                 <a:cs typeface="Estrangelo Edessa" panose="03080600000000000000" pitchFamily="66" charset="0"/>
               </a:rPr>
-              <a:t>multimedio </a:t>
-            </a:r>
-            <a:r>
-              <a:rPr lang="es-CR" sz="3600" dirty="0">
-                <a:solidFill>
-                  <a:schemeClr val="bg1"/>
-                </a:solidFill>
-                <a:latin typeface="Estrangelo Edessa" panose="03080600000000000000" pitchFamily="66" charset="0"/>
-                <a:cs typeface="Estrangelo Edessa" panose="03080600000000000000" pitchFamily="66" charset="0"/>
-              </a:rPr>
-              <a:t>en versión web, para la asignatura de Ciencias en todos los años de primaria,  </a:t>
-            </a:r>
-            <a:r>
-              <a:rPr lang="es-CR" sz="3600" dirty="0" smtClean="0">
-                <a:solidFill>
-                  <a:schemeClr val="bg1"/>
-                </a:solidFill>
-                <a:latin typeface="Estrangelo Edessa" panose="03080600000000000000" pitchFamily="66" charset="0"/>
-                <a:cs typeface="Estrangelo Edessa" panose="03080600000000000000" pitchFamily="66" charset="0"/>
-              </a:rPr>
-              <a:t>con seis </a:t>
-            </a:r>
-            <a:r>
-              <a:rPr lang="es-CR" sz="3600" dirty="0">
-                <a:solidFill>
-                  <a:schemeClr val="bg1"/>
-                </a:solidFill>
-                <a:latin typeface="Estrangelo Edessa" panose="03080600000000000000" pitchFamily="66" charset="0"/>
-                <a:cs typeface="Estrangelo Edessa" panose="03080600000000000000" pitchFamily="66" charset="0"/>
-              </a:rPr>
-              <a:t>módulos correspondientes a cada grado de primaria, cada módulo contiene dos secciones: entrenamiento y </a:t>
-            </a:r>
-            <a:r>
-              <a:rPr lang="es-CR" sz="3600" dirty="0" smtClean="0">
-                <a:solidFill>
-                  <a:schemeClr val="bg1"/>
-                </a:solidFill>
-                <a:latin typeface="Estrangelo Edessa" panose="03080600000000000000" pitchFamily="66" charset="0"/>
-                <a:cs typeface="Estrangelo Edessa" panose="03080600000000000000" pitchFamily="66" charset="0"/>
-              </a:rPr>
-              <a:t>producción, una nueva forma de feria científica</a:t>
-            </a:r>
-            <a:endParaRPr lang="es-CR" sz="3600" dirty="0">
-              <a:solidFill>
-                <a:schemeClr val="bg1"/>
-              </a:solidFill>
-              <a:latin typeface="Estrangelo Edessa" panose="03080600000000000000" pitchFamily="66" charset="0"/>
-              <a:cs typeface="Estrangelo Edessa" panose="03080600000000000000" pitchFamily="66" charset="0"/>
-            </a:endParaRPr>
-          </a:p>
-          <a:p>
-            <a:r>
-              <a:rPr lang="es-CR" sz="3600" dirty="0">
-                <a:solidFill>
-                  <a:schemeClr val="bg1"/>
-                </a:solidFill>
-                <a:latin typeface="Estrangelo Edessa" panose="03080600000000000000" pitchFamily="66" charset="0"/>
-                <a:cs typeface="Estrangelo Edessa" panose="03080600000000000000" pitchFamily="66" charset="0"/>
-              </a:rPr>
-              <a:t>	</a:t>
-            </a:r>
-          </a:p>
-          <a:p>
-            <a:endParaRPr lang="es-CR" sz="3600" dirty="0">
-              <a:solidFill>
-                <a:schemeClr val="bg1"/>
-              </a:solidFill>
-              <a:latin typeface="Estrangelo Edessa" panose="03080600000000000000" pitchFamily="66" charset="0"/>
-              <a:cs typeface="Estrangelo Edessa" panose="03080600000000000000" pitchFamily="66" charset="0"/>
-            </a:endParaRPr>
+              <a:t>que procura facilitar los procesos electorales en los centros educativos, proveyendo las herramientas para crear una votación electrónica adecuada al contexto de cada institución, pudiendo generar las papeletas, gestionar el padrón electoral, realizar la votación y ofreciendo los resultados finales. Todo desde un sistema centralizado que permite a las áreas MEP involucradas obtener datos estadísticos de los procesos realizados en las instituciones que empleen la herramienta.</a:t>
+            </a:r>
           </a:p>
         </p:txBody>
       </p:sp>
@@ -5224,8 +4414,8 @@
         </p:nvSpPr>
         <p:spPr>
           <a:xfrm>
-            <a:off x="568227" y="0"/>
-            <a:ext cx="9782273" cy="2308324"/>
+            <a:off x="271593" y="0"/>
+            <a:ext cx="7058390" cy="1569660"/>
           </a:xfrm>
           <a:prstGeom prst="rect">
             <a:avLst/>
@@ -5239,25 +4429,15 @@
           <a:lstStyle/>
           <a:p>
             <a:r>
-              <a:rPr lang="es-CR" sz="7200" dirty="0">
+              <a:rPr lang="es-CR" sz="9600" dirty="0" err="1" smtClean="0">
                 <a:solidFill>
                   <a:schemeClr val="bg1"/>
                 </a:solidFill>
                 <a:latin typeface="Impact" panose="020B0806030902050204" pitchFamily="34" charset="0"/>
               </a:rPr>
-              <a:t>Mis primeros pasos en quehacer </a:t>
-            </a:r>
-            <a:r>
-              <a:rPr lang="es-CR" sz="7200" dirty="0" smtClean="0">
-                <a:solidFill>
-                  <a:schemeClr val="bg1"/>
-                </a:solidFill>
-                <a:latin typeface="Estrangelo Edessa" panose="03080600000000000000" pitchFamily="66" charset="0"/>
-                <a:cs typeface="Estrangelo Edessa" panose="03080600000000000000" pitchFamily="66" charset="0"/>
-              </a:rPr>
-              <a:t>científico</a:t>
-            </a:r>
-            <a:endParaRPr lang="es-CR" sz="2000" dirty="0">
+              <a:t>ioVoto</a:t>
+            </a:r>
+            <a:endParaRPr lang="es-CR" sz="9600" dirty="0">
               <a:solidFill>
                 <a:schemeClr val="bg1"/>
               </a:solidFill>
@@ -5269,7 +4449,7 @@
     </p:spTree>
     <p:extLst>
       <p:ext uri="{BB962C8B-B14F-4D97-AF65-F5344CB8AC3E}">
-        <p14:creationId xmlns:p14="http://schemas.microsoft.com/office/powerpoint/2010/main" val="2591083474"/>
+        <p14:creationId xmlns:p14="http://schemas.microsoft.com/office/powerpoint/2010/main" val="3746302220"/>
       </p:ext>
     </p:extLst>
   </p:cSld>
@@ -5304,113 +4484,8 @@
         </p:nvSpPr>
         <p:spPr>
           <a:xfrm>
-            <a:off x="614493" y="2790578"/>
-            <a:ext cx="7507054" cy="3539430"/>
-          </a:xfrm>
-          <a:prstGeom prst="rect">
-            <a:avLst/>
-          </a:prstGeom>
-        </p:spPr>
-        <p:txBody>
-          <a:bodyPr wrap="square">
-            <a:spAutoFit/>
-          </a:bodyPr>
-          <a:lstStyle/>
-          <a:p>
-            <a:r>
-              <a:rPr lang="es-CR" sz="3200" dirty="0" smtClean="0">
-                <a:solidFill>
-                  <a:schemeClr val="bg1"/>
-                </a:solidFill>
-                <a:latin typeface="Estrangelo Edessa" panose="03080600000000000000" pitchFamily="66" charset="0"/>
-                <a:cs typeface="Estrangelo Edessa" panose="03080600000000000000" pitchFamily="66" charset="0"/>
-              </a:rPr>
-              <a:t>Un calendario digital con las actividades más importantes del Ministerio de Educación Pública, cuenta con distintos filtro de búsqueda, información actualizada y lista para descargar, un recurso que viene a optimizar el tiempo de nuestra comunidad educativa en general</a:t>
-            </a:r>
-            <a:endParaRPr lang="es-CR" sz="3200" dirty="0">
-              <a:solidFill>
-                <a:schemeClr val="bg1"/>
-              </a:solidFill>
-              <a:latin typeface="Estrangelo Edessa" panose="03080600000000000000" pitchFamily="66" charset="0"/>
-              <a:cs typeface="Estrangelo Edessa" panose="03080600000000000000" pitchFamily="66" charset="0"/>
-            </a:endParaRPr>
-          </a:p>
-        </p:txBody>
-      </p:sp>
-      <p:sp>
-        <p:nvSpPr>
-          <p:cNvPr id="7" name="CuadroTexto 6"/>
-          <p:cNvSpPr txBox="1"/>
-          <p:nvPr/>
-        </p:nvSpPr>
-        <p:spPr>
-          <a:xfrm>
-            <a:off x="436693" y="329854"/>
-            <a:ext cx="7058390" cy="2308324"/>
-          </a:xfrm>
-          <a:prstGeom prst="rect">
-            <a:avLst/>
-          </a:prstGeom>
-          <a:noFill/>
-        </p:spPr>
-        <p:txBody>
-          <a:bodyPr wrap="square" rtlCol="0">
-            <a:spAutoFit/>
-          </a:bodyPr>
-          <a:lstStyle/>
-          <a:p>
-            <a:r>
-              <a:rPr lang="es-CR" sz="7200" dirty="0">
-                <a:solidFill>
-                  <a:schemeClr val="bg1"/>
-                </a:solidFill>
-                <a:latin typeface="Impact" panose="020B0806030902050204" pitchFamily="34" charset="0"/>
-              </a:rPr>
-              <a:t>Calendario Virtual 2021</a:t>
-            </a:r>
-          </a:p>
-        </p:txBody>
-      </p:sp>
-    </p:spTree>
-    <p:extLst>
-      <p:ext uri="{BB962C8B-B14F-4D97-AF65-F5344CB8AC3E}">
-        <p14:creationId xmlns:p14="http://schemas.microsoft.com/office/powerpoint/2010/main" val="778702690"/>
-      </p:ext>
-    </p:extLst>
-  </p:cSld>
-  <p:clrMapOvr>
-    <a:masterClrMapping/>
-  </p:clrMapOvr>
-</p:sld>
-</file>
-
-<file path=ppt/slides/slide7.xml><?xml version="1.0" encoding="utf-8"?>
-<p:sld xmlns:a="http://schemas.openxmlformats.org/drawingml/2006/main" xmlns:r="http://schemas.openxmlformats.org/officeDocument/2006/relationships" xmlns:p="http://schemas.openxmlformats.org/presentationml/2006/main">
-  <p:cSld>
-    <p:spTree>
-      <p:nvGrpSpPr>
-        <p:cNvPr id="1" name=""/>
-        <p:cNvGrpSpPr/>
-        <p:nvPr/>
-      </p:nvGrpSpPr>
-      <p:grpSpPr>
-        <a:xfrm>
-          <a:off x="0" y="0"/>
-          <a:ext cx="0" cy="0"/>
-          <a:chOff x="0" y="0"/>
-          <a:chExt cx="0" cy="0"/>
-        </a:xfrm>
-      </p:grpSpPr>
-      <p:sp>
-        <p:nvSpPr>
-          <p:cNvPr id="6" name="Rectángulo 5"/>
-          <p:cNvSpPr/>
-          <p:nvPr/>
-        </p:nvSpPr>
-        <p:spPr>
-          <a:xfrm>
-            <a:off x="436693" y="2248466"/>
-            <a:ext cx="7507054" cy="769441"/>
+            <a:off x="436693" y="1867466"/>
+            <a:ext cx="7507054" cy="4154984"/>
           </a:xfrm>
           <a:prstGeom prst="rect">
             <a:avLst/>
@@ -5430,7 +4505,7 @@
                 <a:latin typeface="Estrangelo Edessa" panose="03080600000000000000" pitchFamily="66" charset="0"/>
                 <a:cs typeface="Estrangelo Edessa" panose="03080600000000000000" pitchFamily="66" charset="0"/>
               </a:rPr>
-              <a:t>Un</a:t>
+              <a:t>Una maravillosa colección de mini enciclopedias de los territorios indígenas de Costa Rica, varios tomos con costumbres, historia, leyendas y mucho más. </a:t>
             </a:r>
             <a:endParaRPr lang="es-CR" sz="4400" dirty="0">
               <a:solidFill>
@@ -5451,7 +4526,7 @@
         <p:spPr>
           <a:xfrm>
             <a:off x="436693" y="329854"/>
-            <a:ext cx="7058390" cy="1446550"/>
+            <a:ext cx="7507054" cy="1200329"/>
           </a:xfrm>
           <a:prstGeom prst="rect">
             <a:avLst/>
@@ -5465,124 +4540,13 @@
           <a:lstStyle/>
           <a:p>
             <a:r>
-              <a:rPr lang="es-CR" sz="8800" dirty="0" err="1" smtClean="0">
-                <a:solidFill>
-                  <a:schemeClr val="bg1"/>
-                </a:solidFill>
-                <a:latin typeface="Impact" panose="020B0806030902050204" pitchFamily="34" charset="0"/>
-              </a:rPr>
-              <a:t>Welwarn</a:t>
-            </a:r>
-            <a:endParaRPr lang="es-CR" sz="8800" dirty="0">
-              <a:solidFill>
-                <a:schemeClr val="bg1"/>
-              </a:solidFill>
-              <a:latin typeface="Impact" panose="020B0806030902050204" pitchFamily="34" charset="0"/>
-            </a:endParaRPr>
-          </a:p>
-        </p:txBody>
-      </p:sp>
-    </p:spTree>
-    <p:extLst>
-      <p:ext uri="{BB962C8B-B14F-4D97-AF65-F5344CB8AC3E}">
-        <p14:creationId xmlns:p14="http://schemas.microsoft.com/office/powerpoint/2010/main" val="2166395364"/>
-      </p:ext>
-    </p:extLst>
-  </p:cSld>
-  <p:clrMapOvr>
-    <a:masterClrMapping/>
-  </p:clrMapOvr>
-</p:sld>
-</file>
-
-<file path=ppt/slides/slide8.xml><?xml version="1.0" encoding="utf-8"?>
-<p:sld xmlns:a="http://schemas.openxmlformats.org/drawingml/2006/main" xmlns:r="http://schemas.openxmlformats.org/officeDocument/2006/relationships" xmlns:p="http://schemas.openxmlformats.org/presentationml/2006/main">
-  <p:cSld>
-    <p:spTree>
-      <p:nvGrpSpPr>
-        <p:cNvPr id="1" name=""/>
-        <p:cNvGrpSpPr/>
-        <p:nvPr/>
-      </p:nvGrpSpPr>
-      <p:grpSpPr>
-        <a:xfrm>
-          <a:off x="0" y="0"/>
-          <a:ext cx="0" cy="0"/>
-          <a:chOff x="0" y="0"/>
-          <a:chExt cx="0" cy="0"/>
-        </a:xfrm>
-      </p:grpSpPr>
-      <p:sp>
-        <p:nvSpPr>
-          <p:cNvPr id="6" name="Rectángulo 5"/>
-          <p:cNvSpPr/>
-          <p:nvPr/>
-        </p:nvSpPr>
-        <p:spPr>
-          <a:xfrm>
-            <a:off x="601793" y="2638178"/>
-            <a:ext cx="7507054" cy="4154984"/>
-          </a:xfrm>
-          <a:prstGeom prst="rect">
-            <a:avLst/>
-          </a:prstGeom>
-        </p:spPr>
-        <p:txBody>
-          <a:bodyPr wrap="square">
-            <a:spAutoFit/>
-          </a:bodyPr>
-          <a:lstStyle/>
-          <a:p>
-            <a:r>
-              <a:rPr lang="es-CR" sz="4400" dirty="0" smtClean="0">
-                <a:solidFill>
-                  <a:schemeClr val="bg1"/>
-                </a:solidFill>
-                <a:latin typeface="Estrangelo Edessa" panose="03080600000000000000" pitchFamily="66" charset="0"/>
-                <a:cs typeface="Estrangelo Edessa" panose="03080600000000000000" pitchFamily="66" charset="0"/>
-              </a:rPr>
-              <a:t>Una colección de los videos que actualmente se trasmiten en televisión nacional del programa Aprendo en casa TV, con búsquedas por ciclo, nivel, materia y palabras claves.</a:t>
-            </a:r>
-            <a:endParaRPr lang="es-CR" sz="4400" dirty="0">
-              <a:solidFill>
-                <a:schemeClr val="bg1"/>
-              </a:solidFill>
-              <a:latin typeface="Estrangelo Edessa" panose="03080600000000000000" pitchFamily="66" charset="0"/>
-              <a:cs typeface="Estrangelo Edessa" panose="03080600000000000000" pitchFamily="66" charset="0"/>
-            </a:endParaRPr>
-          </a:p>
-        </p:txBody>
-      </p:sp>
-      <p:sp>
-        <p:nvSpPr>
-          <p:cNvPr id="7" name="CuadroTexto 6"/>
-          <p:cNvSpPr txBox="1"/>
-          <p:nvPr/>
-        </p:nvSpPr>
-        <p:spPr>
-          <a:xfrm>
-            <a:off x="436693" y="329854"/>
-            <a:ext cx="7507054" cy="2308324"/>
-          </a:xfrm>
-          <a:prstGeom prst="rect">
-            <a:avLst/>
-          </a:prstGeom>
-          <a:noFill/>
-        </p:spPr>
-        <p:txBody>
-          <a:bodyPr wrap="square" rtlCol="0">
-            <a:spAutoFit/>
-          </a:bodyPr>
-          <a:lstStyle/>
-          <a:p>
-            <a:r>
               <a:rPr lang="es-CR" sz="7200" dirty="0" smtClean="0">
                 <a:solidFill>
                   <a:schemeClr val="bg1"/>
                 </a:solidFill>
                 <a:latin typeface="Impact" panose="020B0806030902050204" pitchFamily="34" charset="0"/>
               </a:rPr>
-              <a:t>Videoteca Aprendo en casa TV</a:t>
+              <a:t>Mini enciclopedias </a:t>
             </a:r>
             <a:endParaRPr lang="es-CR" sz="7200" dirty="0">
               <a:solidFill>
@@ -5596,180 +4560,7 @@
     </p:spTree>
     <p:extLst>
       <p:ext uri="{BB962C8B-B14F-4D97-AF65-F5344CB8AC3E}">
-        <p14:creationId xmlns:p14="http://schemas.microsoft.com/office/powerpoint/2010/main" val="2875765619"/>
-      </p:ext>
-    </p:extLst>
-  </p:cSld>
-  <p:clrMapOvr>
-    <a:masterClrMapping/>
-  </p:clrMapOvr>
-</p:sld>
-</file>
-
-<file path=ppt/slides/slide9.xml><?xml version="1.0" encoding="utf-8"?>
-<p:sld xmlns:a="http://schemas.openxmlformats.org/drawingml/2006/main" xmlns:r="http://schemas.openxmlformats.org/officeDocument/2006/relationships" xmlns:p="http://schemas.openxmlformats.org/presentationml/2006/main">
-  <p:cSld>
-    <p:spTree>
-      <p:nvGrpSpPr>
-        <p:cNvPr id="1" name=""/>
-        <p:cNvGrpSpPr/>
-        <p:nvPr/>
-      </p:nvGrpSpPr>
-      <p:grpSpPr>
-        <a:xfrm>
-          <a:off x="0" y="0"/>
-          <a:ext cx="0" cy="0"/>
-          <a:chOff x="0" y="0"/>
-          <a:chExt cx="0" cy="0"/>
-        </a:xfrm>
-      </p:grpSpPr>
-      <p:sp>
-        <p:nvSpPr>
-          <p:cNvPr id="6" name="Rectángulo 5"/>
-          <p:cNvSpPr/>
-          <p:nvPr/>
-        </p:nvSpPr>
-        <p:spPr>
-          <a:xfrm>
-            <a:off x="576393" y="2308324"/>
-            <a:ext cx="7507054" cy="5016758"/>
-          </a:xfrm>
-          <a:prstGeom prst="rect">
-            <a:avLst/>
-          </a:prstGeom>
-        </p:spPr>
-        <p:txBody>
-          <a:bodyPr wrap="square">
-            <a:spAutoFit/>
-          </a:bodyPr>
-          <a:lstStyle/>
-          <a:p>
-            <a:r>
-              <a:rPr lang="es-CR" sz="2800" dirty="0">
-                <a:solidFill>
-                  <a:schemeClr val="bg1"/>
-                </a:solidFill>
-                <a:latin typeface="Estrangelo Edessa" panose="03080600000000000000" pitchFamily="66" charset="0"/>
-                <a:cs typeface="Estrangelo Edessa" panose="03080600000000000000" pitchFamily="66" charset="0"/>
-              </a:rPr>
-              <a:t>Un </a:t>
-            </a:r>
-            <a:r>
-              <a:rPr lang="es-CR" sz="2800" dirty="0">
-                <a:solidFill>
-                  <a:schemeClr val="bg1"/>
-                </a:solidFill>
-                <a:latin typeface="Estrangelo Edessa" panose="03080600000000000000" pitchFamily="66" charset="0"/>
-                <a:cs typeface="Estrangelo Edessa" panose="03080600000000000000" pitchFamily="66" charset="0"/>
-              </a:rPr>
-              <a:t>recurso</a:t>
-            </a:r>
-            <a:r>
-              <a:rPr lang="es-CR" sz="2800" dirty="0">
-                <a:solidFill>
-                  <a:schemeClr val="bg1"/>
-                </a:solidFill>
-                <a:latin typeface="Estrangelo Edessa" panose="03080600000000000000" pitchFamily="66" charset="0"/>
-                <a:cs typeface="Estrangelo Edessa" panose="03080600000000000000" pitchFamily="66" charset="0"/>
-              </a:rPr>
-              <a:t> para estudiante </a:t>
-            </a:r>
-            <a:r>
-              <a:rPr lang="es-CR" sz="2800" dirty="0">
-                <a:solidFill>
-                  <a:schemeClr val="bg1"/>
-                </a:solidFill>
-                <a:latin typeface="Estrangelo Edessa" panose="03080600000000000000" pitchFamily="66" charset="0"/>
-                <a:cs typeface="Estrangelo Edessa" panose="03080600000000000000" pitchFamily="66" charset="0"/>
-              </a:rPr>
-              <a:t>de undécimo </a:t>
-            </a:r>
-            <a:r>
-              <a:rPr lang="es-CR" sz="2800" dirty="0" smtClean="0">
-                <a:solidFill>
-                  <a:schemeClr val="bg1"/>
-                </a:solidFill>
-                <a:latin typeface="Estrangelo Edessa" panose="03080600000000000000" pitchFamily="66" charset="0"/>
-                <a:cs typeface="Estrangelo Edessa" panose="03080600000000000000" pitchFamily="66" charset="0"/>
-              </a:rPr>
-              <a:t>año, </a:t>
-            </a:r>
-            <a:r>
-              <a:rPr lang="es-CR" sz="2800" dirty="0">
-                <a:solidFill>
-                  <a:schemeClr val="bg1"/>
-                </a:solidFill>
-                <a:latin typeface="Estrangelo Edessa" panose="03080600000000000000" pitchFamily="66" charset="0"/>
-                <a:cs typeface="Estrangelo Edessa" panose="03080600000000000000" pitchFamily="66" charset="0"/>
-              </a:rPr>
-              <a:t>una serie de insumos pedagógicos para el desarrollo de las habilidades y los aprendizajes esperados; relacionadas con los contenidos conceptuales, las claves del arte costarricense. </a:t>
-            </a:r>
-            <a:r>
-              <a:rPr lang="es-CR" sz="2800" dirty="0">
-                <a:solidFill>
-                  <a:schemeClr val="bg1"/>
-                </a:solidFill>
-                <a:latin typeface="Estrangelo Edessa" panose="03080600000000000000" pitchFamily="66" charset="0"/>
-                <a:cs typeface="Estrangelo Edessa" panose="03080600000000000000" pitchFamily="66" charset="0"/>
-              </a:rPr>
-              <a:t>Destaca en él, la colección de 18 obras de la historia artística de Costa Rica modeladas en 3D, dispuestas para apoyar el proceso mediado de observación, reflexión, comprensión, análisis crítico y aprecio del arte costarricense.</a:t>
-            </a:r>
-          </a:p>
-          <a:p>
-            <a:endParaRPr lang="es-CR" sz="3600" dirty="0">
-              <a:solidFill>
-                <a:schemeClr val="bg1"/>
-              </a:solidFill>
-              <a:latin typeface="Estrangelo Edessa" panose="03080600000000000000" pitchFamily="66" charset="0"/>
-              <a:cs typeface="Estrangelo Edessa" panose="03080600000000000000" pitchFamily="66" charset="0"/>
-            </a:endParaRPr>
-          </a:p>
-        </p:txBody>
-      </p:sp>
-      <p:sp>
-        <p:nvSpPr>
-          <p:cNvPr id="7" name="CuadroTexto 6"/>
-          <p:cNvSpPr txBox="1"/>
-          <p:nvPr/>
-        </p:nvSpPr>
-        <p:spPr>
-          <a:xfrm>
-            <a:off x="436693" y="0"/>
-            <a:ext cx="7058390" cy="2308324"/>
-          </a:xfrm>
-          <a:prstGeom prst="rect">
-            <a:avLst/>
-          </a:prstGeom>
-          <a:noFill/>
-        </p:spPr>
-        <p:txBody>
-          <a:bodyPr wrap="square" rtlCol="0">
-            <a:spAutoFit/>
-          </a:bodyPr>
-          <a:lstStyle/>
-          <a:p>
-            <a:r>
-              <a:rPr lang="es-CR" sz="7200" dirty="0" smtClean="0">
-                <a:solidFill>
-                  <a:schemeClr val="bg1"/>
-                </a:solidFill>
-                <a:latin typeface="Impact" panose="020B0806030902050204" pitchFamily="34" charset="0"/>
-              </a:rPr>
-              <a:t>Claves del Arte Costarricense</a:t>
-            </a:r>
-            <a:endParaRPr lang="es-CR" sz="7200" dirty="0">
-              <a:solidFill>
-                <a:schemeClr val="bg1"/>
-              </a:solidFill>
-              <a:latin typeface="Impact" panose="020B0806030902050204" pitchFamily="34" charset="0"/>
-            </a:endParaRPr>
-          </a:p>
-        </p:txBody>
-      </p:sp>
-    </p:spTree>
-    <p:extLst>
-      <p:ext uri="{BB962C8B-B14F-4D97-AF65-F5344CB8AC3E}">
-        <p14:creationId xmlns:p14="http://schemas.microsoft.com/office/powerpoint/2010/main" val="4001277797"/>
+        <p14:creationId xmlns:p14="http://schemas.microsoft.com/office/powerpoint/2010/main" val="418536484"/>
       </p:ext>
     </p:extLst>
   </p:cSld>
